--- a/_figure/results/ch4_iet_struct.pptx
+++ b/_figure/results/ch4_iet_struct.pptx
@@ -7,7 +7,7 @@
   <p:sldIdLst>
     <p:sldId id="256" r:id="rId2"/>
   </p:sldIdLst>
-  <p:sldSz cx="11877675" cy="15124113"/>
+  <p:sldSz cx="11877675" cy="11877675"/>
   <p:notesSz cx="6858000" cy="9144000"/>
   <p:defaultTextStyle>
     <a:defPPr>
@@ -128,61 +128,61 @@
           <a:lstStyle/>
           <a:p>
             <a:pPr>
-              <a:defRPr b="0">
+              <a:defRPr sz="2000" b="0">
                 <a:latin typeface="Times New Roman"/>
                 <a:cs typeface="Times New Roman"/>
               </a:defRPr>
             </a:pPr>
             <a:r>
-              <a:rPr lang="en-US" altLang="zh-CN" b="0">
+              <a:rPr lang="en-US" altLang="zh-CN" sz="2000" b="0">
                 <a:latin typeface="Times New Roman"/>
                 <a:cs typeface="Times New Roman"/>
               </a:rPr>
               <a:t>CH</a:t>
             </a:r>
             <a:r>
-              <a:rPr lang="en-US" altLang="zh-CN" b="0" baseline="-25000">
+              <a:rPr lang="en-US" altLang="zh-CN" sz="2000" b="0" baseline="-25000">
                 <a:latin typeface="Times New Roman"/>
                 <a:cs typeface="Times New Roman"/>
               </a:rPr>
               <a:t>4</a:t>
             </a:r>
             <a:r>
-              <a:rPr lang="en-US" altLang="zh-CN" b="0" baseline="30000">
+              <a:rPr lang="en-US" altLang="zh-CN" sz="2000" b="0" baseline="30000">
                 <a:latin typeface="Times New Roman"/>
                 <a:cs typeface="Times New Roman"/>
               </a:rPr>
               <a:t>-0.6</a:t>
             </a:r>
             <a:r>
-              <a:rPr lang="en-US" altLang="zh-CN" b="0">
+              <a:rPr lang="en-US" altLang="zh-CN" sz="2000" b="0">
                 <a:latin typeface="Times New Roman"/>
                 <a:cs typeface="Times New Roman"/>
               </a:rPr>
               <a:t>,</a:t>
             </a:r>
             <a:r>
-              <a:rPr lang="en-US" altLang="zh-CN" b="0" baseline="0">
+              <a:rPr lang="en-US" altLang="zh-CN" sz="2000" b="0" baseline="0">
                 <a:latin typeface="Times New Roman"/>
                 <a:cs typeface="Times New Roman"/>
               </a:rPr>
               <a:t> m</a:t>
             </a:r>
             <a:r>
-              <a:rPr lang="en-US" altLang="zh-CN" b="0" baseline="-25000">
+              <a:rPr lang="en-US" altLang="zh-CN" sz="2000" b="0" baseline="-25000">
                 <a:latin typeface="Times New Roman"/>
                 <a:cs typeface="Times New Roman"/>
               </a:rPr>
               <a:t>max</a:t>
             </a:r>
             <a:r>
-              <a:rPr lang="en-US" altLang="zh-CN" b="0" baseline="0">
+              <a:rPr lang="en-US" altLang="zh-CN" sz="2000" b="0" baseline="0">
                 <a:latin typeface="Times New Roman"/>
                 <a:cs typeface="Times New Roman"/>
               </a:rPr>
               <a:t>=2</a:t>
             </a:r>
-            <a:endParaRPr lang="zh-CN" altLang="en-US" b="0">
+            <a:endParaRPr lang="zh-CN" altLang="en-US" sz="2000" b="0">
               <a:latin typeface="Times New Roman"/>
               <a:cs typeface="Times New Roman"/>
             </a:endParaRPr>
@@ -2147,7 +2147,7 @@
                   <c:v>0.0</c:v>
                 </c:pt>
                 <c:pt idx="24">
-                  <c:v>5.27300000000001E-34</c:v>
+                  <c:v>5.27300000000003E-34</c:v>
                 </c:pt>
                 <c:pt idx="25">
                   <c:v>3.163E-18</c:v>
@@ -3384,7 +3384,7 @@
                   <c:v>0.0</c:v>
                 </c:pt>
                 <c:pt idx="24">
-                  <c:v>6.84000000000001E-35</c:v>
+                  <c:v>6.84000000000003E-35</c:v>
                 </c:pt>
                 <c:pt idx="25">
                   <c:v>2.376E-19</c:v>
@@ -4621,7 +4621,7 @@
                   <c:v>0.0</c:v>
                 </c:pt>
                 <c:pt idx="24">
-                  <c:v>5.49000000000001E-34</c:v>
+                  <c:v>5.49000000000003E-34</c:v>
                 </c:pt>
                 <c:pt idx="25">
                   <c:v>3.421E-18</c:v>
@@ -5323,7 +5323,7 @@
                   <c:v>4.0417</c:v>
                 </c:pt>
                 <c:pt idx="49">
-                  <c:v>4.124999999999999</c:v>
+                  <c:v>4.124999999999996</c:v>
                 </c:pt>
                 <c:pt idx="50">
                   <c:v>4.2083</c:v>
@@ -5341,7 +5341,7 @@
                   <c:v>4.5417</c:v>
                 </c:pt>
                 <c:pt idx="55">
-                  <c:v>4.624999999999999</c:v>
+                  <c:v>4.624999999999995</c:v>
                 </c:pt>
                 <c:pt idx="56">
                   <c:v>4.7083</c:v>
@@ -5359,7 +5359,7 @@
                   <c:v>5.0417</c:v>
                 </c:pt>
                 <c:pt idx="61">
-                  <c:v>5.124999999999999</c:v>
+                  <c:v>5.124999999999996</c:v>
                 </c:pt>
                 <c:pt idx="62">
                   <c:v>5.2083</c:v>
@@ -5377,7 +5377,7 @@
                   <c:v>5.5417</c:v>
                 </c:pt>
                 <c:pt idx="67">
-                  <c:v>5.624999999999999</c:v>
+                  <c:v>5.624999999999995</c:v>
                 </c:pt>
                 <c:pt idx="68">
                   <c:v>5.7083</c:v>
@@ -5395,7 +5395,7 @@
                   <c:v>6.0417</c:v>
                 </c:pt>
                 <c:pt idx="73">
-                  <c:v>6.124999999999999</c:v>
+                  <c:v>6.124999999999996</c:v>
                 </c:pt>
                 <c:pt idx="74">
                   <c:v>6.2083</c:v>
@@ -5413,7 +5413,7 @@
                   <c:v>6.5417</c:v>
                 </c:pt>
                 <c:pt idx="79">
-                  <c:v>6.624999999999999</c:v>
+                  <c:v>6.624999999999995</c:v>
                 </c:pt>
                 <c:pt idx="80">
                   <c:v>6.7083</c:v>
@@ -5431,7 +5431,7 @@
                   <c:v>7.0417</c:v>
                 </c:pt>
                 <c:pt idx="85">
-                  <c:v>7.124999999999999</c:v>
+                  <c:v>7.124999999999996</c:v>
                 </c:pt>
                 <c:pt idx="86">
                   <c:v>7.2083</c:v>
@@ -5449,7 +5449,7 @@
                   <c:v>7.5417</c:v>
                 </c:pt>
                 <c:pt idx="91">
-                  <c:v>7.624999999999999</c:v>
+                  <c:v>7.624999999999995</c:v>
                 </c:pt>
                 <c:pt idx="92">
                   <c:v>7.7083</c:v>
@@ -6223,7 +6223,7 @@
                   <c:v>4.0417</c:v>
                 </c:pt>
                 <c:pt idx="49">
-                  <c:v>4.124999999999999</c:v>
+                  <c:v>4.124999999999996</c:v>
                 </c:pt>
                 <c:pt idx="50">
                   <c:v>4.2083</c:v>
@@ -6241,7 +6241,7 @@
                   <c:v>4.5417</c:v>
                 </c:pt>
                 <c:pt idx="55">
-                  <c:v>4.624999999999999</c:v>
+                  <c:v>4.624999999999995</c:v>
                 </c:pt>
                 <c:pt idx="56">
                   <c:v>4.7083</c:v>
@@ -6259,7 +6259,7 @@
                   <c:v>5.0417</c:v>
                 </c:pt>
                 <c:pt idx="61">
-                  <c:v>5.124999999999999</c:v>
+                  <c:v>5.124999999999996</c:v>
                 </c:pt>
                 <c:pt idx="62">
                   <c:v>5.2083</c:v>
@@ -6277,7 +6277,7 @@
                   <c:v>5.5417</c:v>
                 </c:pt>
                 <c:pt idx="67">
-                  <c:v>5.624999999999999</c:v>
+                  <c:v>5.624999999999995</c:v>
                 </c:pt>
                 <c:pt idx="68">
                   <c:v>5.7083</c:v>
@@ -6295,7 +6295,7 @@
                   <c:v>6.0417</c:v>
                 </c:pt>
                 <c:pt idx="73">
-                  <c:v>6.124999999999999</c:v>
+                  <c:v>6.124999999999996</c:v>
                 </c:pt>
                 <c:pt idx="74">
                   <c:v>6.2083</c:v>
@@ -6313,7 +6313,7 @@
                   <c:v>6.5417</c:v>
                 </c:pt>
                 <c:pt idx="79">
-                  <c:v>6.624999999999999</c:v>
+                  <c:v>6.624999999999995</c:v>
                 </c:pt>
                 <c:pt idx="80">
                   <c:v>6.7083</c:v>
@@ -6331,7 +6331,7 @@
                   <c:v>7.0417</c:v>
                 </c:pt>
                 <c:pt idx="85">
-                  <c:v>7.124999999999999</c:v>
+                  <c:v>7.124999999999996</c:v>
                 </c:pt>
                 <c:pt idx="86">
                   <c:v>7.2083</c:v>
@@ -6349,7 +6349,7 @@
                   <c:v>7.5417</c:v>
                 </c:pt>
                 <c:pt idx="91">
-                  <c:v>7.624999999999999</c:v>
+                  <c:v>7.624999999999995</c:v>
                 </c:pt>
                 <c:pt idx="92">
                   <c:v>7.7083</c:v>
@@ -7123,7 +7123,7 @@
                   <c:v>4.0417</c:v>
                 </c:pt>
                 <c:pt idx="49">
-                  <c:v>4.124999999999999</c:v>
+                  <c:v>4.124999999999996</c:v>
                 </c:pt>
                 <c:pt idx="50">
                   <c:v>4.2083</c:v>
@@ -7141,7 +7141,7 @@
                   <c:v>4.5417</c:v>
                 </c:pt>
                 <c:pt idx="55">
-                  <c:v>4.624999999999999</c:v>
+                  <c:v>4.624999999999995</c:v>
                 </c:pt>
                 <c:pt idx="56">
                   <c:v>4.7083</c:v>
@@ -7159,7 +7159,7 @@
                   <c:v>5.0417</c:v>
                 </c:pt>
                 <c:pt idx="61">
-                  <c:v>5.124999999999999</c:v>
+                  <c:v>5.124999999999996</c:v>
                 </c:pt>
                 <c:pt idx="62">
                   <c:v>5.2083</c:v>
@@ -7177,7 +7177,7 @@
                   <c:v>5.5417</c:v>
                 </c:pt>
                 <c:pt idx="67">
-                  <c:v>5.624999999999999</c:v>
+                  <c:v>5.624999999999995</c:v>
                 </c:pt>
                 <c:pt idx="68">
                   <c:v>5.7083</c:v>
@@ -7195,7 +7195,7 @@
                   <c:v>6.0417</c:v>
                 </c:pt>
                 <c:pt idx="73">
-                  <c:v>6.124999999999999</c:v>
+                  <c:v>6.124999999999996</c:v>
                 </c:pt>
                 <c:pt idx="74">
                   <c:v>6.2083</c:v>
@@ -7213,7 +7213,7 @@
                   <c:v>6.5417</c:v>
                 </c:pt>
                 <c:pt idx="79">
-                  <c:v>6.624999999999999</c:v>
+                  <c:v>6.624999999999995</c:v>
                 </c:pt>
                 <c:pt idx="80">
                   <c:v>6.7083</c:v>
@@ -7231,7 +7231,7 @@
                   <c:v>7.0417</c:v>
                 </c:pt>
                 <c:pt idx="85">
-                  <c:v>7.124999999999999</c:v>
+                  <c:v>7.124999999999996</c:v>
                 </c:pt>
                 <c:pt idx="86">
                   <c:v>7.2083</c:v>
@@ -7249,7 +7249,7 @@
                   <c:v>7.5417</c:v>
                 </c:pt>
                 <c:pt idx="91">
-                  <c:v>7.624999999999999</c:v>
+                  <c:v>7.624999999999995</c:v>
                 </c:pt>
                 <c:pt idx="92">
                   <c:v>7.7083</c:v>
@@ -8023,7 +8023,7 @@
                   <c:v>4.0417</c:v>
                 </c:pt>
                 <c:pt idx="49">
-                  <c:v>4.124999999999999</c:v>
+                  <c:v>4.124999999999996</c:v>
                 </c:pt>
                 <c:pt idx="50">
                   <c:v>4.2083</c:v>
@@ -8041,7 +8041,7 @@
                   <c:v>4.5417</c:v>
                 </c:pt>
                 <c:pt idx="55">
-                  <c:v>4.624999999999999</c:v>
+                  <c:v>4.624999999999995</c:v>
                 </c:pt>
                 <c:pt idx="56">
                   <c:v>4.7083</c:v>
@@ -8059,7 +8059,7 @@
                   <c:v>5.0417</c:v>
                 </c:pt>
                 <c:pt idx="61">
-                  <c:v>5.124999999999999</c:v>
+                  <c:v>5.124999999999996</c:v>
                 </c:pt>
                 <c:pt idx="62">
                   <c:v>5.2083</c:v>
@@ -8077,7 +8077,7 @@
                   <c:v>5.5417</c:v>
                 </c:pt>
                 <c:pt idx="67">
-                  <c:v>5.624999999999999</c:v>
+                  <c:v>5.624999999999995</c:v>
                 </c:pt>
                 <c:pt idx="68">
                   <c:v>5.7083</c:v>
@@ -8095,7 +8095,7 @@
                   <c:v>6.0417</c:v>
                 </c:pt>
                 <c:pt idx="73">
-                  <c:v>6.124999999999999</c:v>
+                  <c:v>6.124999999999996</c:v>
                 </c:pt>
                 <c:pt idx="74">
                   <c:v>6.2083</c:v>
@@ -8113,7 +8113,7 @@
                   <c:v>6.5417</c:v>
                 </c:pt>
                 <c:pt idx="79">
-                  <c:v>6.624999999999999</c:v>
+                  <c:v>6.624999999999995</c:v>
                 </c:pt>
                 <c:pt idx="80">
                   <c:v>6.7083</c:v>
@@ -8131,7 +8131,7 @@
                   <c:v>7.0417</c:v>
                 </c:pt>
                 <c:pt idx="85">
-                  <c:v>7.124999999999999</c:v>
+                  <c:v>7.124999999999996</c:v>
                 </c:pt>
                 <c:pt idx="86">
                   <c:v>7.2083</c:v>
@@ -8149,7 +8149,7 @@
                   <c:v>7.5417</c:v>
                 </c:pt>
                 <c:pt idx="91">
-                  <c:v>7.624999999999999</c:v>
+                  <c:v>7.624999999999995</c:v>
                 </c:pt>
                 <c:pt idx="92">
                   <c:v>7.7083</c:v>
@@ -8761,11 +8761,11 @@
           <c:showPercent val="0"/>
           <c:showBubbleSize val="0"/>
         </c:dLbls>
-        <c:axId val="-2124142696"/>
-        <c:axId val="-2131609064"/>
+        <c:axId val="-2145181528"/>
+        <c:axId val="-2145169672"/>
       </c:scatterChart>
       <c:valAx>
-        <c:axId val="-2124142696"/>
+        <c:axId val="-2145181528"/>
         <c:scaling>
           <c:orientation val="minMax"/>
           <c:max val="12.0"/>
@@ -8794,7 +8794,7 @@
                   <a:buFontTx/>
                   <a:buNone/>
                   <a:tabLst/>
-                  <a:defRPr sz="1200" b="1" i="0" u="none" strike="noStrike" kern="1200" baseline="0">
+                  <a:defRPr sz="1400" b="1" i="0" u="none" strike="noStrike" kern="1200" baseline="0">
                     <a:solidFill>
                       <a:sysClr val="windowText" lastClr="000000"/>
                     </a:solidFill>
@@ -8804,21 +8804,21 @@
                   </a:defRPr>
                 </a:pPr>
                 <a:r>
-                  <a:rPr lang="en-US" altLang="zh-CN" sz="1200">
+                  <a:rPr lang="en-US" altLang="zh-CN" sz="1400">
                     <a:latin typeface="Times New Roman"/>
                     <a:cs typeface="Times New Roman"/>
                   </a:rPr>
                   <a:t>r</a:t>
                 </a:r>
                 <a:r>
-                  <a:rPr lang="en-US" altLang="zh-CN" sz="1200" baseline="0">
+                  <a:rPr lang="en-US" altLang="zh-CN" sz="1400" baseline="0">
                     <a:latin typeface="Times New Roman"/>
                     <a:cs typeface="Times New Roman"/>
                   </a:rPr>
                   <a:t> [</a:t>
                 </a:r>
                 <a:r>
-                  <a:rPr lang="fr-FR" altLang="zh-CN" sz="1200">
+                  <a:rPr lang="fr-FR" altLang="zh-CN" sz="1400">
                     <a:effectLst/>
                     <a:latin typeface="Times New Roman"/>
                     <a:cs typeface="Times New Roman"/>
@@ -8826,13 +8826,13 @@
                   <a:t>Å</a:t>
                 </a:r>
                 <a:r>
-                  <a:rPr lang="en-US" altLang="zh-CN" sz="1200" baseline="0">
+                  <a:rPr lang="en-US" altLang="zh-CN" sz="1400" baseline="0">
                     <a:latin typeface="Times New Roman"/>
                     <a:cs typeface="Times New Roman"/>
                   </a:rPr>
                   <a:t>]</a:t>
                 </a:r>
-                <a:endParaRPr lang="zh-CN" altLang="en-US" sz="1200">
+                <a:endParaRPr lang="zh-CN" altLang="en-US" sz="1400">
                   <a:latin typeface="Times New Roman"/>
                   <a:cs typeface="Times New Roman"/>
                 </a:endParaRPr>
@@ -8858,7 +8858,7 @@
           <a:lstStyle/>
           <a:p>
             <a:pPr>
-              <a:defRPr sz="1200">
+              <a:defRPr sz="1400">
                 <a:latin typeface="Times New Roman"/>
                 <a:cs typeface="Times New Roman"/>
               </a:defRPr>
@@ -8866,12 +8866,12 @@
             <a:endParaRPr lang="zh-CN"/>
           </a:p>
         </c:txPr>
-        <c:crossAx val="-2131609064"/>
+        <c:crossAx val="-2145169672"/>
         <c:crosses val="autoZero"/>
         <c:crossBetween val="midCat"/>
       </c:valAx>
       <c:valAx>
-        <c:axId val="-2131609064"/>
+        <c:axId val="-2145169672"/>
         <c:scaling>
           <c:orientation val="minMax"/>
         </c:scaling>
@@ -8884,19 +8884,19 @@
               <a:lstStyle/>
               <a:p>
                 <a:pPr>
-                  <a:defRPr sz="1200">
+                  <a:defRPr sz="1400">
                     <a:latin typeface="Times New Roman"/>
                     <a:cs typeface="Times New Roman"/>
                   </a:defRPr>
                 </a:pPr>
                 <a:r>
-                  <a:rPr lang="en-US" altLang="zh-CN" sz="1200">
+                  <a:rPr lang="en-US" altLang="zh-CN" sz="1400">
                     <a:latin typeface="Times New Roman"/>
                     <a:cs typeface="Times New Roman"/>
                   </a:rPr>
                   <a:t>g(r)</a:t>
                 </a:r>
-                <a:endParaRPr lang="zh-CN" altLang="en-US" sz="1200">
+                <a:endParaRPr lang="zh-CN" altLang="en-US" sz="1400">
                   <a:latin typeface="Times New Roman"/>
                   <a:cs typeface="Times New Roman"/>
                 </a:endParaRPr>
@@ -8922,7 +8922,7 @@
           <a:lstStyle/>
           <a:p>
             <a:pPr>
-              <a:defRPr sz="1200">
+              <a:defRPr sz="1400">
                 <a:latin typeface="Times New Roman"/>
                 <a:cs typeface="Times New Roman"/>
               </a:defRPr>
@@ -8930,7 +8930,7 @@
             <a:endParaRPr lang="zh-CN"/>
           </a:p>
         </c:txPr>
-        <c:crossAx val="-2124142696"/>
+        <c:crossAx val="-2145181528"/>
         <c:crosses val="autoZero"/>
         <c:crossBetween val="midCat"/>
       </c:valAx>
@@ -8952,7 +8952,7 @@
         <a:lstStyle/>
         <a:p>
           <a:pPr>
-            <a:defRPr>
+            <a:defRPr sz="1200">
               <a:latin typeface="Times New Roman"/>
               <a:cs typeface="Times New Roman"/>
             </a:defRPr>
@@ -8997,61 +8997,61 @@
           <a:lstStyle/>
           <a:p>
             <a:pPr>
-              <a:defRPr b="0">
+              <a:defRPr sz="2000" b="0">
                 <a:latin typeface="Times New Roman"/>
                 <a:cs typeface="Times New Roman"/>
               </a:defRPr>
             </a:pPr>
             <a:r>
-              <a:rPr lang="en-US" altLang="zh-CN" b="0">
+              <a:rPr lang="en-US" altLang="zh-CN" sz="2000" b="0">
                 <a:latin typeface="Times New Roman"/>
                 <a:cs typeface="Times New Roman"/>
               </a:rPr>
               <a:t>CH</a:t>
             </a:r>
             <a:r>
-              <a:rPr lang="en-US" altLang="zh-CN" b="0" baseline="-25000">
+              <a:rPr lang="en-US" altLang="zh-CN" sz="2000" b="0" baseline="-25000">
                 <a:latin typeface="Times New Roman"/>
                 <a:cs typeface="Times New Roman"/>
               </a:rPr>
               <a:t>4</a:t>
             </a:r>
             <a:r>
-              <a:rPr lang="en-US" altLang="zh-CN" b="0" baseline="30000">
+              <a:rPr lang="en-US" altLang="zh-CN" sz="2000" b="0" baseline="30000">
                 <a:latin typeface="Times New Roman"/>
                 <a:cs typeface="Times New Roman"/>
               </a:rPr>
               <a:t>+1</a:t>
             </a:r>
             <a:r>
-              <a:rPr lang="en-US" altLang="zh-CN" b="0">
+              <a:rPr lang="en-US" altLang="zh-CN" sz="2000" b="0">
                 <a:latin typeface="Times New Roman"/>
                 <a:cs typeface="Times New Roman"/>
               </a:rPr>
               <a:t>,</a:t>
             </a:r>
             <a:r>
-              <a:rPr lang="en-US" altLang="zh-CN" b="0" baseline="0">
+              <a:rPr lang="en-US" altLang="zh-CN" sz="2000" b="0" baseline="0">
                 <a:latin typeface="Times New Roman"/>
                 <a:cs typeface="Times New Roman"/>
               </a:rPr>
               <a:t> m</a:t>
             </a:r>
             <a:r>
-              <a:rPr lang="en-US" altLang="zh-CN" b="0" baseline="-25000">
+              <a:rPr lang="en-US" altLang="zh-CN" sz="2000" b="0" baseline="-25000">
                 <a:latin typeface="Times New Roman"/>
                 <a:cs typeface="Times New Roman"/>
               </a:rPr>
               <a:t>max</a:t>
             </a:r>
             <a:r>
-              <a:rPr lang="en-US" altLang="zh-CN" b="0" baseline="0">
+              <a:rPr lang="en-US" altLang="zh-CN" sz="2000" b="0" baseline="0">
                 <a:latin typeface="Times New Roman"/>
                 <a:cs typeface="Times New Roman"/>
               </a:rPr>
               <a:t>=2</a:t>
             </a:r>
-            <a:endParaRPr lang="zh-CN" altLang="en-US" b="0">
+            <a:endParaRPr lang="zh-CN" altLang="en-US" sz="2000" b="0">
               <a:latin typeface="Times New Roman"/>
               <a:cs typeface="Times New Roman"/>
             </a:endParaRPr>
@@ -11016,7 +11016,7 @@
                   <c:v>0.0</c:v>
                 </c:pt>
                 <c:pt idx="24">
-                  <c:v>-7.91200000000001E-34</c:v>
+                  <c:v>-7.91200000000003E-34</c:v>
                 </c:pt>
                 <c:pt idx="25">
                   <c:v>-5.82100000000001E-18</c:v>
@@ -12253,10 +12253,10 @@
                   <c:v>0.0</c:v>
                 </c:pt>
                 <c:pt idx="24">
-                  <c:v>9.97000000000001E-34</c:v>
+                  <c:v>9.97000000000005E-34</c:v>
                 </c:pt>
                 <c:pt idx="25">
-                  <c:v>6.86900000000001E-18</c:v>
+                  <c:v>6.86900000000003E-18</c:v>
                 </c:pt>
                 <c:pt idx="26">
                   <c:v>3.589E-9</c:v>
@@ -14192,7 +14192,7 @@
                   <c:v>4.0417</c:v>
                 </c:pt>
                 <c:pt idx="49">
-                  <c:v>4.124999999999999</c:v>
+                  <c:v>4.124999999999996</c:v>
                 </c:pt>
                 <c:pt idx="50">
                   <c:v>4.2083</c:v>
@@ -14210,7 +14210,7 @@
                   <c:v>4.5417</c:v>
                 </c:pt>
                 <c:pt idx="55">
-                  <c:v>4.624999999999999</c:v>
+                  <c:v>4.624999999999995</c:v>
                 </c:pt>
                 <c:pt idx="56">
                   <c:v>4.7083</c:v>
@@ -14228,7 +14228,7 @@
                   <c:v>5.0417</c:v>
                 </c:pt>
                 <c:pt idx="61">
-                  <c:v>5.124999999999999</c:v>
+                  <c:v>5.124999999999996</c:v>
                 </c:pt>
                 <c:pt idx="62">
                   <c:v>5.2083</c:v>
@@ -14246,7 +14246,7 @@
                   <c:v>5.5417</c:v>
                 </c:pt>
                 <c:pt idx="67">
-                  <c:v>5.624999999999999</c:v>
+                  <c:v>5.624999999999995</c:v>
                 </c:pt>
                 <c:pt idx="68">
                   <c:v>5.7083</c:v>
@@ -14264,7 +14264,7 @@
                   <c:v>6.0417</c:v>
                 </c:pt>
                 <c:pt idx="73">
-                  <c:v>6.124999999999999</c:v>
+                  <c:v>6.124999999999996</c:v>
                 </c:pt>
                 <c:pt idx="74">
                   <c:v>6.2083</c:v>
@@ -14282,7 +14282,7 @@
                   <c:v>6.5417</c:v>
                 </c:pt>
                 <c:pt idx="79">
-                  <c:v>6.624999999999999</c:v>
+                  <c:v>6.624999999999995</c:v>
                 </c:pt>
                 <c:pt idx="80">
                   <c:v>6.7083</c:v>
@@ -14300,7 +14300,7 @@
                   <c:v>7.0417</c:v>
                 </c:pt>
                 <c:pt idx="85">
-                  <c:v>7.124999999999999</c:v>
+                  <c:v>7.124999999999996</c:v>
                 </c:pt>
                 <c:pt idx="86">
                   <c:v>7.2083</c:v>
@@ -14318,7 +14318,7 @@
                   <c:v>7.5417</c:v>
                 </c:pt>
                 <c:pt idx="91">
-                  <c:v>7.624999999999999</c:v>
+                  <c:v>7.624999999999995</c:v>
                 </c:pt>
                 <c:pt idx="92">
                   <c:v>7.7083</c:v>
@@ -15092,7 +15092,7 @@
                   <c:v>4.0417</c:v>
                 </c:pt>
                 <c:pt idx="49">
-                  <c:v>4.124999999999999</c:v>
+                  <c:v>4.124999999999996</c:v>
                 </c:pt>
                 <c:pt idx="50">
                   <c:v>4.2083</c:v>
@@ -15110,7 +15110,7 @@
                   <c:v>4.5417</c:v>
                 </c:pt>
                 <c:pt idx="55">
-                  <c:v>4.624999999999999</c:v>
+                  <c:v>4.624999999999995</c:v>
                 </c:pt>
                 <c:pt idx="56">
                   <c:v>4.7083</c:v>
@@ -15128,7 +15128,7 @@
                   <c:v>5.0417</c:v>
                 </c:pt>
                 <c:pt idx="61">
-                  <c:v>5.124999999999999</c:v>
+                  <c:v>5.124999999999996</c:v>
                 </c:pt>
                 <c:pt idx="62">
                   <c:v>5.2083</c:v>
@@ -15146,7 +15146,7 @@
                   <c:v>5.5417</c:v>
                 </c:pt>
                 <c:pt idx="67">
-                  <c:v>5.624999999999999</c:v>
+                  <c:v>5.624999999999995</c:v>
                 </c:pt>
                 <c:pt idx="68">
                   <c:v>5.7083</c:v>
@@ -15164,7 +15164,7 @@
                   <c:v>6.0417</c:v>
                 </c:pt>
                 <c:pt idx="73">
-                  <c:v>6.124999999999999</c:v>
+                  <c:v>6.124999999999996</c:v>
                 </c:pt>
                 <c:pt idx="74">
                   <c:v>6.2083</c:v>
@@ -15182,7 +15182,7 @@
                   <c:v>6.5417</c:v>
                 </c:pt>
                 <c:pt idx="79">
-                  <c:v>6.624999999999999</c:v>
+                  <c:v>6.624999999999995</c:v>
                 </c:pt>
                 <c:pt idx="80">
                   <c:v>6.7083</c:v>
@@ -15200,7 +15200,7 @@
                   <c:v>7.0417</c:v>
                 </c:pt>
                 <c:pt idx="85">
-                  <c:v>7.124999999999999</c:v>
+                  <c:v>7.124999999999996</c:v>
                 </c:pt>
                 <c:pt idx="86">
                   <c:v>7.2083</c:v>
@@ -15218,7 +15218,7 @@
                   <c:v>7.5417</c:v>
                 </c:pt>
                 <c:pt idx="91">
-                  <c:v>7.624999999999999</c:v>
+                  <c:v>7.624999999999995</c:v>
                 </c:pt>
                 <c:pt idx="92">
                   <c:v>7.7083</c:v>
@@ -15497,7 +15497,7 @@
                   <c:v>-5.0192</c:v>
                 </c:pt>
                 <c:pt idx="37">
-                  <c:v>-5.147399999999999</c:v>
+                  <c:v>-5.147399999999998</c:v>
                 </c:pt>
                 <c:pt idx="38">
                   <c:v>-4.5216</c:v>
@@ -15992,7 +15992,7 @@
                   <c:v>4.0417</c:v>
                 </c:pt>
                 <c:pt idx="49">
-                  <c:v>4.124999999999999</c:v>
+                  <c:v>4.124999999999996</c:v>
                 </c:pt>
                 <c:pt idx="50">
                   <c:v>4.2083</c:v>
@@ -16010,7 +16010,7 @@
                   <c:v>4.5417</c:v>
                 </c:pt>
                 <c:pt idx="55">
-                  <c:v>4.624999999999999</c:v>
+                  <c:v>4.624999999999995</c:v>
                 </c:pt>
                 <c:pt idx="56">
                   <c:v>4.7083</c:v>
@@ -16028,7 +16028,7 @@
                   <c:v>5.0417</c:v>
                 </c:pt>
                 <c:pt idx="61">
-                  <c:v>5.124999999999999</c:v>
+                  <c:v>5.124999999999996</c:v>
                 </c:pt>
                 <c:pt idx="62">
                   <c:v>5.2083</c:v>
@@ -16046,7 +16046,7 @@
                   <c:v>5.5417</c:v>
                 </c:pt>
                 <c:pt idx="67">
-                  <c:v>5.624999999999999</c:v>
+                  <c:v>5.624999999999995</c:v>
                 </c:pt>
                 <c:pt idx="68">
                   <c:v>5.7083</c:v>
@@ -16064,7 +16064,7 @@
                   <c:v>6.0417</c:v>
                 </c:pt>
                 <c:pt idx="73">
-                  <c:v>6.124999999999999</c:v>
+                  <c:v>6.124999999999996</c:v>
                 </c:pt>
                 <c:pt idx="74">
                   <c:v>6.2083</c:v>
@@ -16082,7 +16082,7 @@
                   <c:v>6.5417</c:v>
                 </c:pt>
                 <c:pt idx="79">
-                  <c:v>6.624999999999999</c:v>
+                  <c:v>6.624999999999995</c:v>
                 </c:pt>
                 <c:pt idx="80">
                   <c:v>6.7083</c:v>
@@ -16100,7 +16100,7 @@
                   <c:v>7.0417</c:v>
                 </c:pt>
                 <c:pt idx="85">
-                  <c:v>7.124999999999999</c:v>
+                  <c:v>7.124999999999996</c:v>
                 </c:pt>
                 <c:pt idx="86">
                   <c:v>7.2083</c:v>
@@ -16118,7 +16118,7 @@
                   <c:v>7.5417</c:v>
                 </c:pt>
                 <c:pt idx="91">
-                  <c:v>7.624999999999999</c:v>
+                  <c:v>7.624999999999995</c:v>
                 </c:pt>
                 <c:pt idx="92">
                   <c:v>7.7083</c:v>
@@ -16394,7 +16394,7 @@
                   <c:v>1.3276</c:v>
                 </c:pt>
                 <c:pt idx="36">
-                  <c:v>2.396799999999999</c:v>
+                  <c:v>2.396799999999998</c:v>
                 </c:pt>
                 <c:pt idx="37">
                   <c:v>1.4715</c:v>
@@ -16892,7 +16892,7 @@
                   <c:v>4.0417</c:v>
                 </c:pt>
                 <c:pt idx="49">
-                  <c:v>4.124999999999999</c:v>
+                  <c:v>4.124999999999996</c:v>
                 </c:pt>
                 <c:pt idx="50">
                   <c:v>4.2083</c:v>
@@ -16910,7 +16910,7 @@
                   <c:v>4.5417</c:v>
                 </c:pt>
                 <c:pt idx="55">
-                  <c:v>4.624999999999999</c:v>
+                  <c:v>4.624999999999995</c:v>
                 </c:pt>
                 <c:pt idx="56">
                   <c:v>4.7083</c:v>
@@ -16928,7 +16928,7 @@
                   <c:v>5.0417</c:v>
                 </c:pt>
                 <c:pt idx="61">
-                  <c:v>5.124999999999999</c:v>
+                  <c:v>5.124999999999996</c:v>
                 </c:pt>
                 <c:pt idx="62">
                   <c:v>5.2083</c:v>
@@ -16946,7 +16946,7 @@
                   <c:v>5.5417</c:v>
                 </c:pt>
                 <c:pt idx="67">
-                  <c:v>5.624999999999999</c:v>
+                  <c:v>5.624999999999995</c:v>
                 </c:pt>
                 <c:pt idx="68">
                   <c:v>5.7083</c:v>
@@ -16964,7 +16964,7 @@
                   <c:v>6.0417</c:v>
                 </c:pt>
                 <c:pt idx="73">
-                  <c:v>6.124999999999999</c:v>
+                  <c:v>6.124999999999996</c:v>
                 </c:pt>
                 <c:pt idx="74">
                   <c:v>6.2083</c:v>
@@ -16982,7 +16982,7 @@
                   <c:v>6.5417</c:v>
                 </c:pt>
                 <c:pt idx="79">
-                  <c:v>6.624999999999999</c:v>
+                  <c:v>6.624999999999995</c:v>
                 </c:pt>
                 <c:pt idx="80">
                   <c:v>6.7083</c:v>
@@ -17000,7 +17000,7 @@
                   <c:v>7.0417</c:v>
                 </c:pt>
                 <c:pt idx="85">
-                  <c:v>7.124999999999999</c:v>
+                  <c:v>7.124999999999996</c:v>
                 </c:pt>
                 <c:pt idx="86">
                   <c:v>7.2083</c:v>
@@ -17018,7 +17018,7 @@
                   <c:v>7.5417</c:v>
                 </c:pt>
                 <c:pt idx="91">
-                  <c:v>7.624999999999999</c:v>
+                  <c:v>7.624999999999995</c:v>
                 </c:pt>
                 <c:pt idx="92">
                   <c:v>7.7083</c:v>
@@ -17630,11 +17630,11 @@
           <c:showPercent val="0"/>
           <c:showBubbleSize val="0"/>
         </c:dLbls>
-        <c:axId val="-2132863016"/>
-        <c:axId val="-2132697528"/>
+        <c:axId val="-2145061496"/>
+        <c:axId val="-2145054552"/>
       </c:scatterChart>
       <c:valAx>
-        <c:axId val="-2132863016"/>
+        <c:axId val="-2145061496"/>
         <c:scaling>
           <c:orientation val="minMax"/>
           <c:max val="12.0"/>
@@ -17663,7 +17663,7 @@
                   <a:buFontTx/>
                   <a:buNone/>
                   <a:tabLst/>
-                  <a:defRPr sz="1200" b="1" i="0" u="none" strike="noStrike" kern="1200" baseline="0">
+                  <a:defRPr sz="1400" b="1" i="0" u="none" strike="noStrike" kern="1200" baseline="0">
                     <a:solidFill>
                       <a:sysClr val="windowText" lastClr="000000"/>
                     </a:solidFill>
@@ -17673,21 +17673,21 @@
                   </a:defRPr>
                 </a:pPr>
                 <a:r>
-                  <a:rPr lang="en-US" altLang="zh-CN" sz="1200">
+                  <a:rPr lang="en-US" altLang="zh-CN" sz="1400">
                     <a:latin typeface="Times New Roman"/>
                     <a:cs typeface="Times New Roman"/>
                   </a:rPr>
                   <a:t>r</a:t>
                 </a:r>
                 <a:r>
-                  <a:rPr lang="en-US" altLang="zh-CN" sz="1200" baseline="0">
+                  <a:rPr lang="en-US" altLang="zh-CN" sz="1400" baseline="0">
                     <a:latin typeface="Times New Roman"/>
                     <a:cs typeface="Times New Roman"/>
                   </a:rPr>
                   <a:t> [</a:t>
                 </a:r>
                 <a:r>
-                  <a:rPr lang="fr-FR" altLang="zh-CN" sz="1200">
+                  <a:rPr lang="fr-FR" altLang="zh-CN" sz="1400">
                     <a:effectLst/>
                     <a:latin typeface="Times New Roman"/>
                     <a:cs typeface="Times New Roman"/>
@@ -17695,13 +17695,13 @@
                   <a:t>Å</a:t>
                 </a:r>
                 <a:r>
-                  <a:rPr lang="en-US" altLang="zh-CN" sz="1200" baseline="0">
+                  <a:rPr lang="en-US" altLang="zh-CN" sz="1400" baseline="0">
                     <a:latin typeface="Times New Roman"/>
                     <a:cs typeface="Times New Roman"/>
                   </a:rPr>
                   <a:t>]</a:t>
                 </a:r>
-                <a:endParaRPr lang="zh-CN" altLang="en-US" sz="1200">
+                <a:endParaRPr lang="zh-CN" altLang="en-US" sz="1400">
                   <a:latin typeface="Times New Roman"/>
                   <a:cs typeface="Times New Roman"/>
                 </a:endParaRPr>
@@ -17727,7 +17727,7 @@
           <a:lstStyle/>
           <a:p>
             <a:pPr>
-              <a:defRPr sz="1200">
+              <a:defRPr sz="1400">
                 <a:latin typeface="Times New Roman"/>
                 <a:cs typeface="Times New Roman"/>
               </a:defRPr>
@@ -17735,12 +17735,12 @@
             <a:endParaRPr lang="zh-CN"/>
           </a:p>
         </c:txPr>
-        <c:crossAx val="-2132697528"/>
+        <c:crossAx val="-2145054552"/>
         <c:crosses val="autoZero"/>
         <c:crossBetween val="midCat"/>
       </c:valAx>
       <c:valAx>
-        <c:axId val="-2132697528"/>
+        <c:axId val="-2145054552"/>
         <c:scaling>
           <c:orientation val="minMax"/>
         </c:scaling>
@@ -17753,19 +17753,19 @@
               <a:lstStyle/>
               <a:p>
                 <a:pPr>
-                  <a:defRPr sz="1200">
+                  <a:defRPr sz="1400">
                     <a:latin typeface="Times New Roman"/>
                     <a:cs typeface="Times New Roman"/>
                   </a:defRPr>
                 </a:pPr>
                 <a:r>
-                  <a:rPr lang="en-US" altLang="zh-CN" sz="1200">
+                  <a:rPr lang="en-US" altLang="zh-CN" sz="1400">
                     <a:latin typeface="Times New Roman"/>
                     <a:cs typeface="Times New Roman"/>
                   </a:rPr>
                   <a:t>g(r)</a:t>
                 </a:r>
-                <a:endParaRPr lang="zh-CN" altLang="en-US" sz="1200">
+                <a:endParaRPr lang="zh-CN" altLang="en-US" sz="1400">
                   <a:latin typeface="Times New Roman"/>
                   <a:cs typeface="Times New Roman"/>
                 </a:endParaRPr>
@@ -17791,7 +17791,7 @@
           <a:lstStyle/>
           <a:p>
             <a:pPr>
-              <a:defRPr sz="1200">
+              <a:defRPr sz="1400">
                 <a:latin typeface="Times New Roman"/>
                 <a:cs typeface="Times New Roman"/>
               </a:defRPr>
@@ -17799,7 +17799,7 @@
             <a:endParaRPr lang="zh-CN"/>
           </a:p>
         </c:txPr>
-        <c:crossAx val="-2132863016"/>
+        <c:crossAx val="-2145061496"/>
         <c:crosses val="autoZero"/>
         <c:crossBetween val="midCat"/>
       </c:valAx>
@@ -17821,7 +17821,7 @@
         <a:lstStyle/>
         <a:p>
           <a:pPr>
-            <a:defRPr>
+            <a:defRPr sz="1200">
               <a:latin typeface="Times New Roman"/>
               <a:cs typeface="Times New Roman"/>
             </a:defRPr>
@@ -17866,61 +17866,61 @@
           <a:lstStyle/>
           <a:p>
             <a:pPr>
-              <a:defRPr b="0">
+              <a:defRPr sz="2000" b="0">
                 <a:latin typeface="Times New Roman"/>
                 <a:cs typeface="Times New Roman"/>
               </a:defRPr>
             </a:pPr>
             <a:r>
-              <a:rPr lang="en-US" altLang="zh-CN" b="0">
+              <a:rPr lang="en-US" altLang="zh-CN" sz="2000" b="0">
                 <a:latin typeface="Times New Roman"/>
                 <a:cs typeface="Times New Roman"/>
               </a:rPr>
               <a:t>CH</a:t>
             </a:r>
             <a:r>
-              <a:rPr lang="en-US" altLang="zh-CN" b="0" baseline="-25000">
+              <a:rPr lang="en-US" altLang="zh-CN" sz="2000" b="0" baseline="-25000">
                 <a:latin typeface="Times New Roman"/>
                 <a:cs typeface="Times New Roman"/>
               </a:rPr>
               <a:t>4</a:t>
             </a:r>
             <a:r>
-              <a:rPr lang="en-US" altLang="zh-CN" b="0" baseline="30000">
+              <a:rPr lang="en-US" altLang="zh-CN" sz="2000" b="0" baseline="30000">
                 <a:latin typeface="Times New Roman"/>
                 <a:cs typeface="Times New Roman"/>
               </a:rPr>
               <a:t>-0.6</a:t>
             </a:r>
             <a:r>
-              <a:rPr lang="en-US" altLang="zh-CN" b="0">
+              <a:rPr lang="en-US" altLang="zh-CN" sz="2000" b="0">
                 <a:latin typeface="Times New Roman"/>
                 <a:cs typeface="Times New Roman"/>
               </a:rPr>
               <a:t>,</a:t>
             </a:r>
             <a:r>
-              <a:rPr lang="en-US" altLang="zh-CN" b="0" baseline="0">
+              <a:rPr lang="en-US" altLang="zh-CN" sz="2000" b="0" baseline="0">
                 <a:latin typeface="Times New Roman"/>
                 <a:cs typeface="Times New Roman"/>
               </a:rPr>
               <a:t> m</a:t>
             </a:r>
             <a:r>
-              <a:rPr lang="en-US" altLang="zh-CN" b="0" baseline="-25000">
+              <a:rPr lang="en-US" altLang="zh-CN" sz="2000" b="0" baseline="-25000">
                 <a:latin typeface="Times New Roman"/>
                 <a:cs typeface="Times New Roman"/>
               </a:rPr>
               <a:t>max</a:t>
             </a:r>
             <a:r>
-              <a:rPr lang="en-US" altLang="zh-CN" b="0" baseline="0">
+              <a:rPr lang="en-US" altLang="zh-CN" sz="2000" b="0" baseline="0">
                 <a:latin typeface="Times New Roman"/>
                 <a:cs typeface="Times New Roman"/>
               </a:rPr>
               <a:t>=3</a:t>
             </a:r>
-            <a:endParaRPr lang="zh-CN" altLang="en-US" b="0">
+            <a:endParaRPr lang="zh-CN" altLang="en-US" sz="2000" b="0">
               <a:latin typeface="Times New Roman"/>
               <a:cs typeface="Times New Roman"/>
             </a:endParaRPr>
@@ -18651,7 +18651,7 @@
                   <c:v>1.343E-33</c:v>
                 </c:pt>
                 <c:pt idx="25">
-                  <c:v>5.53300000000001E-18</c:v>
+                  <c:v>5.53300000000003E-18</c:v>
                 </c:pt>
                 <c:pt idx="26">
                   <c:v>2.016E-9</c:v>
@@ -18672,7 +18672,7 @@
                   <c:v>1.909</c:v>
                 </c:pt>
                 <c:pt idx="32">
-                  <c:v>2.351999999999999</c:v>
+                  <c:v>2.351999999999998</c:v>
                 </c:pt>
                 <c:pt idx="33">
                   <c:v>2.496</c:v>
@@ -19888,7 +19888,7 @@
                   <c:v>2.446E-33</c:v>
                 </c:pt>
                 <c:pt idx="25">
-                  <c:v>9.89900000000001E-18</c:v>
+                  <c:v>9.89900000000003E-18</c:v>
                 </c:pt>
                 <c:pt idx="26">
                   <c:v>3.56E-9</c:v>
@@ -21122,7 +21122,7 @@
                   <c:v>0.0</c:v>
                 </c:pt>
                 <c:pt idx="24">
-                  <c:v>4.86300000000001E-34</c:v>
+                  <c:v>4.86300000000003E-34</c:v>
                 </c:pt>
                 <c:pt idx="25">
                   <c:v>1.513E-18</c:v>
@@ -23061,7 +23061,7 @@
                   <c:v>4.0417</c:v>
                 </c:pt>
                 <c:pt idx="49">
-                  <c:v>4.124999999999999</c:v>
+                  <c:v>4.124999999999996</c:v>
                 </c:pt>
                 <c:pt idx="50">
                   <c:v>4.2083</c:v>
@@ -23079,7 +23079,7 @@
                   <c:v>4.5417</c:v>
                 </c:pt>
                 <c:pt idx="55">
-                  <c:v>4.624999999999999</c:v>
+                  <c:v>4.624999999999995</c:v>
                 </c:pt>
                 <c:pt idx="56">
                   <c:v>4.7083</c:v>
@@ -23097,7 +23097,7 @@
                   <c:v>5.0417</c:v>
                 </c:pt>
                 <c:pt idx="61">
-                  <c:v>5.124999999999999</c:v>
+                  <c:v>5.124999999999996</c:v>
                 </c:pt>
                 <c:pt idx="62">
                   <c:v>5.2083</c:v>
@@ -23115,7 +23115,7 @@
                   <c:v>5.5417</c:v>
                 </c:pt>
                 <c:pt idx="67">
-                  <c:v>5.624999999999999</c:v>
+                  <c:v>5.624999999999995</c:v>
                 </c:pt>
                 <c:pt idx="68">
                   <c:v>5.7083</c:v>
@@ -23133,7 +23133,7 @@
                   <c:v>6.0417</c:v>
                 </c:pt>
                 <c:pt idx="73">
-                  <c:v>6.124999999999999</c:v>
+                  <c:v>6.124999999999996</c:v>
                 </c:pt>
                 <c:pt idx="74">
                   <c:v>6.2083</c:v>
@@ -23151,7 +23151,7 @@
                   <c:v>6.5417</c:v>
                 </c:pt>
                 <c:pt idx="79">
-                  <c:v>6.624999999999999</c:v>
+                  <c:v>6.624999999999995</c:v>
                 </c:pt>
                 <c:pt idx="80">
                   <c:v>6.7083</c:v>
@@ -23169,7 +23169,7 @@
                   <c:v>7.0417</c:v>
                 </c:pt>
                 <c:pt idx="85">
-                  <c:v>7.124999999999999</c:v>
+                  <c:v>7.124999999999996</c:v>
                 </c:pt>
                 <c:pt idx="86">
                   <c:v>7.2083</c:v>
@@ -23187,7 +23187,7 @@
                   <c:v>7.5417</c:v>
                 </c:pt>
                 <c:pt idx="91">
-                  <c:v>7.624999999999999</c:v>
+                  <c:v>7.624999999999995</c:v>
                 </c:pt>
                 <c:pt idx="92">
                   <c:v>7.7083</c:v>
@@ -23961,7 +23961,7 @@
                   <c:v>4.0417</c:v>
                 </c:pt>
                 <c:pt idx="49">
-                  <c:v>4.124999999999999</c:v>
+                  <c:v>4.124999999999996</c:v>
                 </c:pt>
                 <c:pt idx="50">
                   <c:v>4.2083</c:v>
@@ -23979,7 +23979,7 @@
                   <c:v>4.5417</c:v>
                 </c:pt>
                 <c:pt idx="55">
-                  <c:v>4.624999999999999</c:v>
+                  <c:v>4.624999999999995</c:v>
                 </c:pt>
                 <c:pt idx="56">
                   <c:v>4.7083</c:v>
@@ -23997,7 +23997,7 @@
                   <c:v>5.0417</c:v>
                 </c:pt>
                 <c:pt idx="61">
-                  <c:v>5.124999999999999</c:v>
+                  <c:v>5.124999999999996</c:v>
                 </c:pt>
                 <c:pt idx="62">
                   <c:v>5.2083</c:v>
@@ -24015,7 +24015,7 @@
                   <c:v>5.5417</c:v>
                 </c:pt>
                 <c:pt idx="67">
-                  <c:v>5.624999999999999</c:v>
+                  <c:v>5.624999999999995</c:v>
                 </c:pt>
                 <c:pt idx="68">
                   <c:v>5.7083</c:v>
@@ -24033,7 +24033,7 @@
                   <c:v>6.0417</c:v>
                 </c:pt>
                 <c:pt idx="73">
-                  <c:v>6.124999999999999</c:v>
+                  <c:v>6.124999999999996</c:v>
                 </c:pt>
                 <c:pt idx="74">
                   <c:v>6.2083</c:v>
@@ -24051,7 +24051,7 @@
                   <c:v>6.5417</c:v>
                 </c:pt>
                 <c:pt idx="79">
-                  <c:v>6.624999999999999</c:v>
+                  <c:v>6.624999999999995</c:v>
                 </c:pt>
                 <c:pt idx="80">
                   <c:v>6.7083</c:v>
@@ -24069,7 +24069,7 @@
                   <c:v>7.0417</c:v>
                 </c:pt>
                 <c:pt idx="85">
-                  <c:v>7.124999999999999</c:v>
+                  <c:v>7.124999999999996</c:v>
                 </c:pt>
                 <c:pt idx="86">
                   <c:v>7.2083</c:v>
@@ -24087,7 +24087,7 @@
                   <c:v>7.5417</c:v>
                 </c:pt>
                 <c:pt idx="91">
-                  <c:v>7.624999999999999</c:v>
+                  <c:v>7.624999999999995</c:v>
                 </c:pt>
                 <c:pt idx="92">
                   <c:v>7.7083</c:v>
@@ -24861,7 +24861,7 @@
                   <c:v>4.0417</c:v>
                 </c:pt>
                 <c:pt idx="49">
-                  <c:v>4.124999999999999</c:v>
+                  <c:v>4.124999999999996</c:v>
                 </c:pt>
                 <c:pt idx="50">
                   <c:v>4.2083</c:v>
@@ -24879,7 +24879,7 @@
                   <c:v>4.5417</c:v>
                 </c:pt>
                 <c:pt idx="55">
-                  <c:v>4.624999999999999</c:v>
+                  <c:v>4.624999999999995</c:v>
                 </c:pt>
                 <c:pt idx="56">
                   <c:v>4.7083</c:v>
@@ -24897,7 +24897,7 @@
                   <c:v>5.0417</c:v>
                 </c:pt>
                 <c:pt idx="61">
-                  <c:v>5.124999999999999</c:v>
+                  <c:v>5.124999999999996</c:v>
                 </c:pt>
                 <c:pt idx="62">
                   <c:v>5.2083</c:v>
@@ -24915,7 +24915,7 @@
                   <c:v>5.5417</c:v>
                 </c:pt>
                 <c:pt idx="67">
-                  <c:v>5.624999999999999</c:v>
+                  <c:v>5.624999999999995</c:v>
                 </c:pt>
                 <c:pt idx="68">
                   <c:v>5.7083</c:v>
@@ -24933,7 +24933,7 @@
                   <c:v>6.0417</c:v>
                 </c:pt>
                 <c:pt idx="73">
-                  <c:v>6.124999999999999</c:v>
+                  <c:v>6.124999999999996</c:v>
                 </c:pt>
                 <c:pt idx="74">
                   <c:v>6.2083</c:v>
@@ -24951,7 +24951,7 @@
                   <c:v>6.5417</c:v>
                 </c:pt>
                 <c:pt idx="79">
-                  <c:v>6.624999999999999</c:v>
+                  <c:v>6.624999999999995</c:v>
                 </c:pt>
                 <c:pt idx="80">
                   <c:v>6.7083</c:v>
@@ -24969,7 +24969,7 @@
                   <c:v>7.0417</c:v>
                 </c:pt>
                 <c:pt idx="85">
-                  <c:v>7.124999999999999</c:v>
+                  <c:v>7.124999999999996</c:v>
                 </c:pt>
                 <c:pt idx="86">
                   <c:v>7.2083</c:v>
@@ -24987,7 +24987,7 @@
                   <c:v>7.5417</c:v>
                 </c:pt>
                 <c:pt idx="91">
-                  <c:v>7.624999999999999</c:v>
+                  <c:v>7.624999999999995</c:v>
                 </c:pt>
                 <c:pt idx="92">
                   <c:v>7.7083</c:v>
@@ -25761,7 +25761,7 @@
                   <c:v>4.0417</c:v>
                 </c:pt>
                 <c:pt idx="49">
-                  <c:v>4.124999999999999</c:v>
+                  <c:v>4.124999999999996</c:v>
                 </c:pt>
                 <c:pt idx="50">
                   <c:v>4.2083</c:v>
@@ -25779,7 +25779,7 @@
                   <c:v>4.5417</c:v>
                 </c:pt>
                 <c:pt idx="55">
-                  <c:v>4.624999999999999</c:v>
+                  <c:v>4.624999999999995</c:v>
                 </c:pt>
                 <c:pt idx="56">
                   <c:v>4.7083</c:v>
@@ -25797,7 +25797,7 @@
                   <c:v>5.0417</c:v>
                 </c:pt>
                 <c:pt idx="61">
-                  <c:v>5.124999999999999</c:v>
+                  <c:v>5.124999999999996</c:v>
                 </c:pt>
                 <c:pt idx="62">
                   <c:v>5.2083</c:v>
@@ -25815,7 +25815,7 @@
                   <c:v>5.5417</c:v>
                 </c:pt>
                 <c:pt idx="67">
-                  <c:v>5.624999999999999</c:v>
+                  <c:v>5.624999999999995</c:v>
                 </c:pt>
                 <c:pt idx="68">
                   <c:v>5.7083</c:v>
@@ -25833,7 +25833,7 @@
                   <c:v>6.0417</c:v>
                 </c:pt>
                 <c:pt idx="73">
-                  <c:v>6.124999999999999</c:v>
+                  <c:v>6.124999999999996</c:v>
                 </c:pt>
                 <c:pt idx="74">
                   <c:v>6.2083</c:v>
@@ -25851,7 +25851,7 @@
                   <c:v>6.5417</c:v>
                 </c:pt>
                 <c:pt idx="79">
-                  <c:v>6.624999999999999</c:v>
+                  <c:v>6.624999999999995</c:v>
                 </c:pt>
                 <c:pt idx="80">
                   <c:v>6.7083</c:v>
@@ -25869,7 +25869,7 @@
                   <c:v>7.0417</c:v>
                 </c:pt>
                 <c:pt idx="85">
-                  <c:v>7.124999999999999</c:v>
+                  <c:v>7.124999999999996</c:v>
                 </c:pt>
                 <c:pt idx="86">
                   <c:v>7.2083</c:v>
@@ -25887,7 +25887,7 @@
                   <c:v>7.5417</c:v>
                 </c:pt>
                 <c:pt idx="91">
-                  <c:v>7.624999999999999</c:v>
+                  <c:v>7.624999999999995</c:v>
                 </c:pt>
                 <c:pt idx="92">
                   <c:v>7.7083</c:v>
@@ -26499,11 +26499,11 @@
           <c:showPercent val="0"/>
           <c:showBubbleSize val="0"/>
         </c:dLbls>
-        <c:axId val="2122717864"/>
-        <c:axId val="-2134865160"/>
+        <c:axId val="-2145002232"/>
+        <c:axId val="-2144995288"/>
       </c:scatterChart>
       <c:valAx>
-        <c:axId val="2122717864"/>
+        <c:axId val="-2145002232"/>
         <c:scaling>
           <c:orientation val="minMax"/>
           <c:max val="12.0"/>
@@ -26532,7 +26532,7 @@
                   <a:buFontTx/>
                   <a:buNone/>
                   <a:tabLst/>
-                  <a:defRPr sz="1200" b="1" i="0" u="none" strike="noStrike" kern="1200" baseline="0">
+                  <a:defRPr sz="1400" b="1" i="0" u="none" strike="noStrike" kern="1200" baseline="0">
                     <a:solidFill>
                       <a:sysClr val="windowText" lastClr="000000"/>
                     </a:solidFill>
@@ -26542,21 +26542,21 @@
                   </a:defRPr>
                 </a:pPr>
                 <a:r>
-                  <a:rPr lang="en-US" altLang="zh-CN" sz="1200">
+                  <a:rPr lang="en-US" altLang="zh-CN" sz="1400">
                     <a:latin typeface="Times New Roman"/>
                     <a:cs typeface="Times New Roman"/>
                   </a:rPr>
                   <a:t>r</a:t>
                 </a:r>
                 <a:r>
-                  <a:rPr lang="en-US" altLang="zh-CN" sz="1200" baseline="0">
+                  <a:rPr lang="en-US" altLang="zh-CN" sz="1400" baseline="0">
                     <a:latin typeface="Times New Roman"/>
                     <a:cs typeface="Times New Roman"/>
                   </a:rPr>
                   <a:t> [</a:t>
                 </a:r>
                 <a:r>
-                  <a:rPr lang="fr-FR" altLang="zh-CN" sz="1200">
+                  <a:rPr lang="fr-FR" altLang="zh-CN" sz="1400">
                     <a:effectLst/>
                     <a:latin typeface="Times New Roman"/>
                     <a:cs typeface="Times New Roman"/>
@@ -26564,13 +26564,13 @@
                   <a:t>Å</a:t>
                 </a:r>
                 <a:r>
-                  <a:rPr lang="en-US" altLang="zh-CN" sz="1200" baseline="0">
+                  <a:rPr lang="en-US" altLang="zh-CN" sz="1400" baseline="0">
                     <a:latin typeface="Times New Roman"/>
                     <a:cs typeface="Times New Roman"/>
                   </a:rPr>
                   <a:t>]</a:t>
                 </a:r>
-                <a:endParaRPr lang="zh-CN" altLang="en-US" sz="1200">
+                <a:endParaRPr lang="zh-CN" altLang="en-US" sz="1400">
                   <a:latin typeface="Times New Roman"/>
                   <a:cs typeface="Times New Roman"/>
                 </a:endParaRPr>
@@ -26596,7 +26596,7 @@
           <a:lstStyle/>
           <a:p>
             <a:pPr>
-              <a:defRPr sz="1200">
+              <a:defRPr sz="1400">
                 <a:latin typeface="Times New Roman"/>
                 <a:cs typeface="Times New Roman"/>
               </a:defRPr>
@@ -26604,12 +26604,12 @@
             <a:endParaRPr lang="zh-CN"/>
           </a:p>
         </c:txPr>
-        <c:crossAx val="-2134865160"/>
+        <c:crossAx val="-2144995288"/>
         <c:crosses val="autoZero"/>
         <c:crossBetween val="midCat"/>
       </c:valAx>
       <c:valAx>
-        <c:axId val="-2134865160"/>
+        <c:axId val="-2144995288"/>
         <c:scaling>
           <c:orientation val="minMax"/>
         </c:scaling>
@@ -26622,19 +26622,19 @@
               <a:lstStyle/>
               <a:p>
                 <a:pPr>
-                  <a:defRPr sz="1200">
+                  <a:defRPr sz="1400">
                     <a:latin typeface="Times New Roman"/>
                     <a:cs typeface="Times New Roman"/>
                   </a:defRPr>
                 </a:pPr>
                 <a:r>
-                  <a:rPr lang="en-US" altLang="zh-CN" sz="1200">
+                  <a:rPr lang="en-US" altLang="zh-CN" sz="1400">
                     <a:latin typeface="Times New Roman"/>
                     <a:cs typeface="Times New Roman"/>
                   </a:rPr>
                   <a:t>g(r)</a:t>
                 </a:r>
-                <a:endParaRPr lang="zh-CN" altLang="en-US" sz="1200">
+                <a:endParaRPr lang="zh-CN" altLang="en-US" sz="1400">
                   <a:latin typeface="Times New Roman"/>
                   <a:cs typeface="Times New Roman"/>
                 </a:endParaRPr>
@@ -26660,7 +26660,7 @@
           <a:lstStyle/>
           <a:p>
             <a:pPr>
-              <a:defRPr sz="1200">
+              <a:defRPr sz="1400">
                 <a:latin typeface="Times New Roman"/>
                 <a:cs typeface="Times New Roman"/>
               </a:defRPr>
@@ -26668,7 +26668,7 @@
             <a:endParaRPr lang="zh-CN"/>
           </a:p>
         </c:txPr>
-        <c:crossAx val="2122717864"/>
+        <c:crossAx val="-2145002232"/>
         <c:crosses val="autoZero"/>
         <c:crossBetween val="midCat"/>
       </c:valAx>
@@ -26690,7 +26690,7 @@
         <a:lstStyle/>
         <a:p>
           <a:pPr>
-            <a:defRPr>
+            <a:defRPr sz="1200">
               <a:latin typeface="Times New Roman"/>
               <a:cs typeface="Times New Roman"/>
             </a:defRPr>
@@ -26735,61 +26735,61 @@
           <a:lstStyle/>
           <a:p>
             <a:pPr>
-              <a:defRPr b="0">
+              <a:defRPr sz="2000" b="0">
                 <a:latin typeface="Times New Roman"/>
                 <a:cs typeface="Times New Roman"/>
               </a:defRPr>
             </a:pPr>
             <a:r>
-              <a:rPr lang="en-US" altLang="zh-CN" b="0">
+              <a:rPr lang="en-US" altLang="zh-CN" sz="2000" b="0">
                 <a:latin typeface="Times New Roman"/>
                 <a:cs typeface="Times New Roman"/>
               </a:rPr>
               <a:t>CH</a:t>
             </a:r>
             <a:r>
-              <a:rPr lang="en-US" altLang="zh-CN" b="0" baseline="-25000">
+              <a:rPr lang="en-US" altLang="zh-CN" sz="2000" b="0" baseline="-25000">
                 <a:latin typeface="Times New Roman"/>
                 <a:cs typeface="Times New Roman"/>
               </a:rPr>
               <a:t>4</a:t>
             </a:r>
             <a:r>
-              <a:rPr lang="en-US" altLang="zh-CN" b="0" baseline="30000">
+              <a:rPr lang="en-US" altLang="zh-CN" sz="2000" b="0" baseline="30000">
                 <a:latin typeface="Times New Roman"/>
                 <a:cs typeface="Times New Roman"/>
               </a:rPr>
               <a:t>+1</a:t>
             </a:r>
             <a:r>
-              <a:rPr lang="en-US" altLang="zh-CN" b="0">
+              <a:rPr lang="en-US" altLang="zh-CN" sz="2000" b="0">
                 <a:latin typeface="Times New Roman"/>
                 <a:cs typeface="Times New Roman"/>
               </a:rPr>
               <a:t>,</a:t>
             </a:r>
             <a:r>
-              <a:rPr lang="en-US" altLang="zh-CN" b="0" baseline="0">
+              <a:rPr lang="en-US" altLang="zh-CN" sz="2000" b="0" baseline="0">
                 <a:latin typeface="Times New Roman"/>
                 <a:cs typeface="Times New Roman"/>
               </a:rPr>
               <a:t> m</a:t>
             </a:r>
             <a:r>
-              <a:rPr lang="en-US" altLang="zh-CN" b="0" baseline="-25000">
+              <a:rPr lang="en-US" altLang="zh-CN" sz="2000" b="0" baseline="-25000">
                 <a:latin typeface="Times New Roman"/>
                 <a:cs typeface="Times New Roman"/>
               </a:rPr>
               <a:t>max</a:t>
             </a:r>
             <a:r>
-              <a:rPr lang="en-US" altLang="zh-CN" b="0" baseline="0">
+              <a:rPr lang="en-US" altLang="zh-CN" sz="2000" b="0" baseline="0">
                 <a:latin typeface="Times New Roman"/>
                 <a:cs typeface="Times New Roman"/>
               </a:rPr>
               <a:t>=3</a:t>
             </a:r>
-            <a:endParaRPr lang="zh-CN" altLang="en-US" b="0">
+            <a:endParaRPr lang="zh-CN" altLang="en-US" sz="2000" b="0">
               <a:latin typeface="Times New Roman"/>
               <a:cs typeface="Times New Roman"/>
             </a:endParaRPr>
@@ -27517,7 +27517,7 @@
                   <c:v>0.0</c:v>
                 </c:pt>
                 <c:pt idx="24">
-                  <c:v>5.96300000000001E-34</c:v>
+                  <c:v>5.96300000000003E-34</c:v>
                 </c:pt>
                 <c:pt idx="25">
                   <c:v>3.837E-18</c:v>
@@ -28757,7 +28757,7 @@
                   <c:v>-1.566E-33</c:v>
                 </c:pt>
                 <c:pt idx="25">
-                  <c:v>-9.78600000000001E-18</c:v>
+                  <c:v>-9.78600000000003E-18</c:v>
                 </c:pt>
                 <c:pt idx="26">
                   <c:v>-4.753E-9</c:v>
@@ -28775,10 +28775,10 @@
                   <c:v>-3.689</c:v>
                 </c:pt>
                 <c:pt idx="31">
-                  <c:v>-5.127999999999999</c:v>
+                  <c:v>-5.127999999999996</c:v>
                 </c:pt>
                 <c:pt idx="32">
-                  <c:v>-4.643999999999999</c:v>
+                  <c:v>-4.643999999999997</c:v>
                 </c:pt>
                 <c:pt idx="33">
                   <c:v>-3.459</c:v>
@@ -31930,7 +31930,7 @@
                   <c:v>4.0417</c:v>
                 </c:pt>
                 <c:pt idx="49">
-                  <c:v>4.124999999999999</c:v>
+                  <c:v>4.124999999999996</c:v>
                 </c:pt>
                 <c:pt idx="50">
                   <c:v>4.2083</c:v>
@@ -31948,7 +31948,7 @@
                   <c:v>4.5417</c:v>
                 </c:pt>
                 <c:pt idx="55">
-                  <c:v>4.624999999999999</c:v>
+                  <c:v>4.624999999999995</c:v>
                 </c:pt>
                 <c:pt idx="56">
                   <c:v>4.7083</c:v>
@@ -31966,7 +31966,7 @@
                   <c:v>5.0417</c:v>
                 </c:pt>
                 <c:pt idx="61">
-                  <c:v>5.124999999999999</c:v>
+                  <c:v>5.124999999999996</c:v>
                 </c:pt>
                 <c:pt idx="62">
                   <c:v>5.2083</c:v>
@@ -31984,7 +31984,7 @@
                   <c:v>5.5417</c:v>
                 </c:pt>
                 <c:pt idx="67">
-                  <c:v>5.624999999999999</c:v>
+                  <c:v>5.624999999999995</c:v>
                 </c:pt>
                 <c:pt idx="68">
                   <c:v>5.7083</c:v>
@@ -32002,7 +32002,7 @@
                   <c:v>6.0417</c:v>
                 </c:pt>
                 <c:pt idx="73">
-                  <c:v>6.124999999999999</c:v>
+                  <c:v>6.124999999999996</c:v>
                 </c:pt>
                 <c:pt idx="74">
                   <c:v>6.2083</c:v>
@@ -32020,7 +32020,7 @@
                   <c:v>6.5417</c:v>
                 </c:pt>
                 <c:pt idx="79">
-                  <c:v>6.624999999999999</c:v>
+                  <c:v>6.624999999999995</c:v>
                 </c:pt>
                 <c:pt idx="80">
                   <c:v>6.7083</c:v>
@@ -32038,7 +32038,7 @@
                   <c:v>7.0417</c:v>
                 </c:pt>
                 <c:pt idx="85">
-                  <c:v>7.124999999999999</c:v>
+                  <c:v>7.124999999999996</c:v>
                 </c:pt>
                 <c:pt idx="86">
                   <c:v>7.2083</c:v>
@@ -32056,7 +32056,7 @@
                   <c:v>7.5417</c:v>
                 </c:pt>
                 <c:pt idx="91">
-                  <c:v>7.624999999999999</c:v>
+                  <c:v>7.624999999999995</c:v>
                 </c:pt>
                 <c:pt idx="92">
                   <c:v>7.7083</c:v>
@@ -32830,7 +32830,7 @@
                   <c:v>4.0417</c:v>
                 </c:pt>
                 <c:pt idx="49">
-                  <c:v>4.124999999999999</c:v>
+                  <c:v>4.124999999999996</c:v>
                 </c:pt>
                 <c:pt idx="50">
                   <c:v>4.2083</c:v>
@@ -32848,7 +32848,7 @@
                   <c:v>4.5417</c:v>
                 </c:pt>
                 <c:pt idx="55">
-                  <c:v>4.624999999999999</c:v>
+                  <c:v>4.624999999999995</c:v>
                 </c:pt>
                 <c:pt idx="56">
                   <c:v>4.7083</c:v>
@@ -32866,7 +32866,7 @@
                   <c:v>5.0417</c:v>
                 </c:pt>
                 <c:pt idx="61">
-                  <c:v>5.124999999999999</c:v>
+                  <c:v>5.124999999999996</c:v>
                 </c:pt>
                 <c:pt idx="62">
                   <c:v>5.2083</c:v>
@@ -32884,7 +32884,7 @@
                   <c:v>5.5417</c:v>
                 </c:pt>
                 <c:pt idx="67">
-                  <c:v>5.624999999999999</c:v>
+                  <c:v>5.624999999999995</c:v>
                 </c:pt>
                 <c:pt idx="68">
                   <c:v>5.7083</c:v>
@@ -32902,7 +32902,7 @@
                   <c:v>6.0417</c:v>
                 </c:pt>
                 <c:pt idx="73">
-                  <c:v>6.124999999999999</c:v>
+                  <c:v>6.124999999999996</c:v>
                 </c:pt>
                 <c:pt idx="74">
                   <c:v>6.2083</c:v>
@@ -32920,7 +32920,7 @@
                   <c:v>6.5417</c:v>
                 </c:pt>
                 <c:pt idx="79">
-                  <c:v>6.624999999999999</c:v>
+                  <c:v>6.624999999999995</c:v>
                 </c:pt>
                 <c:pt idx="80">
                   <c:v>6.7083</c:v>
@@ -32938,7 +32938,7 @@
                   <c:v>7.0417</c:v>
                 </c:pt>
                 <c:pt idx="85">
-                  <c:v>7.124999999999999</c:v>
+                  <c:v>7.124999999999996</c:v>
                 </c:pt>
                 <c:pt idx="86">
                   <c:v>7.2083</c:v>
@@ -32956,7 +32956,7 @@
                   <c:v>7.5417</c:v>
                 </c:pt>
                 <c:pt idx="91">
-                  <c:v>7.624999999999999</c:v>
+                  <c:v>7.624999999999995</c:v>
                 </c:pt>
                 <c:pt idx="92">
                   <c:v>7.7083</c:v>
@@ -33235,7 +33235,7 @@
                   <c:v>-4.6926</c:v>
                 </c:pt>
                 <c:pt idx="37">
-                  <c:v>-4.863999999999999</c:v>
+                  <c:v>-4.863999999999997</c:v>
                 </c:pt>
                 <c:pt idx="38">
                   <c:v>-4.3599</c:v>
@@ -33730,7 +33730,7 @@
                   <c:v>4.0417</c:v>
                 </c:pt>
                 <c:pt idx="49">
-                  <c:v>4.124999999999999</c:v>
+                  <c:v>4.124999999999996</c:v>
                 </c:pt>
                 <c:pt idx="50">
                   <c:v>4.2083</c:v>
@@ -33748,7 +33748,7 @@
                   <c:v>4.5417</c:v>
                 </c:pt>
                 <c:pt idx="55">
-                  <c:v>4.624999999999999</c:v>
+                  <c:v>4.624999999999995</c:v>
                 </c:pt>
                 <c:pt idx="56">
                   <c:v>4.7083</c:v>
@@ -33766,7 +33766,7 @@
                   <c:v>5.0417</c:v>
                 </c:pt>
                 <c:pt idx="61">
-                  <c:v>5.124999999999999</c:v>
+                  <c:v>5.124999999999996</c:v>
                 </c:pt>
                 <c:pt idx="62">
                   <c:v>5.2083</c:v>
@@ -33784,7 +33784,7 @@
                   <c:v>5.5417</c:v>
                 </c:pt>
                 <c:pt idx="67">
-                  <c:v>5.624999999999999</c:v>
+                  <c:v>5.624999999999995</c:v>
                 </c:pt>
                 <c:pt idx="68">
                   <c:v>5.7083</c:v>
@@ -33802,7 +33802,7 @@
                   <c:v>6.0417</c:v>
                 </c:pt>
                 <c:pt idx="73">
-                  <c:v>6.124999999999999</c:v>
+                  <c:v>6.124999999999996</c:v>
                 </c:pt>
                 <c:pt idx="74">
                   <c:v>6.2083</c:v>
@@ -33820,7 +33820,7 @@
                   <c:v>6.5417</c:v>
                 </c:pt>
                 <c:pt idx="79">
-                  <c:v>6.624999999999999</c:v>
+                  <c:v>6.624999999999995</c:v>
                 </c:pt>
                 <c:pt idx="80">
                   <c:v>6.7083</c:v>
@@ -33838,7 +33838,7 @@
                   <c:v>7.0417</c:v>
                 </c:pt>
                 <c:pt idx="85">
-                  <c:v>7.124999999999999</c:v>
+                  <c:v>7.124999999999996</c:v>
                 </c:pt>
                 <c:pt idx="86">
                   <c:v>7.2083</c:v>
@@ -33856,7 +33856,7 @@
                   <c:v>7.5417</c:v>
                 </c:pt>
                 <c:pt idx="91">
-                  <c:v>7.624999999999999</c:v>
+                  <c:v>7.624999999999995</c:v>
                 </c:pt>
                 <c:pt idx="92">
                   <c:v>7.7083</c:v>
@@ -34630,7 +34630,7 @@
                   <c:v>4.0417</c:v>
                 </c:pt>
                 <c:pt idx="49">
-                  <c:v>4.124999999999999</c:v>
+                  <c:v>4.124999999999996</c:v>
                 </c:pt>
                 <c:pt idx="50">
                   <c:v>4.2083</c:v>
@@ -34648,7 +34648,7 @@
                   <c:v>4.5417</c:v>
                 </c:pt>
                 <c:pt idx="55">
-                  <c:v>4.624999999999999</c:v>
+                  <c:v>4.624999999999995</c:v>
                 </c:pt>
                 <c:pt idx="56">
                   <c:v>4.7083</c:v>
@@ -34666,7 +34666,7 @@
                   <c:v>5.0417</c:v>
                 </c:pt>
                 <c:pt idx="61">
-                  <c:v>5.124999999999999</c:v>
+                  <c:v>5.124999999999996</c:v>
                 </c:pt>
                 <c:pt idx="62">
                   <c:v>5.2083</c:v>
@@ -34684,7 +34684,7 @@
                   <c:v>5.5417</c:v>
                 </c:pt>
                 <c:pt idx="67">
-                  <c:v>5.624999999999999</c:v>
+                  <c:v>5.624999999999995</c:v>
                 </c:pt>
                 <c:pt idx="68">
                   <c:v>5.7083</c:v>
@@ -34702,7 +34702,7 @@
                   <c:v>6.0417</c:v>
                 </c:pt>
                 <c:pt idx="73">
-                  <c:v>6.124999999999999</c:v>
+                  <c:v>6.124999999999996</c:v>
                 </c:pt>
                 <c:pt idx="74">
                   <c:v>6.2083</c:v>
@@ -34720,7 +34720,7 @@
                   <c:v>6.5417</c:v>
                 </c:pt>
                 <c:pt idx="79">
-                  <c:v>6.624999999999999</c:v>
+                  <c:v>6.624999999999995</c:v>
                 </c:pt>
                 <c:pt idx="80">
                   <c:v>6.7083</c:v>
@@ -34738,7 +34738,7 @@
                   <c:v>7.0417</c:v>
                 </c:pt>
                 <c:pt idx="85">
-                  <c:v>7.124999999999999</c:v>
+                  <c:v>7.124999999999996</c:v>
                 </c:pt>
                 <c:pt idx="86">
                   <c:v>7.2083</c:v>
@@ -34756,7 +34756,7 @@
                   <c:v>7.5417</c:v>
                 </c:pt>
                 <c:pt idx="91">
-                  <c:v>7.624999999999999</c:v>
+                  <c:v>7.624999999999995</c:v>
                 </c:pt>
                 <c:pt idx="92">
                   <c:v>7.7083</c:v>
@@ -35368,11 +35368,11 @@
           <c:showPercent val="0"/>
           <c:showBubbleSize val="0"/>
         </c:dLbls>
-        <c:axId val="-2116357656"/>
-        <c:axId val="-2116327800"/>
+        <c:axId val="-2144942968"/>
+        <c:axId val="-2144936024"/>
       </c:scatterChart>
       <c:valAx>
-        <c:axId val="-2116357656"/>
+        <c:axId val="-2144942968"/>
         <c:scaling>
           <c:orientation val="minMax"/>
           <c:max val="12.0"/>
@@ -35401,7 +35401,7 @@
                   <a:buFontTx/>
                   <a:buNone/>
                   <a:tabLst/>
-                  <a:defRPr sz="1200" b="1" i="0" u="none" strike="noStrike" kern="1200" baseline="0">
+                  <a:defRPr sz="1400" b="1" i="0" u="none" strike="noStrike" kern="1200" baseline="0">
                     <a:solidFill>
                       <a:sysClr val="windowText" lastClr="000000"/>
                     </a:solidFill>
@@ -35411,21 +35411,21 @@
                   </a:defRPr>
                 </a:pPr>
                 <a:r>
-                  <a:rPr lang="en-US" altLang="zh-CN" sz="1200">
+                  <a:rPr lang="en-US" altLang="zh-CN" sz="1400">
                     <a:latin typeface="Times New Roman"/>
                     <a:cs typeface="Times New Roman"/>
                   </a:rPr>
                   <a:t>r</a:t>
                 </a:r>
                 <a:r>
-                  <a:rPr lang="en-US" altLang="zh-CN" sz="1200" baseline="0">
+                  <a:rPr lang="en-US" altLang="zh-CN" sz="1400" baseline="0">
                     <a:latin typeface="Times New Roman"/>
                     <a:cs typeface="Times New Roman"/>
                   </a:rPr>
                   <a:t> [</a:t>
                 </a:r>
                 <a:r>
-                  <a:rPr lang="fr-FR" altLang="zh-CN" sz="1200">
+                  <a:rPr lang="fr-FR" altLang="zh-CN" sz="1400">
                     <a:effectLst/>
                     <a:latin typeface="Times New Roman"/>
                     <a:cs typeface="Times New Roman"/>
@@ -35433,13 +35433,13 @@
                   <a:t>Å</a:t>
                 </a:r>
                 <a:r>
-                  <a:rPr lang="en-US" altLang="zh-CN" sz="1200" baseline="0">
+                  <a:rPr lang="en-US" altLang="zh-CN" sz="1400" baseline="0">
                     <a:latin typeface="Times New Roman"/>
                     <a:cs typeface="Times New Roman"/>
                   </a:rPr>
                   <a:t>]</a:t>
                 </a:r>
-                <a:endParaRPr lang="zh-CN" altLang="en-US" sz="1200">
+                <a:endParaRPr lang="zh-CN" altLang="en-US" sz="1400">
                   <a:latin typeface="Times New Roman"/>
                   <a:cs typeface="Times New Roman"/>
                 </a:endParaRPr>
@@ -35465,7 +35465,7 @@
           <a:lstStyle/>
           <a:p>
             <a:pPr>
-              <a:defRPr sz="1200">
+              <a:defRPr sz="1400">
                 <a:latin typeface="Times New Roman"/>
                 <a:cs typeface="Times New Roman"/>
               </a:defRPr>
@@ -35473,12 +35473,12 @@
             <a:endParaRPr lang="zh-CN"/>
           </a:p>
         </c:txPr>
-        <c:crossAx val="-2116327800"/>
+        <c:crossAx val="-2144936024"/>
         <c:crosses val="autoZero"/>
         <c:crossBetween val="midCat"/>
       </c:valAx>
       <c:valAx>
-        <c:axId val="-2116327800"/>
+        <c:axId val="-2144936024"/>
         <c:scaling>
           <c:orientation val="minMax"/>
         </c:scaling>
@@ -35491,19 +35491,19 @@
               <a:lstStyle/>
               <a:p>
                 <a:pPr>
-                  <a:defRPr sz="1200">
+                  <a:defRPr sz="1400">
                     <a:latin typeface="Times New Roman"/>
                     <a:cs typeface="Times New Roman"/>
                   </a:defRPr>
                 </a:pPr>
                 <a:r>
-                  <a:rPr lang="en-US" altLang="zh-CN" sz="1200">
+                  <a:rPr lang="en-US" altLang="zh-CN" sz="1400">
                     <a:latin typeface="Times New Roman"/>
                     <a:cs typeface="Times New Roman"/>
                   </a:rPr>
                   <a:t>g(r)</a:t>
                 </a:r>
-                <a:endParaRPr lang="zh-CN" altLang="en-US" sz="1200">
+                <a:endParaRPr lang="zh-CN" altLang="en-US" sz="1400">
                   <a:latin typeface="Times New Roman"/>
                   <a:cs typeface="Times New Roman"/>
                 </a:endParaRPr>
@@ -35529,7 +35529,7 @@
           <a:lstStyle/>
           <a:p>
             <a:pPr>
-              <a:defRPr sz="1200">
+              <a:defRPr sz="1400">
                 <a:latin typeface="Times New Roman"/>
                 <a:cs typeface="Times New Roman"/>
               </a:defRPr>
@@ -35537,7 +35537,7 @@
             <a:endParaRPr lang="zh-CN"/>
           </a:p>
         </c:txPr>
-        <c:crossAx val="-2116357656"/>
+        <c:crossAx val="-2144942968"/>
         <c:crosses val="autoZero"/>
         <c:crossBetween val="midCat"/>
       </c:valAx>
@@ -35559,7 +35559,7 @@
         <a:lstStyle/>
         <a:p>
           <a:pPr>
-            <a:defRPr>
+            <a:defRPr sz="1200">
               <a:latin typeface="Times New Roman"/>
               <a:cs typeface="Times New Roman"/>
             </a:defRPr>
@@ -35604,4658 +35604,61 @@
           <a:lstStyle/>
           <a:p>
             <a:pPr>
-              <a:defRPr b="0">
+              <a:defRPr sz="2000" b="0">
                 <a:latin typeface="Times New Roman"/>
                 <a:cs typeface="Times New Roman"/>
               </a:defRPr>
             </a:pPr>
             <a:r>
-              <a:rPr lang="en-US" altLang="zh-CN" b="0">
+              <a:rPr lang="en-US" altLang="zh-CN" sz="2000" b="0">
                 <a:latin typeface="Times New Roman"/>
                 <a:cs typeface="Times New Roman"/>
               </a:rPr>
               <a:t>CH</a:t>
             </a:r>
             <a:r>
-              <a:rPr lang="en-US" altLang="zh-CN" b="0" baseline="-25000">
+              <a:rPr lang="en-US" altLang="zh-CN" sz="2000" b="0" baseline="-25000">
                 <a:latin typeface="Times New Roman"/>
                 <a:cs typeface="Times New Roman"/>
               </a:rPr>
               <a:t>4</a:t>
             </a:r>
             <a:r>
-              <a:rPr lang="en-US" altLang="zh-CN" b="0" baseline="30000">
+              <a:rPr lang="en-US" altLang="zh-CN" sz="2000" b="0" baseline="30000">
                 <a:latin typeface="Times New Roman"/>
                 <a:cs typeface="Times New Roman"/>
               </a:rPr>
-              <a:t>-0.6</a:t>
+              <a:t>+1</a:t>
             </a:r>
             <a:r>
-              <a:rPr lang="en-US" altLang="zh-CN" b="0">
+              <a:rPr lang="en-US" altLang="zh-CN" sz="2000" b="0">
                 <a:latin typeface="Times New Roman"/>
                 <a:cs typeface="Times New Roman"/>
               </a:rPr>
               <a:t>,</a:t>
             </a:r>
             <a:r>
-              <a:rPr lang="en-US" altLang="zh-CN" b="0" baseline="0">
+              <a:rPr lang="en-US" altLang="zh-CN" sz="2000" b="0" baseline="0">
                 <a:latin typeface="Times New Roman"/>
                 <a:cs typeface="Times New Roman"/>
               </a:rPr>
               <a:t> m</a:t>
             </a:r>
             <a:r>
-              <a:rPr lang="en-US" altLang="zh-CN" b="0" baseline="-25000">
+              <a:rPr lang="en-US" altLang="zh-CN" sz="2000" b="0" baseline="-25000">
                 <a:latin typeface="Times New Roman"/>
                 <a:cs typeface="Times New Roman"/>
               </a:rPr>
               <a:t>max</a:t>
             </a:r>
             <a:r>
-              <a:rPr lang="en-US" altLang="zh-CN" b="0" baseline="0">
+              <a:rPr lang="en-US" altLang="zh-CN" sz="2000" b="0" baseline="0">
                 <a:latin typeface="Times New Roman"/>
                 <a:cs typeface="Times New Roman"/>
               </a:rPr>
               <a:t>=5</a:t>
             </a:r>
-            <a:endParaRPr lang="zh-CN" altLang="en-US" b="0">
-              <a:latin typeface="Times New Roman"/>
-              <a:cs typeface="Times New Roman"/>
-            </a:endParaRPr>
-          </a:p>
-        </c:rich>
-      </c:tx>
-      <c:layout>
-        <c:manualLayout>
-          <c:xMode val="edge"/>
-          <c:yMode val="edge"/>
-          <c:x val="0.400414409722222"/>
-          <c:y val="0.0917222222222222"/>
-        </c:manualLayout>
-      </c:layout>
-      <c:overlay val="1"/>
-    </c:title>
-    <c:autoTitleDeleted val="0"/>
-    <c:plotArea>
-      <c:layout/>
-      <c:scatterChart>
-        <c:scatterStyle val="smoothMarker"/>
-        <c:varyColors val="0"/>
-        <c:ser>
-          <c:idx val="0"/>
-          <c:order val="2"/>
-          <c:tx>
-            <c:v>00000 IET</c:v>
-          </c:tx>
-          <c:spPr>
-            <a:ln>
-              <a:solidFill>
-                <a:srgbClr val="0000FF"/>
-              </a:solidFill>
-              <a:prstDash val="dash"/>
-            </a:ln>
-          </c:spPr>
-          <c:marker>
-            <c:symbol val="none"/>
-          </c:marker>
-          <c:xVal>
-            <c:numRef>
-              <c:f>'gr-.6m5'!$G$2:$G$201</c:f>
-              <c:numCache>
-                <c:formatCode>0.00E+00</c:formatCode>
-                <c:ptCount val="200"/>
-                <c:pt idx="0">
-                  <c:v>0.0</c:v>
-                </c:pt>
-                <c:pt idx="1">
-                  <c:v>0.1</c:v>
-                </c:pt>
-                <c:pt idx="2">
-                  <c:v>0.2</c:v>
-                </c:pt>
-                <c:pt idx="3">
-                  <c:v>0.3</c:v>
-                </c:pt>
-                <c:pt idx="4">
-                  <c:v>0.4</c:v>
-                </c:pt>
-                <c:pt idx="5">
-                  <c:v>0.5</c:v>
-                </c:pt>
-                <c:pt idx="6">
-                  <c:v>0.6</c:v>
-                </c:pt>
-                <c:pt idx="7">
-                  <c:v>0.7</c:v>
-                </c:pt>
-                <c:pt idx="8">
-                  <c:v>0.8</c:v>
-                </c:pt>
-                <c:pt idx="9">
-                  <c:v>0.9</c:v>
-                </c:pt>
-                <c:pt idx="10">
-                  <c:v>1.0</c:v>
-                </c:pt>
-                <c:pt idx="11">
-                  <c:v>1.1</c:v>
-                </c:pt>
-                <c:pt idx="12">
-                  <c:v>1.2</c:v>
-                </c:pt>
-                <c:pt idx="13">
-                  <c:v>1.3</c:v>
-                </c:pt>
-                <c:pt idx="14">
-                  <c:v>1.4</c:v>
-                </c:pt>
-                <c:pt idx="15">
-                  <c:v>1.5</c:v>
-                </c:pt>
-                <c:pt idx="16">
-                  <c:v>1.6</c:v>
-                </c:pt>
-                <c:pt idx="17">
-                  <c:v>1.7</c:v>
-                </c:pt>
-                <c:pt idx="18">
-                  <c:v>1.8</c:v>
-                </c:pt>
-                <c:pt idx="19">
-                  <c:v>1.9</c:v>
-                </c:pt>
-                <c:pt idx="20">
-                  <c:v>2.0</c:v>
-                </c:pt>
-                <c:pt idx="21">
-                  <c:v>2.1</c:v>
-                </c:pt>
-                <c:pt idx="22">
-                  <c:v>2.2</c:v>
-                </c:pt>
-                <c:pt idx="23">
-                  <c:v>2.3</c:v>
-                </c:pt>
-                <c:pt idx="24">
-                  <c:v>2.4</c:v>
-                </c:pt>
-                <c:pt idx="25">
-                  <c:v>2.5</c:v>
-                </c:pt>
-                <c:pt idx="26">
-                  <c:v>2.6</c:v>
-                </c:pt>
-                <c:pt idx="27">
-                  <c:v>2.7</c:v>
-                </c:pt>
-                <c:pt idx="28">
-                  <c:v>2.8</c:v>
-                </c:pt>
-                <c:pt idx="29">
-                  <c:v>2.9</c:v>
-                </c:pt>
-                <c:pt idx="30">
-                  <c:v>3.0</c:v>
-                </c:pt>
-                <c:pt idx="31">
-                  <c:v>3.1</c:v>
-                </c:pt>
-                <c:pt idx="32">
-                  <c:v>3.2</c:v>
-                </c:pt>
-                <c:pt idx="33">
-                  <c:v>3.3</c:v>
-                </c:pt>
-                <c:pt idx="34">
-                  <c:v>3.4</c:v>
-                </c:pt>
-                <c:pt idx="35">
-                  <c:v>3.5</c:v>
-                </c:pt>
-                <c:pt idx="36">
-                  <c:v>3.6</c:v>
-                </c:pt>
-                <c:pt idx="37">
-                  <c:v>3.7</c:v>
-                </c:pt>
-                <c:pt idx="38">
-                  <c:v>3.8</c:v>
-                </c:pt>
-                <c:pt idx="39">
-                  <c:v>3.9</c:v>
-                </c:pt>
-                <c:pt idx="40">
-                  <c:v>4.0</c:v>
-                </c:pt>
-                <c:pt idx="41">
-                  <c:v>4.1</c:v>
-                </c:pt>
-                <c:pt idx="42">
-                  <c:v>4.2</c:v>
-                </c:pt>
-                <c:pt idx="43">
-                  <c:v>4.3</c:v>
-                </c:pt>
-                <c:pt idx="44">
-                  <c:v>4.4</c:v>
-                </c:pt>
-                <c:pt idx="45">
-                  <c:v>4.5</c:v>
-                </c:pt>
-                <c:pt idx="46">
-                  <c:v>4.6</c:v>
-                </c:pt>
-                <c:pt idx="47">
-                  <c:v>4.7</c:v>
-                </c:pt>
-                <c:pt idx="48">
-                  <c:v>4.8</c:v>
-                </c:pt>
-                <c:pt idx="49">
-                  <c:v>4.9</c:v>
-                </c:pt>
-                <c:pt idx="50">
-                  <c:v>5.0</c:v>
-                </c:pt>
-                <c:pt idx="51">
-                  <c:v>5.1</c:v>
-                </c:pt>
-                <c:pt idx="52">
-                  <c:v>5.2</c:v>
-                </c:pt>
-                <c:pt idx="53">
-                  <c:v>5.3</c:v>
-                </c:pt>
-                <c:pt idx="54">
-                  <c:v>5.4</c:v>
-                </c:pt>
-                <c:pt idx="55">
-                  <c:v>5.5</c:v>
-                </c:pt>
-                <c:pt idx="56">
-                  <c:v>5.6</c:v>
-                </c:pt>
-                <c:pt idx="57">
-                  <c:v>5.7</c:v>
-                </c:pt>
-                <c:pt idx="58">
-                  <c:v>5.8</c:v>
-                </c:pt>
-                <c:pt idx="59">
-                  <c:v>5.9</c:v>
-                </c:pt>
-                <c:pt idx="60">
-                  <c:v>6.0</c:v>
-                </c:pt>
-                <c:pt idx="61">
-                  <c:v>6.1</c:v>
-                </c:pt>
-                <c:pt idx="62">
-                  <c:v>6.2</c:v>
-                </c:pt>
-                <c:pt idx="63">
-                  <c:v>6.3</c:v>
-                </c:pt>
-                <c:pt idx="64">
-                  <c:v>6.4</c:v>
-                </c:pt>
-                <c:pt idx="65">
-                  <c:v>6.5</c:v>
-                </c:pt>
-                <c:pt idx="66">
-                  <c:v>6.6</c:v>
-                </c:pt>
-                <c:pt idx="67">
-                  <c:v>6.7</c:v>
-                </c:pt>
-                <c:pt idx="68">
-                  <c:v>6.8</c:v>
-                </c:pt>
-                <c:pt idx="69">
-                  <c:v>6.9</c:v>
-                </c:pt>
-                <c:pt idx="70">
-                  <c:v>7.0</c:v>
-                </c:pt>
-                <c:pt idx="71">
-                  <c:v>7.1</c:v>
-                </c:pt>
-                <c:pt idx="72">
-                  <c:v>7.2</c:v>
-                </c:pt>
-                <c:pt idx="73">
-                  <c:v>7.3</c:v>
-                </c:pt>
-                <c:pt idx="74">
-                  <c:v>7.4</c:v>
-                </c:pt>
-                <c:pt idx="75">
-                  <c:v>7.5</c:v>
-                </c:pt>
-                <c:pt idx="76">
-                  <c:v>7.6</c:v>
-                </c:pt>
-                <c:pt idx="77">
-                  <c:v>7.7</c:v>
-                </c:pt>
-                <c:pt idx="78">
-                  <c:v>7.8</c:v>
-                </c:pt>
-                <c:pt idx="79">
-                  <c:v>7.9</c:v>
-                </c:pt>
-                <c:pt idx="80">
-                  <c:v>8.0</c:v>
-                </c:pt>
-                <c:pt idx="81">
-                  <c:v>8.1</c:v>
-                </c:pt>
-                <c:pt idx="82">
-                  <c:v>8.2</c:v>
-                </c:pt>
-                <c:pt idx="83">
-                  <c:v>8.3</c:v>
-                </c:pt>
-                <c:pt idx="84">
-                  <c:v>8.4</c:v>
-                </c:pt>
-                <c:pt idx="85">
-                  <c:v>8.5</c:v>
-                </c:pt>
-                <c:pt idx="86">
-                  <c:v>8.6</c:v>
-                </c:pt>
-                <c:pt idx="87">
-                  <c:v>8.7</c:v>
-                </c:pt>
-                <c:pt idx="88">
-                  <c:v>8.8</c:v>
-                </c:pt>
-                <c:pt idx="89">
-                  <c:v>8.9</c:v>
-                </c:pt>
-                <c:pt idx="90">
-                  <c:v>9.0</c:v>
-                </c:pt>
-                <c:pt idx="91">
-                  <c:v>9.1</c:v>
-                </c:pt>
-                <c:pt idx="92">
-                  <c:v>9.2</c:v>
-                </c:pt>
-                <c:pt idx="93">
-                  <c:v>9.3</c:v>
-                </c:pt>
-                <c:pt idx="94">
-                  <c:v>9.4</c:v>
-                </c:pt>
-                <c:pt idx="95">
-                  <c:v>9.5</c:v>
-                </c:pt>
-                <c:pt idx="96">
-                  <c:v>9.6</c:v>
-                </c:pt>
-                <c:pt idx="97">
-                  <c:v>9.7</c:v>
-                </c:pt>
-                <c:pt idx="98">
-                  <c:v>9.8</c:v>
-                </c:pt>
-                <c:pt idx="99">
-                  <c:v>9.9</c:v>
-                </c:pt>
-                <c:pt idx="100">
-                  <c:v>10.0</c:v>
-                </c:pt>
-                <c:pt idx="101">
-                  <c:v>10.1</c:v>
-                </c:pt>
-                <c:pt idx="102">
-                  <c:v>10.2</c:v>
-                </c:pt>
-                <c:pt idx="103">
-                  <c:v>10.3</c:v>
-                </c:pt>
-                <c:pt idx="104">
-                  <c:v>10.4</c:v>
-                </c:pt>
-                <c:pt idx="105">
-                  <c:v>10.5</c:v>
-                </c:pt>
-                <c:pt idx="106">
-                  <c:v>10.6</c:v>
-                </c:pt>
-                <c:pt idx="107">
-                  <c:v>10.7</c:v>
-                </c:pt>
-                <c:pt idx="108">
-                  <c:v>10.8</c:v>
-                </c:pt>
-                <c:pt idx="109">
-                  <c:v>10.9</c:v>
-                </c:pt>
-                <c:pt idx="110">
-                  <c:v>11.0</c:v>
-                </c:pt>
-                <c:pt idx="111">
-                  <c:v>11.1</c:v>
-                </c:pt>
-                <c:pt idx="112">
-                  <c:v>11.2</c:v>
-                </c:pt>
-                <c:pt idx="113">
-                  <c:v>11.3</c:v>
-                </c:pt>
-                <c:pt idx="114">
-                  <c:v>11.4</c:v>
-                </c:pt>
-                <c:pt idx="115">
-                  <c:v>11.5</c:v>
-                </c:pt>
-                <c:pt idx="116">
-                  <c:v>11.6</c:v>
-                </c:pt>
-                <c:pt idx="117">
-                  <c:v>11.7</c:v>
-                </c:pt>
-                <c:pt idx="118">
-                  <c:v>11.8</c:v>
-                </c:pt>
-                <c:pt idx="119">
-                  <c:v>11.9</c:v>
-                </c:pt>
-                <c:pt idx="120">
-                  <c:v>12.0</c:v>
-                </c:pt>
-                <c:pt idx="121">
-                  <c:v>12.1</c:v>
-                </c:pt>
-                <c:pt idx="122">
-                  <c:v>12.2</c:v>
-                </c:pt>
-                <c:pt idx="123">
-                  <c:v>12.3</c:v>
-                </c:pt>
-                <c:pt idx="124">
-                  <c:v>12.4</c:v>
-                </c:pt>
-                <c:pt idx="125">
-                  <c:v>12.5</c:v>
-                </c:pt>
-                <c:pt idx="126">
-                  <c:v>12.6</c:v>
-                </c:pt>
-                <c:pt idx="127">
-                  <c:v>12.7</c:v>
-                </c:pt>
-                <c:pt idx="128">
-                  <c:v>12.8</c:v>
-                </c:pt>
-                <c:pt idx="129">
-                  <c:v>12.9</c:v>
-                </c:pt>
-                <c:pt idx="130">
-                  <c:v>13.0</c:v>
-                </c:pt>
-                <c:pt idx="131">
-                  <c:v>13.1</c:v>
-                </c:pt>
-                <c:pt idx="132">
-                  <c:v>13.2</c:v>
-                </c:pt>
-                <c:pt idx="133">
-                  <c:v>13.3</c:v>
-                </c:pt>
-                <c:pt idx="134">
-                  <c:v>13.4</c:v>
-                </c:pt>
-                <c:pt idx="135">
-                  <c:v>13.5</c:v>
-                </c:pt>
-                <c:pt idx="136">
-                  <c:v>13.6</c:v>
-                </c:pt>
-                <c:pt idx="137">
-                  <c:v>13.7</c:v>
-                </c:pt>
-                <c:pt idx="138">
-                  <c:v>13.8</c:v>
-                </c:pt>
-                <c:pt idx="139">
-                  <c:v>13.9</c:v>
-                </c:pt>
-                <c:pt idx="140">
-                  <c:v>14.0</c:v>
-                </c:pt>
-                <c:pt idx="141">
-                  <c:v>14.1</c:v>
-                </c:pt>
-                <c:pt idx="142">
-                  <c:v>14.2</c:v>
-                </c:pt>
-                <c:pt idx="143">
-                  <c:v>14.3</c:v>
-                </c:pt>
-                <c:pt idx="144">
-                  <c:v>14.4</c:v>
-                </c:pt>
-                <c:pt idx="145">
-                  <c:v>14.5</c:v>
-                </c:pt>
-                <c:pt idx="146">
-                  <c:v>14.6</c:v>
-                </c:pt>
-                <c:pt idx="147">
-                  <c:v>14.7</c:v>
-                </c:pt>
-                <c:pt idx="148">
-                  <c:v>14.8</c:v>
-                </c:pt>
-                <c:pt idx="149">
-                  <c:v>14.9</c:v>
-                </c:pt>
-                <c:pt idx="150">
-                  <c:v>15.0</c:v>
-                </c:pt>
-                <c:pt idx="151">
-                  <c:v>15.1</c:v>
-                </c:pt>
-                <c:pt idx="152">
-                  <c:v>15.2</c:v>
-                </c:pt>
-                <c:pt idx="153">
-                  <c:v>15.3</c:v>
-                </c:pt>
-                <c:pt idx="154">
-                  <c:v>15.4</c:v>
-                </c:pt>
-                <c:pt idx="155">
-                  <c:v>15.5</c:v>
-                </c:pt>
-                <c:pt idx="156">
-                  <c:v>15.6</c:v>
-                </c:pt>
-                <c:pt idx="157">
-                  <c:v>15.7</c:v>
-                </c:pt>
-                <c:pt idx="158">
-                  <c:v>15.8</c:v>
-                </c:pt>
-                <c:pt idx="159">
-                  <c:v>15.9</c:v>
-                </c:pt>
-                <c:pt idx="160">
-                  <c:v>16.0</c:v>
-                </c:pt>
-                <c:pt idx="161">
-                  <c:v>16.1</c:v>
-                </c:pt>
-                <c:pt idx="162">
-                  <c:v>16.2</c:v>
-                </c:pt>
-                <c:pt idx="163">
-                  <c:v>16.3</c:v>
-                </c:pt>
-                <c:pt idx="164">
-                  <c:v>16.4</c:v>
-                </c:pt>
-                <c:pt idx="165">
-                  <c:v>16.5</c:v>
-                </c:pt>
-                <c:pt idx="166">
-                  <c:v>16.6</c:v>
-                </c:pt>
-                <c:pt idx="167">
-                  <c:v>16.7</c:v>
-                </c:pt>
-                <c:pt idx="168">
-                  <c:v>16.8</c:v>
-                </c:pt>
-                <c:pt idx="169">
-                  <c:v>16.9</c:v>
-                </c:pt>
-                <c:pt idx="170">
-                  <c:v>17.0</c:v>
-                </c:pt>
-                <c:pt idx="171">
-                  <c:v>17.1</c:v>
-                </c:pt>
-                <c:pt idx="172">
-                  <c:v>17.2</c:v>
-                </c:pt>
-                <c:pt idx="173">
-                  <c:v>17.3</c:v>
-                </c:pt>
-                <c:pt idx="174">
-                  <c:v>17.4</c:v>
-                </c:pt>
-                <c:pt idx="175">
-                  <c:v>17.5</c:v>
-                </c:pt>
-                <c:pt idx="176">
-                  <c:v>17.6</c:v>
-                </c:pt>
-                <c:pt idx="177">
-                  <c:v>17.7</c:v>
-                </c:pt>
-                <c:pt idx="178">
-                  <c:v>17.8</c:v>
-                </c:pt>
-                <c:pt idx="179">
-                  <c:v>17.9</c:v>
-                </c:pt>
-                <c:pt idx="180">
-                  <c:v>18.0</c:v>
-                </c:pt>
-                <c:pt idx="181">
-                  <c:v>18.1</c:v>
-                </c:pt>
-                <c:pt idx="182">
-                  <c:v>18.2</c:v>
-                </c:pt>
-                <c:pt idx="183">
-                  <c:v>18.3</c:v>
-                </c:pt>
-                <c:pt idx="184">
-                  <c:v>18.4</c:v>
-                </c:pt>
-                <c:pt idx="185">
-                  <c:v>18.5</c:v>
-                </c:pt>
-                <c:pt idx="186">
-                  <c:v>18.6</c:v>
-                </c:pt>
-                <c:pt idx="187">
-                  <c:v>18.7</c:v>
-                </c:pt>
-                <c:pt idx="188">
-                  <c:v>18.8</c:v>
-                </c:pt>
-                <c:pt idx="189">
-                  <c:v>18.9</c:v>
-                </c:pt>
-                <c:pt idx="190">
-                  <c:v>19.0</c:v>
-                </c:pt>
-                <c:pt idx="191">
-                  <c:v>19.1</c:v>
-                </c:pt>
-                <c:pt idx="192">
-                  <c:v>19.2</c:v>
-                </c:pt>
-                <c:pt idx="193">
-                  <c:v>19.3</c:v>
-                </c:pt>
-                <c:pt idx="194">
-                  <c:v>19.4</c:v>
-                </c:pt>
-                <c:pt idx="195">
-                  <c:v>19.5</c:v>
-                </c:pt>
-                <c:pt idx="196">
-                  <c:v>19.6</c:v>
-                </c:pt>
-                <c:pt idx="197">
-                  <c:v>19.7</c:v>
-                </c:pt>
-                <c:pt idx="198">
-                  <c:v>19.8</c:v>
-                </c:pt>
-                <c:pt idx="199">
-                  <c:v>19.9</c:v>
-                </c:pt>
-              </c:numCache>
-            </c:numRef>
-          </c:xVal>
-          <c:yVal>
-            <c:numRef>
-              <c:f>'gr-.6m5'!$H$2:$H$201</c:f>
-              <c:numCache>
-                <c:formatCode>0.00E+00</c:formatCode>
-                <c:ptCount val="200"/>
-                <c:pt idx="0">
-                  <c:v>0.0</c:v>
-                </c:pt>
-                <c:pt idx="1">
-                  <c:v>0.0</c:v>
-                </c:pt>
-                <c:pt idx="2">
-                  <c:v>0.0</c:v>
-                </c:pt>
-                <c:pt idx="3">
-                  <c:v>0.0</c:v>
-                </c:pt>
-                <c:pt idx="4">
-                  <c:v>0.0</c:v>
-                </c:pt>
-                <c:pt idx="5">
-                  <c:v>0.0</c:v>
-                </c:pt>
-                <c:pt idx="6">
-                  <c:v>0.0</c:v>
-                </c:pt>
-                <c:pt idx="7">
-                  <c:v>0.0</c:v>
-                </c:pt>
-                <c:pt idx="8">
-                  <c:v>0.0</c:v>
-                </c:pt>
-                <c:pt idx="9">
-                  <c:v>0.0</c:v>
-                </c:pt>
-                <c:pt idx="10">
-                  <c:v>0.0</c:v>
-                </c:pt>
-                <c:pt idx="11">
-                  <c:v>0.0</c:v>
-                </c:pt>
-                <c:pt idx="12">
-                  <c:v>0.0</c:v>
-                </c:pt>
-                <c:pt idx="13">
-                  <c:v>0.0</c:v>
-                </c:pt>
-                <c:pt idx="14">
-                  <c:v>0.0</c:v>
-                </c:pt>
-                <c:pt idx="15">
-                  <c:v>0.0</c:v>
-                </c:pt>
-                <c:pt idx="16">
-                  <c:v>0.0</c:v>
-                </c:pt>
-                <c:pt idx="17">
-                  <c:v>0.0</c:v>
-                </c:pt>
-                <c:pt idx="18">
-                  <c:v>0.0</c:v>
-                </c:pt>
-                <c:pt idx="19">
-                  <c:v>0.0</c:v>
-                </c:pt>
-                <c:pt idx="20">
-                  <c:v>0.0</c:v>
-                </c:pt>
-                <c:pt idx="21">
-                  <c:v>0.0</c:v>
-                </c:pt>
-                <c:pt idx="22">
-                  <c:v>0.0</c:v>
-                </c:pt>
-                <c:pt idx="23">
-                  <c:v>0.0</c:v>
-                </c:pt>
-                <c:pt idx="24">
-                  <c:v>2.85E-33</c:v>
-                </c:pt>
-                <c:pt idx="25">
-                  <c:v>9.58200000000001E-18</c:v>
-                </c:pt>
-                <c:pt idx="26">
-                  <c:v>2.905E-9</c:v>
-                </c:pt>
-                <c:pt idx="27">
-                  <c:v>0.0001019</c:v>
-                </c:pt>
-                <c:pt idx="28">
-                  <c:v>0.02226</c:v>
-                </c:pt>
-                <c:pt idx="29">
-                  <c:v>0.2993</c:v>
-                </c:pt>
-                <c:pt idx="30">
-                  <c:v>0.9748</c:v>
-                </c:pt>
-                <c:pt idx="31">
-                  <c:v>1.726</c:v>
-                </c:pt>
-                <c:pt idx="32">
-                  <c:v>2.382</c:v>
-                </c:pt>
-                <c:pt idx="33">
-                  <c:v>2.763</c:v>
-                </c:pt>
-                <c:pt idx="34">
-                  <c:v>2.747</c:v>
-                </c:pt>
-                <c:pt idx="35">
-                  <c:v>2.453</c:v>
-                </c:pt>
-                <c:pt idx="36">
-                  <c:v>2.084</c:v>
-                </c:pt>
-                <c:pt idx="37">
-                  <c:v>1.752</c:v>
-                </c:pt>
-                <c:pt idx="38">
-                  <c:v>1.485</c:v>
-                </c:pt>
-                <c:pt idx="39">
-                  <c:v>1.279</c:v>
-                </c:pt>
-                <c:pt idx="40">
-                  <c:v>1.122</c:v>
-                </c:pt>
-                <c:pt idx="41">
-                  <c:v>1.002</c:v>
-                </c:pt>
-                <c:pt idx="42">
-                  <c:v>0.9114</c:v>
-                </c:pt>
-                <c:pt idx="43">
-                  <c:v>0.8435</c:v>
-                </c:pt>
-                <c:pt idx="44">
-                  <c:v>0.7933</c:v>
-                </c:pt>
-                <c:pt idx="45">
-                  <c:v>0.7574</c:v>
-                </c:pt>
-                <c:pt idx="46">
-                  <c:v>0.733</c:v>
-                </c:pt>
-                <c:pt idx="47">
-                  <c:v>0.7182</c:v>
-                </c:pt>
-                <c:pt idx="48">
-                  <c:v>0.7114</c:v>
-                </c:pt>
-                <c:pt idx="49">
-                  <c:v>0.7117</c:v>
-                </c:pt>
-                <c:pt idx="50">
-                  <c:v>0.7187</c:v>
-                </c:pt>
-                <c:pt idx="51">
-                  <c:v>0.7323</c:v>
-                </c:pt>
-                <c:pt idx="52">
-                  <c:v>0.753</c:v>
-                </c:pt>
-                <c:pt idx="53">
-                  <c:v>0.7822</c:v>
-                </c:pt>
-                <c:pt idx="54">
-                  <c:v>0.8218</c:v>
-                </c:pt>
-                <c:pt idx="55">
-                  <c:v>0.8759</c:v>
-                </c:pt>
-                <c:pt idx="56">
-                  <c:v>0.9507</c:v>
-                </c:pt>
-                <c:pt idx="57">
-                  <c:v>1.051</c:v>
-                </c:pt>
-                <c:pt idx="58">
-                  <c:v>1.164</c:v>
-                </c:pt>
-                <c:pt idx="59">
-                  <c:v>1.247</c:v>
-                </c:pt>
-                <c:pt idx="60">
-                  <c:v>1.255</c:v>
-                </c:pt>
-                <c:pt idx="61">
-                  <c:v>1.197</c:v>
-                </c:pt>
-                <c:pt idx="62">
-                  <c:v>1.12</c:v>
-                </c:pt>
-                <c:pt idx="63">
-                  <c:v>1.059</c:v>
-                </c:pt>
-                <c:pt idx="64">
-                  <c:v>1.021</c:v>
-                </c:pt>
-                <c:pt idx="65">
-                  <c:v>1.001</c:v>
-                </c:pt>
-                <c:pt idx="66">
-                  <c:v>0.9932</c:v>
-                </c:pt>
-                <c:pt idx="67">
-                  <c:v>0.993</c:v>
-                </c:pt>
-                <c:pt idx="68">
-                  <c:v>0.9972</c:v>
-                </c:pt>
-                <c:pt idx="69">
-                  <c:v>1.004</c:v>
-                </c:pt>
-                <c:pt idx="70">
-                  <c:v>1.011</c:v>
-                </c:pt>
-                <c:pt idx="71">
-                  <c:v>1.018</c:v>
-                </c:pt>
-                <c:pt idx="72">
-                  <c:v>1.024</c:v>
-                </c:pt>
-                <c:pt idx="73">
-                  <c:v>1.028</c:v>
-                </c:pt>
-                <c:pt idx="74">
-                  <c:v>1.03</c:v>
-                </c:pt>
-                <c:pt idx="75">
-                  <c:v>1.029</c:v>
-                </c:pt>
-                <c:pt idx="76">
-                  <c:v>1.027</c:v>
-                </c:pt>
-                <c:pt idx="77">
-                  <c:v>1.023</c:v>
-                </c:pt>
-                <c:pt idx="78">
-                  <c:v>1.017</c:v>
-                </c:pt>
-                <c:pt idx="79">
-                  <c:v>1.011</c:v>
-                </c:pt>
-                <c:pt idx="80">
-                  <c:v>1.004</c:v>
-                </c:pt>
-                <c:pt idx="81">
-                  <c:v>0.997</c:v>
-                </c:pt>
-                <c:pt idx="82">
-                  <c:v>0.99</c:v>
-                </c:pt>
-                <c:pt idx="83">
-                  <c:v>0.9831</c:v>
-                </c:pt>
-                <c:pt idx="84">
-                  <c:v>0.9765</c:v>
-                </c:pt>
-                <c:pt idx="85">
-                  <c:v>0.9706</c:v>
-                </c:pt>
-                <c:pt idx="86">
-                  <c:v>0.9659</c:v>
-                </c:pt>
-                <c:pt idx="87">
-                  <c:v>0.9632</c:v>
-                </c:pt>
-                <c:pt idx="88">
-                  <c:v>0.9632</c:v>
-                </c:pt>
-                <c:pt idx="89">
-                  <c:v>0.9659</c:v>
-                </c:pt>
-                <c:pt idx="90">
-                  <c:v>0.971</c:v>
-                </c:pt>
-                <c:pt idx="91">
-                  <c:v>0.9778</c:v>
-                </c:pt>
-                <c:pt idx="92">
-                  <c:v>0.9857</c:v>
-                </c:pt>
-                <c:pt idx="93">
-                  <c:v>0.994</c:v>
-                </c:pt>
-                <c:pt idx="94">
-                  <c:v>1.002</c:v>
-                </c:pt>
-                <c:pt idx="95">
-                  <c:v>1.009</c:v>
-                </c:pt>
-                <c:pt idx="96">
-                  <c:v>1.016</c:v>
-                </c:pt>
-                <c:pt idx="97">
-                  <c:v>1.02</c:v>
-                </c:pt>
-                <c:pt idx="98">
-                  <c:v>1.023</c:v>
-                </c:pt>
-                <c:pt idx="99">
-                  <c:v>1.025</c:v>
-                </c:pt>
-                <c:pt idx="100">
-                  <c:v>1.025</c:v>
-                </c:pt>
-                <c:pt idx="101">
-                  <c:v>1.023</c:v>
-                </c:pt>
-                <c:pt idx="102">
-                  <c:v>1.02</c:v>
-                </c:pt>
-                <c:pt idx="103">
-                  <c:v>1.016</c:v>
-                </c:pt>
-                <c:pt idx="104">
-                  <c:v>1.012</c:v>
-                </c:pt>
-                <c:pt idx="105">
-                  <c:v>1.008</c:v>
-                </c:pt>
-                <c:pt idx="106">
-                  <c:v>1.004</c:v>
-                </c:pt>
-                <c:pt idx="107">
-                  <c:v>1.0</c:v>
-                </c:pt>
-                <c:pt idx="108">
-                  <c:v>0.997</c:v>
-                </c:pt>
-                <c:pt idx="109">
-                  <c:v>0.9946</c:v>
-                </c:pt>
-                <c:pt idx="110">
-                  <c:v>0.9931</c:v>
-                </c:pt>
-                <c:pt idx="111">
-                  <c:v>0.9923</c:v>
-                </c:pt>
-                <c:pt idx="112">
-                  <c:v>0.9921</c:v>
-                </c:pt>
-                <c:pt idx="113">
-                  <c:v>0.9925</c:v>
-                </c:pt>
-                <c:pt idx="114">
-                  <c:v>0.9932</c:v>
-                </c:pt>
-                <c:pt idx="115">
-                  <c:v>0.9943</c:v>
-                </c:pt>
-                <c:pt idx="116">
-                  <c:v>0.9955</c:v>
-                </c:pt>
-                <c:pt idx="117">
-                  <c:v>0.9967</c:v>
-                </c:pt>
-                <c:pt idx="118">
-                  <c:v>0.9979</c:v>
-                </c:pt>
-                <c:pt idx="119">
-                  <c:v>0.999</c:v>
-                </c:pt>
-                <c:pt idx="120">
-                  <c:v>0.9998</c:v>
-                </c:pt>
-                <c:pt idx="121">
-                  <c:v>1.0</c:v>
-                </c:pt>
-                <c:pt idx="122">
-                  <c:v>1.001</c:v>
-                </c:pt>
-                <c:pt idx="123">
-                  <c:v>1.001</c:v>
-                </c:pt>
-                <c:pt idx="124">
-                  <c:v>1.001</c:v>
-                </c:pt>
-                <c:pt idx="125">
-                  <c:v>1.001</c:v>
-                </c:pt>
-                <c:pt idx="126">
-                  <c:v>1.001</c:v>
-                </c:pt>
-                <c:pt idx="127">
-                  <c:v>1.001</c:v>
-                </c:pt>
-                <c:pt idx="128">
-                  <c:v>1.001</c:v>
-                </c:pt>
-                <c:pt idx="129">
-                  <c:v>1.0</c:v>
-                </c:pt>
-                <c:pt idx="130">
-                  <c:v>1.0</c:v>
-                </c:pt>
-                <c:pt idx="131">
-                  <c:v>1.0</c:v>
-                </c:pt>
-                <c:pt idx="132">
-                  <c:v>1.0</c:v>
-                </c:pt>
-                <c:pt idx="133">
-                  <c:v>1.0</c:v>
-                </c:pt>
-                <c:pt idx="134">
-                  <c:v>1.001</c:v>
-                </c:pt>
-                <c:pt idx="135">
-                  <c:v>1.001</c:v>
-                </c:pt>
-                <c:pt idx="136">
-                  <c:v>1.001</c:v>
-                </c:pt>
-                <c:pt idx="137">
-                  <c:v>1.001</c:v>
-                </c:pt>
-                <c:pt idx="138">
-                  <c:v>1.001</c:v>
-                </c:pt>
-                <c:pt idx="139">
-                  <c:v>1.001</c:v>
-                </c:pt>
-                <c:pt idx="140">
-                  <c:v>1.001</c:v>
-                </c:pt>
-                <c:pt idx="141">
-                  <c:v>1.001</c:v>
-                </c:pt>
-                <c:pt idx="142">
-                  <c:v>1.001</c:v>
-                </c:pt>
-                <c:pt idx="143">
-                  <c:v>1.001</c:v>
-                </c:pt>
-                <c:pt idx="144">
-                  <c:v>1.0</c:v>
-                </c:pt>
-                <c:pt idx="145">
-                  <c:v>1.0</c:v>
-                </c:pt>
-                <c:pt idx="146">
-                  <c:v>0.9999</c:v>
-                </c:pt>
-                <c:pt idx="147">
-                  <c:v>0.9996</c:v>
-                </c:pt>
-                <c:pt idx="148">
-                  <c:v>0.9993</c:v>
-                </c:pt>
-                <c:pt idx="149">
-                  <c:v>0.9992</c:v>
-                </c:pt>
-                <c:pt idx="150">
-                  <c:v>0.999</c:v>
-                </c:pt>
-                <c:pt idx="151">
-                  <c:v>0.999</c:v>
-                </c:pt>
-                <c:pt idx="152">
-                  <c:v>0.999</c:v>
-                </c:pt>
-                <c:pt idx="153">
-                  <c:v>0.999</c:v>
-                </c:pt>
-                <c:pt idx="154">
-                  <c:v>0.9991</c:v>
-                </c:pt>
-                <c:pt idx="155">
-                  <c:v>0.9993</c:v>
-                </c:pt>
-                <c:pt idx="156">
-                  <c:v>0.9995</c:v>
-                </c:pt>
-                <c:pt idx="157">
-                  <c:v>0.9997</c:v>
-                </c:pt>
-                <c:pt idx="158">
-                  <c:v>0.9999</c:v>
-                </c:pt>
-                <c:pt idx="159">
-                  <c:v>1.0</c:v>
-                </c:pt>
-                <c:pt idx="160">
-                  <c:v>1.0</c:v>
-                </c:pt>
-                <c:pt idx="161">
-                  <c:v>1.0</c:v>
-                </c:pt>
-                <c:pt idx="162">
-                  <c:v>1.0</c:v>
-                </c:pt>
-                <c:pt idx="163">
-                  <c:v>1.0</c:v>
-                </c:pt>
-                <c:pt idx="164">
-                  <c:v>1.001</c:v>
-                </c:pt>
-                <c:pt idx="165">
-                  <c:v>1.001</c:v>
-                </c:pt>
-                <c:pt idx="166">
-                  <c:v>1.0</c:v>
-                </c:pt>
-                <c:pt idx="167">
-                  <c:v>1.0</c:v>
-                </c:pt>
-                <c:pt idx="168">
-                  <c:v>1.0</c:v>
-                </c:pt>
-                <c:pt idx="169">
-                  <c:v>1.0</c:v>
-                </c:pt>
-                <c:pt idx="170">
-                  <c:v>1.0</c:v>
-                </c:pt>
-                <c:pt idx="171">
-                  <c:v>1.0</c:v>
-                </c:pt>
-                <c:pt idx="172">
-                  <c:v>1.0</c:v>
-                </c:pt>
-                <c:pt idx="173">
-                  <c:v>1.0</c:v>
-                </c:pt>
-                <c:pt idx="174">
-                  <c:v>1.0</c:v>
-                </c:pt>
-                <c:pt idx="175">
-                  <c:v>1.0</c:v>
-                </c:pt>
-                <c:pt idx="176">
-                  <c:v>0.9999</c:v>
-                </c:pt>
-                <c:pt idx="177">
-                  <c:v>0.9999</c:v>
-                </c:pt>
-                <c:pt idx="178">
-                  <c:v>0.9999</c:v>
-                </c:pt>
-                <c:pt idx="179">
-                  <c:v>0.9999</c:v>
-                </c:pt>
-                <c:pt idx="180">
-                  <c:v>0.9999</c:v>
-                </c:pt>
-                <c:pt idx="181">
-                  <c:v>0.9999</c:v>
-                </c:pt>
-                <c:pt idx="182">
-                  <c:v>0.9999</c:v>
-                </c:pt>
-                <c:pt idx="183">
-                  <c:v>0.9999</c:v>
-                </c:pt>
-                <c:pt idx="184">
-                  <c:v>0.9999</c:v>
-                </c:pt>
-                <c:pt idx="185">
-                  <c:v>0.9999</c:v>
-                </c:pt>
-                <c:pt idx="186">
-                  <c:v>1.0</c:v>
-                </c:pt>
-                <c:pt idx="187">
-                  <c:v>1.0</c:v>
-                </c:pt>
-                <c:pt idx="188">
-                  <c:v>1.0</c:v>
-                </c:pt>
-                <c:pt idx="189">
-                  <c:v>1.0</c:v>
-                </c:pt>
-                <c:pt idx="190">
-                  <c:v>1.0</c:v>
-                </c:pt>
-                <c:pt idx="191">
-                  <c:v>1.0</c:v>
-                </c:pt>
-                <c:pt idx="192">
-                  <c:v>1.0</c:v>
-                </c:pt>
-                <c:pt idx="193">
-                  <c:v>1.0</c:v>
-                </c:pt>
-                <c:pt idx="194">
-                  <c:v>1.0</c:v>
-                </c:pt>
-                <c:pt idx="195">
-                  <c:v>1.0</c:v>
-                </c:pt>
-                <c:pt idx="196">
-                  <c:v>1.0</c:v>
-                </c:pt>
-                <c:pt idx="197">
-                  <c:v>1.0</c:v>
-                </c:pt>
-                <c:pt idx="198">
-                  <c:v>1.0</c:v>
-                </c:pt>
-                <c:pt idx="199">
-                  <c:v>1.0</c:v>
-                </c:pt>
-              </c:numCache>
-            </c:numRef>
-          </c:yVal>
-          <c:smooth val="1"/>
-        </c:ser>
-        <c:ser>
-          <c:idx val="1"/>
-          <c:order val="3"/>
-          <c:tx>
-            <c:v>01100 IET</c:v>
-          </c:tx>
-          <c:spPr>
-            <a:ln>
-              <a:solidFill>
-                <a:srgbClr val="FF0000"/>
-              </a:solidFill>
-              <a:prstDash val="dash"/>
-            </a:ln>
-          </c:spPr>
-          <c:marker>
-            <c:symbol val="none"/>
-          </c:marker>
-          <c:xVal>
-            <c:numRef>
-              <c:f>'gr-.6m5'!$G$2:$G$201</c:f>
-              <c:numCache>
-                <c:formatCode>0.00E+00</c:formatCode>
-                <c:ptCount val="200"/>
-                <c:pt idx="0">
-                  <c:v>0.0</c:v>
-                </c:pt>
-                <c:pt idx="1">
-                  <c:v>0.1</c:v>
-                </c:pt>
-                <c:pt idx="2">
-                  <c:v>0.2</c:v>
-                </c:pt>
-                <c:pt idx="3">
-                  <c:v>0.3</c:v>
-                </c:pt>
-                <c:pt idx="4">
-                  <c:v>0.4</c:v>
-                </c:pt>
-                <c:pt idx="5">
-                  <c:v>0.5</c:v>
-                </c:pt>
-                <c:pt idx="6">
-                  <c:v>0.6</c:v>
-                </c:pt>
-                <c:pt idx="7">
-                  <c:v>0.7</c:v>
-                </c:pt>
-                <c:pt idx="8">
-                  <c:v>0.8</c:v>
-                </c:pt>
-                <c:pt idx="9">
-                  <c:v>0.9</c:v>
-                </c:pt>
-                <c:pt idx="10">
-                  <c:v>1.0</c:v>
-                </c:pt>
-                <c:pt idx="11">
-                  <c:v>1.1</c:v>
-                </c:pt>
-                <c:pt idx="12">
-                  <c:v>1.2</c:v>
-                </c:pt>
-                <c:pt idx="13">
-                  <c:v>1.3</c:v>
-                </c:pt>
-                <c:pt idx="14">
-                  <c:v>1.4</c:v>
-                </c:pt>
-                <c:pt idx="15">
-                  <c:v>1.5</c:v>
-                </c:pt>
-                <c:pt idx="16">
-                  <c:v>1.6</c:v>
-                </c:pt>
-                <c:pt idx="17">
-                  <c:v>1.7</c:v>
-                </c:pt>
-                <c:pt idx="18">
-                  <c:v>1.8</c:v>
-                </c:pt>
-                <c:pt idx="19">
-                  <c:v>1.9</c:v>
-                </c:pt>
-                <c:pt idx="20">
-                  <c:v>2.0</c:v>
-                </c:pt>
-                <c:pt idx="21">
-                  <c:v>2.1</c:v>
-                </c:pt>
-                <c:pt idx="22">
-                  <c:v>2.2</c:v>
-                </c:pt>
-                <c:pt idx="23">
-                  <c:v>2.3</c:v>
-                </c:pt>
-                <c:pt idx="24">
-                  <c:v>2.4</c:v>
-                </c:pt>
-                <c:pt idx="25">
-                  <c:v>2.5</c:v>
-                </c:pt>
-                <c:pt idx="26">
-                  <c:v>2.6</c:v>
-                </c:pt>
-                <c:pt idx="27">
-                  <c:v>2.7</c:v>
-                </c:pt>
-                <c:pt idx="28">
-                  <c:v>2.8</c:v>
-                </c:pt>
-                <c:pt idx="29">
-                  <c:v>2.9</c:v>
-                </c:pt>
-                <c:pt idx="30">
-                  <c:v>3.0</c:v>
-                </c:pt>
-                <c:pt idx="31">
-                  <c:v>3.1</c:v>
-                </c:pt>
-                <c:pt idx="32">
-                  <c:v>3.2</c:v>
-                </c:pt>
-                <c:pt idx="33">
-                  <c:v>3.3</c:v>
-                </c:pt>
-                <c:pt idx="34">
-                  <c:v>3.4</c:v>
-                </c:pt>
-                <c:pt idx="35">
-                  <c:v>3.5</c:v>
-                </c:pt>
-                <c:pt idx="36">
-                  <c:v>3.6</c:v>
-                </c:pt>
-                <c:pt idx="37">
-                  <c:v>3.7</c:v>
-                </c:pt>
-                <c:pt idx="38">
-                  <c:v>3.8</c:v>
-                </c:pt>
-                <c:pt idx="39">
-                  <c:v>3.9</c:v>
-                </c:pt>
-                <c:pt idx="40">
-                  <c:v>4.0</c:v>
-                </c:pt>
-                <c:pt idx="41">
-                  <c:v>4.1</c:v>
-                </c:pt>
-                <c:pt idx="42">
-                  <c:v>4.2</c:v>
-                </c:pt>
-                <c:pt idx="43">
-                  <c:v>4.3</c:v>
-                </c:pt>
-                <c:pt idx="44">
-                  <c:v>4.4</c:v>
-                </c:pt>
-                <c:pt idx="45">
-                  <c:v>4.5</c:v>
-                </c:pt>
-                <c:pt idx="46">
-                  <c:v>4.6</c:v>
-                </c:pt>
-                <c:pt idx="47">
-                  <c:v>4.7</c:v>
-                </c:pt>
-                <c:pt idx="48">
-                  <c:v>4.8</c:v>
-                </c:pt>
-                <c:pt idx="49">
-                  <c:v>4.9</c:v>
-                </c:pt>
-                <c:pt idx="50">
-                  <c:v>5.0</c:v>
-                </c:pt>
-                <c:pt idx="51">
-                  <c:v>5.1</c:v>
-                </c:pt>
-                <c:pt idx="52">
-                  <c:v>5.2</c:v>
-                </c:pt>
-                <c:pt idx="53">
-                  <c:v>5.3</c:v>
-                </c:pt>
-                <c:pt idx="54">
-                  <c:v>5.4</c:v>
-                </c:pt>
-                <c:pt idx="55">
-                  <c:v>5.5</c:v>
-                </c:pt>
-                <c:pt idx="56">
-                  <c:v>5.6</c:v>
-                </c:pt>
-                <c:pt idx="57">
-                  <c:v>5.7</c:v>
-                </c:pt>
-                <c:pt idx="58">
-                  <c:v>5.8</c:v>
-                </c:pt>
-                <c:pt idx="59">
-                  <c:v>5.9</c:v>
-                </c:pt>
-                <c:pt idx="60">
-                  <c:v>6.0</c:v>
-                </c:pt>
-                <c:pt idx="61">
-                  <c:v>6.1</c:v>
-                </c:pt>
-                <c:pt idx="62">
-                  <c:v>6.2</c:v>
-                </c:pt>
-                <c:pt idx="63">
-                  <c:v>6.3</c:v>
-                </c:pt>
-                <c:pt idx="64">
-                  <c:v>6.4</c:v>
-                </c:pt>
-                <c:pt idx="65">
-                  <c:v>6.5</c:v>
-                </c:pt>
-                <c:pt idx="66">
-                  <c:v>6.6</c:v>
-                </c:pt>
-                <c:pt idx="67">
-                  <c:v>6.7</c:v>
-                </c:pt>
-                <c:pt idx="68">
-                  <c:v>6.8</c:v>
-                </c:pt>
-                <c:pt idx="69">
-                  <c:v>6.9</c:v>
-                </c:pt>
-                <c:pt idx="70">
-                  <c:v>7.0</c:v>
-                </c:pt>
-                <c:pt idx="71">
-                  <c:v>7.1</c:v>
-                </c:pt>
-                <c:pt idx="72">
-                  <c:v>7.2</c:v>
-                </c:pt>
-                <c:pt idx="73">
-                  <c:v>7.3</c:v>
-                </c:pt>
-                <c:pt idx="74">
-                  <c:v>7.4</c:v>
-                </c:pt>
-                <c:pt idx="75">
-                  <c:v>7.5</c:v>
-                </c:pt>
-                <c:pt idx="76">
-                  <c:v>7.6</c:v>
-                </c:pt>
-                <c:pt idx="77">
-                  <c:v>7.7</c:v>
-                </c:pt>
-                <c:pt idx="78">
-                  <c:v>7.8</c:v>
-                </c:pt>
-                <c:pt idx="79">
-                  <c:v>7.9</c:v>
-                </c:pt>
-                <c:pt idx="80">
-                  <c:v>8.0</c:v>
-                </c:pt>
-                <c:pt idx="81">
-                  <c:v>8.1</c:v>
-                </c:pt>
-                <c:pt idx="82">
-                  <c:v>8.2</c:v>
-                </c:pt>
-                <c:pt idx="83">
-                  <c:v>8.3</c:v>
-                </c:pt>
-                <c:pt idx="84">
-                  <c:v>8.4</c:v>
-                </c:pt>
-                <c:pt idx="85">
-                  <c:v>8.5</c:v>
-                </c:pt>
-                <c:pt idx="86">
-                  <c:v>8.6</c:v>
-                </c:pt>
-                <c:pt idx="87">
-                  <c:v>8.7</c:v>
-                </c:pt>
-                <c:pt idx="88">
-                  <c:v>8.8</c:v>
-                </c:pt>
-                <c:pt idx="89">
-                  <c:v>8.9</c:v>
-                </c:pt>
-                <c:pt idx="90">
-                  <c:v>9.0</c:v>
-                </c:pt>
-                <c:pt idx="91">
-                  <c:v>9.1</c:v>
-                </c:pt>
-                <c:pt idx="92">
-                  <c:v>9.2</c:v>
-                </c:pt>
-                <c:pt idx="93">
-                  <c:v>9.3</c:v>
-                </c:pt>
-                <c:pt idx="94">
-                  <c:v>9.4</c:v>
-                </c:pt>
-                <c:pt idx="95">
-                  <c:v>9.5</c:v>
-                </c:pt>
-                <c:pt idx="96">
-                  <c:v>9.6</c:v>
-                </c:pt>
-                <c:pt idx="97">
-                  <c:v>9.7</c:v>
-                </c:pt>
-                <c:pt idx="98">
-                  <c:v>9.8</c:v>
-                </c:pt>
-                <c:pt idx="99">
-                  <c:v>9.9</c:v>
-                </c:pt>
-                <c:pt idx="100">
-                  <c:v>10.0</c:v>
-                </c:pt>
-                <c:pt idx="101">
-                  <c:v>10.1</c:v>
-                </c:pt>
-                <c:pt idx="102">
-                  <c:v>10.2</c:v>
-                </c:pt>
-                <c:pt idx="103">
-                  <c:v>10.3</c:v>
-                </c:pt>
-                <c:pt idx="104">
-                  <c:v>10.4</c:v>
-                </c:pt>
-                <c:pt idx="105">
-                  <c:v>10.5</c:v>
-                </c:pt>
-                <c:pt idx="106">
-                  <c:v>10.6</c:v>
-                </c:pt>
-                <c:pt idx="107">
-                  <c:v>10.7</c:v>
-                </c:pt>
-                <c:pt idx="108">
-                  <c:v>10.8</c:v>
-                </c:pt>
-                <c:pt idx="109">
-                  <c:v>10.9</c:v>
-                </c:pt>
-                <c:pt idx="110">
-                  <c:v>11.0</c:v>
-                </c:pt>
-                <c:pt idx="111">
-                  <c:v>11.1</c:v>
-                </c:pt>
-                <c:pt idx="112">
-                  <c:v>11.2</c:v>
-                </c:pt>
-                <c:pt idx="113">
-                  <c:v>11.3</c:v>
-                </c:pt>
-                <c:pt idx="114">
-                  <c:v>11.4</c:v>
-                </c:pt>
-                <c:pt idx="115">
-                  <c:v>11.5</c:v>
-                </c:pt>
-                <c:pt idx="116">
-                  <c:v>11.6</c:v>
-                </c:pt>
-                <c:pt idx="117">
-                  <c:v>11.7</c:v>
-                </c:pt>
-                <c:pt idx="118">
-                  <c:v>11.8</c:v>
-                </c:pt>
-                <c:pt idx="119">
-                  <c:v>11.9</c:v>
-                </c:pt>
-                <c:pt idx="120">
-                  <c:v>12.0</c:v>
-                </c:pt>
-                <c:pt idx="121">
-                  <c:v>12.1</c:v>
-                </c:pt>
-                <c:pt idx="122">
-                  <c:v>12.2</c:v>
-                </c:pt>
-                <c:pt idx="123">
-                  <c:v>12.3</c:v>
-                </c:pt>
-                <c:pt idx="124">
-                  <c:v>12.4</c:v>
-                </c:pt>
-                <c:pt idx="125">
-                  <c:v>12.5</c:v>
-                </c:pt>
-                <c:pt idx="126">
-                  <c:v>12.6</c:v>
-                </c:pt>
-                <c:pt idx="127">
-                  <c:v>12.7</c:v>
-                </c:pt>
-                <c:pt idx="128">
-                  <c:v>12.8</c:v>
-                </c:pt>
-                <c:pt idx="129">
-                  <c:v>12.9</c:v>
-                </c:pt>
-                <c:pt idx="130">
-                  <c:v>13.0</c:v>
-                </c:pt>
-                <c:pt idx="131">
-                  <c:v>13.1</c:v>
-                </c:pt>
-                <c:pt idx="132">
-                  <c:v>13.2</c:v>
-                </c:pt>
-                <c:pt idx="133">
-                  <c:v>13.3</c:v>
-                </c:pt>
-                <c:pt idx="134">
-                  <c:v>13.4</c:v>
-                </c:pt>
-                <c:pt idx="135">
-                  <c:v>13.5</c:v>
-                </c:pt>
-                <c:pt idx="136">
-                  <c:v>13.6</c:v>
-                </c:pt>
-                <c:pt idx="137">
-                  <c:v>13.7</c:v>
-                </c:pt>
-                <c:pt idx="138">
-                  <c:v>13.8</c:v>
-                </c:pt>
-                <c:pt idx="139">
-                  <c:v>13.9</c:v>
-                </c:pt>
-                <c:pt idx="140">
-                  <c:v>14.0</c:v>
-                </c:pt>
-                <c:pt idx="141">
-                  <c:v>14.1</c:v>
-                </c:pt>
-                <c:pt idx="142">
-                  <c:v>14.2</c:v>
-                </c:pt>
-                <c:pt idx="143">
-                  <c:v>14.3</c:v>
-                </c:pt>
-                <c:pt idx="144">
-                  <c:v>14.4</c:v>
-                </c:pt>
-                <c:pt idx="145">
-                  <c:v>14.5</c:v>
-                </c:pt>
-                <c:pt idx="146">
-                  <c:v>14.6</c:v>
-                </c:pt>
-                <c:pt idx="147">
-                  <c:v>14.7</c:v>
-                </c:pt>
-                <c:pt idx="148">
-                  <c:v>14.8</c:v>
-                </c:pt>
-                <c:pt idx="149">
-                  <c:v>14.9</c:v>
-                </c:pt>
-                <c:pt idx="150">
-                  <c:v>15.0</c:v>
-                </c:pt>
-                <c:pt idx="151">
-                  <c:v>15.1</c:v>
-                </c:pt>
-                <c:pt idx="152">
-                  <c:v>15.2</c:v>
-                </c:pt>
-                <c:pt idx="153">
-                  <c:v>15.3</c:v>
-                </c:pt>
-                <c:pt idx="154">
-                  <c:v>15.4</c:v>
-                </c:pt>
-                <c:pt idx="155">
-                  <c:v>15.5</c:v>
-                </c:pt>
-                <c:pt idx="156">
-                  <c:v>15.6</c:v>
-                </c:pt>
-                <c:pt idx="157">
-                  <c:v>15.7</c:v>
-                </c:pt>
-                <c:pt idx="158">
-                  <c:v>15.8</c:v>
-                </c:pt>
-                <c:pt idx="159">
-                  <c:v>15.9</c:v>
-                </c:pt>
-                <c:pt idx="160">
-                  <c:v>16.0</c:v>
-                </c:pt>
-                <c:pt idx="161">
-                  <c:v>16.1</c:v>
-                </c:pt>
-                <c:pt idx="162">
-                  <c:v>16.2</c:v>
-                </c:pt>
-                <c:pt idx="163">
-                  <c:v>16.3</c:v>
-                </c:pt>
-                <c:pt idx="164">
-                  <c:v>16.4</c:v>
-                </c:pt>
-                <c:pt idx="165">
-                  <c:v>16.5</c:v>
-                </c:pt>
-                <c:pt idx="166">
-                  <c:v>16.6</c:v>
-                </c:pt>
-                <c:pt idx="167">
-                  <c:v>16.7</c:v>
-                </c:pt>
-                <c:pt idx="168">
-                  <c:v>16.8</c:v>
-                </c:pt>
-                <c:pt idx="169">
-                  <c:v>16.9</c:v>
-                </c:pt>
-                <c:pt idx="170">
-                  <c:v>17.0</c:v>
-                </c:pt>
-                <c:pt idx="171">
-                  <c:v>17.1</c:v>
-                </c:pt>
-                <c:pt idx="172">
-                  <c:v>17.2</c:v>
-                </c:pt>
-                <c:pt idx="173">
-                  <c:v>17.3</c:v>
-                </c:pt>
-                <c:pt idx="174">
-                  <c:v>17.4</c:v>
-                </c:pt>
-                <c:pt idx="175">
-                  <c:v>17.5</c:v>
-                </c:pt>
-                <c:pt idx="176">
-                  <c:v>17.6</c:v>
-                </c:pt>
-                <c:pt idx="177">
-                  <c:v>17.7</c:v>
-                </c:pt>
-                <c:pt idx="178">
-                  <c:v>17.8</c:v>
-                </c:pt>
-                <c:pt idx="179">
-                  <c:v>17.9</c:v>
-                </c:pt>
-                <c:pt idx="180">
-                  <c:v>18.0</c:v>
-                </c:pt>
-                <c:pt idx="181">
-                  <c:v>18.1</c:v>
-                </c:pt>
-                <c:pt idx="182">
-                  <c:v>18.2</c:v>
-                </c:pt>
-                <c:pt idx="183">
-                  <c:v>18.3</c:v>
-                </c:pt>
-                <c:pt idx="184">
-                  <c:v>18.4</c:v>
-                </c:pt>
-                <c:pt idx="185">
-                  <c:v>18.5</c:v>
-                </c:pt>
-                <c:pt idx="186">
-                  <c:v>18.6</c:v>
-                </c:pt>
-                <c:pt idx="187">
-                  <c:v>18.7</c:v>
-                </c:pt>
-                <c:pt idx="188">
-                  <c:v>18.8</c:v>
-                </c:pt>
-                <c:pt idx="189">
-                  <c:v>18.9</c:v>
-                </c:pt>
-                <c:pt idx="190">
-                  <c:v>19.0</c:v>
-                </c:pt>
-                <c:pt idx="191">
-                  <c:v>19.1</c:v>
-                </c:pt>
-                <c:pt idx="192">
-                  <c:v>19.2</c:v>
-                </c:pt>
-                <c:pt idx="193">
-                  <c:v>19.3</c:v>
-                </c:pt>
-                <c:pt idx="194">
-                  <c:v>19.4</c:v>
-                </c:pt>
-                <c:pt idx="195">
-                  <c:v>19.5</c:v>
-                </c:pt>
-                <c:pt idx="196">
-                  <c:v>19.6</c:v>
-                </c:pt>
-                <c:pt idx="197">
-                  <c:v>19.7</c:v>
-                </c:pt>
-                <c:pt idx="198">
-                  <c:v>19.8</c:v>
-                </c:pt>
-                <c:pt idx="199">
-                  <c:v>19.9</c:v>
-                </c:pt>
-              </c:numCache>
-            </c:numRef>
-          </c:xVal>
-          <c:yVal>
-            <c:numRef>
-              <c:f>'gr-.6m5'!$J$2:$J$201</c:f>
-              <c:numCache>
-                <c:formatCode>0.00E+00</c:formatCode>
-                <c:ptCount val="200"/>
-                <c:pt idx="0">
-                  <c:v>0.0</c:v>
-                </c:pt>
-                <c:pt idx="1">
-                  <c:v>0.0</c:v>
-                </c:pt>
-                <c:pt idx="2">
-                  <c:v>0.0</c:v>
-                </c:pt>
-                <c:pt idx="3">
-                  <c:v>0.0</c:v>
-                </c:pt>
-                <c:pt idx="4">
-                  <c:v>0.0</c:v>
-                </c:pt>
-                <c:pt idx="5">
-                  <c:v>0.0</c:v>
-                </c:pt>
-                <c:pt idx="6">
-                  <c:v>0.0</c:v>
-                </c:pt>
-                <c:pt idx="7">
-                  <c:v>0.0</c:v>
-                </c:pt>
-                <c:pt idx="8">
-                  <c:v>0.0</c:v>
-                </c:pt>
-                <c:pt idx="9">
-                  <c:v>0.0</c:v>
-                </c:pt>
-                <c:pt idx="10">
-                  <c:v>0.0</c:v>
-                </c:pt>
-                <c:pt idx="11">
-                  <c:v>0.0</c:v>
-                </c:pt>
-                <c:pt idx="12">
-                  <c:v>0.0</c:v>
-                </c:pt>
-                <c:pt idx="13">
-                  <c:v>0.0</c:v>
-                </c:pt>
-                <c:pt idx="14">
-                  <c:v>0.0</c:v>
-                </c:pt>
-                <c:pt idx="15">
-                  <c:v>0.0</c:v>
-                </c:pt>
-                <c:pt idx="16">
-                  <c:v>0.0</c:v>
-                </c:pt>
-                <c:pt idx="17">
-                  <c:v>0.0</c:v>
-                </c:pt>
-                <c:pt idx="18">
-                  <c:v>0.0</c:v>
-                </c:pt>
-                <c:pt idx="19">
-                  <c:v>0.0</c:v>
-                </c:pt>
-                <c:pt idx="20">
-                  <c:v>0.0</c:v>
-                </c:pt>
-                <c:pt idx="21">
-                  <c:v>0.0</c:v>
-                </c:pt>
-                <c:pt idx="22">
-                  <c:v>0.0</c:v>
-                </c:pt>
-                <c:pt idx="23">
-                  <c:v>0.0</c:v>
-                </c:pt>
-                <c:pt idx="24">
-                  <c:v>5.00300000000001E-33</c:v>
-                </c:pt>
-                <c:pt idx="25">
-                  <c:v>1.682E-17</c:v>
-                </c:pt>
-                <c:pt idx="26">
-                  <c:v>5.087E-9</c:v>
-                </c:pt>
-                <c:pt idx="27">
-                  <c:v>0.0001778</c:v>
-                </c:pt>
-                <c:pt idx="28">
-                  <c:v>0.03866</c:v>
-                </c:pt>
-                <c:pt idx="29">
-                  <c:v>0.5168</c:v>
-                </c:pt>
-                <c:pt idx="30">
-                  <c:v>1.656</c:v>
-                </c:pt>
-                <c:pt idx="31">
-                  <c:v>2.784</c:v>
-                </c:pt>
-                <c:pt idx="32">
-                  <c:v>3.483</c:v>
-                </c:pt>
-                <c:pt idx="33">
-                  <c:v>3.504</c:v>
-                </c:pt>
-                <c:pt idx="34">
-                  <c:v>2.854</c:v>
-                </c:pt>
-                <c:pt idx="35">
-                  <c:v>1.932</c:v>
-                </c:pt>
-                <c:pt idx="36">
-                  <c:v>1.131</c:v>
-                </c:pt>
-                <c:pt idx="37">
-                  <c:v>0.5825</c:v>
-                </c:pt>
-                <c:pt idx="38">
-                  <c:v>0.2513</c:v>
-                </c:pt>
-                <c:pt idx="39">
-                  <c:v>0.06579</c:v>
-                </c:pt>
-                <c:pt idx="40">
-                  <c:v>-0.03094</c:v>
-                </c:pt>
-                <c:pt idx="41">
-                  <c:v>-0.07533</c:v>
-                </c:pt>
-                <c:pt idx="42">
-                  <c:v>-0.089</c:v>
-                </c:pt>
-                <c:pt idx="43">
-                  <c:v>-0.08439</c:v>
-                </c:pt>
-                <c:pt idx="44">
-                  <c:v>-0.06872</c:v>
-                </c:pt>
-                <c:pt idx="45">
-                  <c:v>-0.04626</c:v>
-                </c:pt>
-                <c:pt idx="46">
-                  <c:v>-0.01965</c:v>
-                </c:pt>
-                <c:pt idx="47">
-                  <c:v>0.00943</c:v>
-                </c:pt>
-                <c:pt idx="48">
-                  <c:v>0.03997</c:v>
-                </c:pt>
-                <c:pt idx="49">
-                  <c:v>0.07149</c:v>
-                </c:pt>
-                <c:pt idx="50">
-                  <c:v>0.1041</c:v>
-                </c:pt>
-                <c:pt idx="51">
-                  <c:v>0.1385</c:v>
-                </c:pt>
-                <c:pt idx="52">
-                  <c:v>0.1762</c:v>
-                </c:pt>
-                <c:pt idx="53">
-                  <c:v>0.2198</c:v>
-                </c:pt>
-                <c:pt idx="54">
-                  <c:v>0.2737</c:v>
-                </c:pt>
-                <c:pt idx="55">
-                  <c:v>0.3449</c:v>
-                </c:pt>
-                <c:pt idx="56">
-                  <c:v>0.4426</c:v>
-                </c:pt>
-                <c:pt idx="57">
-                  <c:v>0.5709</c:v>
-                </c:pt>
-                <c:pt idx="58">
-                  <c:v>0.7074</c:v>
-                </c:pt>
-                <c:pt idx="59">
-                  <c:v>0.7826</c:v>
-                </c:pt>
-                <c:pt idx="60">
-                  <c:v>0.7278</c:v>
-                </c:pt>
-                <c:pt idx="61">
-                  <c:v>0.5665</c:v>
-                </c:pt>
-                <c:pt idx="62">
-                  <c:v>0.3885</c:v>
-                </c:pt>
-                <c:pt idx="63">
-                  <c:v>0.2529</c:v>
-                </c:pt>
-                <c:pt idx="64">
-                  <c:v>0.168</c:v>
-                </c:pt>
-                <c:pt idx="65">
-                  <c:v>0.1212</c:v>
-                </c:pt>
-                <c:pt idx="66">
-                  <c:v>0.09817</c:v>
-                </c:pt>
-                <c:pt idx="67">
-                  <c:v>0.08912</c:v>
-                </c:pt>
-                <c:pt idx="68">
-                  <c:v>0.0879</c:v>
-                </c:pt>
-                <c:pt idx="69">
-                  <c:v>0.09101</c:v>
-                </c:pt>
-                <c:pt idx="70">
-                  <c:v>0.09645</c:v>
-                </c:pt>
-                <c:pt idx="71">
-                  <c:v>0.1031</c:v>
-                </c:pt>
-                <c:pt idx="72">
-                  <c:v>0.1104</c:v>
-                </c:pt>
-                <c:pt idx="73">
-                  <c:v>0.1179</c:v>
-                </c:pt>
-                <c:pt idx="74">
-                  <c:v>0.1253</c:v>
-                </c:pt>
-                <c:pt idx="75">
-                  <c:v>0.1324</c:v>
-                </c:pt>
-                <c:pt idx="76">
-                  <c:v>0.139</c:v>
-                </c:pt>
-                <c:pt idx="77">
-                  <c:v>0.1449</c:v>
-                </c:pt>
-                <c:pt idx="78">
-                  <c:v>0.15</c:v>
-                </c:pt>
-                <c:pt idx="79">
-                  <c:v>0.1542</c:v>
-                </c:pt>
-                <c:pt idx="80">
-                  <c:v>0.1573</c:v>
-                </c:pt>
-                <c:pt idx="81">
-                  <c:v>0.1592</c:v>
-                </c:pt>
-                <c:pt idx="82">
-                  <c:v>0.1598</c:v>
-                </c:pt>
-                <c:pt idx="83">
-                  <c:v>0.1586</c:v>
-                </c:pt>
-                <c:pt idx="84">
-                  <c:v>0.1552</c:v>
-                </c:pt>
-                <c:pt idx="85">
-                  <c:v>0.1494</c:v>
-                </c:pt>
-                <c:pt idx="86">
-                  <c:v>0.141</c:v>
-                </c:pt>
-                <c:pt idx="87">
-                  <c:v>0.131</c:v>
-                </c:pt>
-                <c:pt idx="88">
-                  <c:v>0.1208</c:v>
-                </c:pt>
-                <c:pt idx="89">
-                  <c:v>0.1117</c:v>
-                </c:pt>
-                <c:pt idx="90">
-                  <c:v>0.1045</c:v>
-                </c:pt>
-                <c:pt idx="91">
-                  <c:v>0.09925</c:v>
-                </c:pt>
-                <c:pt idx="92">
-                  <c:v>0.09557</c:v>
-                </c:pt>
-                <c:pt idx="93">
-                  <c:v>0.09298</c:v>
-                </c:pt>
-                <c:pt idx="94">
-                  <c:v>0.09106</c:v>
-                </c:pt>
-                <c:pt idx="95">
-                  <c:v>0.08952</c:v>
-                </c:pt>
-                <c:pt idx="96">
-                  <c:v>0.08821</c:v>
-                </c:pt>
-                <c:pt idx="97">
-                  <c:v>0.08705</c:v>
-                </c:pt>
-                <c:pt idx="98">
-                  <c:v>0.08608</c:v>
-                </c:pt>
-                <c:pt idx="99">
-                  <c:v>0.08531</c:v>
-                </c:pt>
-                <c:pt idx="100">
-                  <c:v>0.08474</c:v>
-                </c:pt>
-                <c:pt idx="101">
-                  <c:v>0.08435</c:v>
-                </c:pt>
-                <c:pt idx="102">
-                  <c:v>0.08405</c:v>
-                </c:pt>
-                <c:pt idx="103">
-                  <c:v>0.08373</c:v>
-                </c:pt>
-                <c:pt idx="104">
-                  <c:v>0.08325</c:v>
-                </c:pt>
-                <c:pt idx="105">
-                  <c:v>0.08251</c:v>
-                </c:pt>
-                <c:pt idx="106">
-                  <c:v>0.08142</c:v>
-                </c:pt>
-                <c:pt idx="107">
-                  <c:v>0.07997</c:v>
-                </c:pt>
-                <c:pt idx="108">
-                  <c:v>0.07817</c:v>
-                </c:pt>
-                <c:pt idx="109">
-                  <c:v>0.07608</c:v>
-                </c:pt>
-                <c:pt idx="110">
-                  <c:v>0.0738</c:v>
-                </c:pt>
-                <c:pt idx="111">
-                  <c:v>0.07144</c:v>
-                </c:pt>
-                <c:pt idx="112">
-                  <c:v>0.0691</c:v>
-                </c:pt>
-                <c:pt idx="113">
-                  <c:v>0.0669</c:v>
-                </c:pt>
-                <c:pt idx="114">
-                  <c:v>0.0649</c:v>
-                </c:pt>
-                <c:pt idx="115">
-                  <c:v>0.06313</c:v>
-                </c:pt>
-                <c:pt idx="116">
-                  <c:v>0.06167</c:v>
-                </c:pt>
-                <c:pt idx="117">
-                  <c:v>0.06049</c:v>
-                </c:pt>
-                <c:pt idx="118">
-                  <c:v>0.05955</c:v>
-                </c:pt>
-                <c:pt idx="119">
-                  <c:v>0.05882</c:v>
-                </c:pt>
-                <c:pt idx="120">
-                  <c:v>0.05826</c:v>
-                </c:pt>
-                <c:pt idx="121">
-                  <c:v>0.05783</c:v>
-                </c:pt>
-                <c:pt idx="122">
-                  <c:v>0.05747</c:v>
-                </c:pt>
-                <c:pt idx="123">
-                  <c:v>0.05717</c:v>
-                </c:pt>
-                <c:pt idx="124">
-                  <c:v>0.05687</c:v>
-                </c:pt>
-                <c:pt idx="125">
-                  <c:v>0.05655</c:v>
-                </c:pt>
-                <c:pt idx="126">
-                  <c:v>0.05619</c:v>
-                </c:pt>
-                <c:pt idx="127">
-                  <c:v>0.05574</c:v>
-                </c:pt>
-                <c:pt idx="128">
-                  <c:v>0.05519</c:v>
-                </c:pt>
-                <c:pt idx="129">
-                  <c:v>0.05451</c:v>
-                </c:pt>
-                <c:pt idx="130">
-                  <c:v>0.0537</c:v>
-                </c:pt>
-                <c:pt idx="131">
-                  <c:v>0.05277</c:v>
-                </c:pt>
-                <c:pt idx="132">
-                  <c:v>0.05171</c:v>
-                </c:pt>
-                <c:pt idx="133">
-                  <c:v>0.05056</c:v>
-                </c:pt>
-                <c:pt idx="134">
-                  <c:v>0.04936</c:v>
-                </c:pt>
-                <c:pt idx="135">
-                  <c:v>0.04814</c:v>
-                </c:pt>
-                <c:pt idx="136">
-                  <c:v>0.04693</c:v>
-                </c:pt>
-                <c:pt idx="137">
-                  <c:v>0.04578</c:v>
-                </c:pt>
-                <c:pt idx="138">
-                  <c:v>0.04471</c:v>
-                </c:pt>
-                <c:pt idx="139">
-                  <c:v>0.04374</c:v>
-                </c:pt>
-                <c:pt idx="140">
-                  <c:v>0.04289</c:v>
-                </c:pt>
-                <c:pt idx="141">
-                  <c:v>0.04215</c:v>
-                </c:pt>
-                <c:pt idx="142">
-                  <c:v>0.04153</c:v>
-                </c:pt>
-                <c:pt idx="143">
-                  <c:v>0.04101</c:v>
-                </c:pt>
-                <c:pt idx="144">
-                  <c:v>0.04058</c:v>
-                </c:pt>
-                <c:pt idx="145">
-                  <c:v>0.04023</c:v>
-                </c:pt>
-                <c:pt idx="146">
-                  <c:v>0.03992</c:v>
-                </c:pt>
-                <c:pt idx="147">
-                  <c:v>0.03964</c:v>
-                </c:pt>
-                <c:pt idx="148">
-                  <c:v>0.03936</c:v>
-                </c:pt>
-                <c:pt idx="149">
-                  <c:v>0.03907</c:v>
-                </c:pt>
-                <c:pt idx="150">
-                  <c:v>0.03877</c:v>
-                </c:pt>
-                <c:pt idx="151">
-                  <c:v>0.03843</c:v>
-                </c:pt>
-                <c:pt idx="152">
-                  <c:v>0.03805</c:v>
-                </c:pt>
-                <c:pt idx="153">
-                  <c:v>0.03764</c:v>
-                </c:pt>
-                <c:pt idx="154">
-                  <c:v>0.03719</c:v>
-                </c:pt>
-                <c:pt idx="155">
-                  <c:v>0.03671</c:v>
-                </c:pt>
-                <c:pt idx="156">
-                  <c:v>0.03619</c:v>
-                </c:pt>
-                <c:pt idx="157">
-                  <c:v>0.03565</c:v>
-                </c:pt>
-                <c:pt idx="158">
-                  <c:v>0.0351</c:v>
-                </c:pt>
-                <c:pt idx="159">
-                  <c:v>0.03455</c:v>
-                </c:pt>
-                <c:pt idx="160">
-                  <c:v>0.03399</c:v>
-                </c:pt>
-                <c:pt idx="161">
-                  <c:v>0.03346</c:v>
-                </c:pt>
-                <c:pt idx="162">
-                  <c:v>0.03294</c:v>
-                </c:pt>
-                <c:pt idx="163">
-                  <c:v>0.03246</c:v>
-                </c:pt>
-                <c:pt idx="164">
-                  <c:v>0.032</c:v>
-                </c:pt>
-                <c:pt idx="165">
-                  <c:v>0.03157</c:v>
-                </c:pt>
-                <c:pt idx="166">
-                  <c:v>0.03118</c:v>
-                </c:pt>
-                <c:pt idx="167">
-                  <c:v>0.03081</c:v>
-                </c:pt>
-                <c:pt idx="168">
-                  <c:v>0.03047</c:v>
-                </c:pt>
-                <c:pt idx="169">
-                  <c:v>0.03014</c:v>
-                </c:pt>
-                <c:pt idx="170">
-                  <c:v>0.02983</c:v>
-                </c:pt>
-                <c:pt idx="171">
-                  <c:v>0.02953</c:v>
-                </c:pt>
-                <c:pt idx="172">
-                  <c:v>0.02923</c:v>
-                </c:pt>
-                <c:pt idx="173">
-                  <c:v>0.02893</c:v>
-                </c:pt>
-                <c:pt idx="174">
-                  <c:v>0.02863</c:v>
-                </c:pt>
-                <c:pt idx="175">
-                  <c:v>0.02832</c:v>
-                </c:pt>
-                <c:pt idx="176">
-                  <c:v>0.02801</c:v>
-                </c:pt>
-                <c:pt idx="177">
-                  <c:v>0.0277</c:v>
-                </c:pt>
-                <c:pt idx="178">
-                  <c:v>0.02738</c:v>
-                </c:pt>
-                <c:pt idx="179">
-                  <c:v>0.02706</c:v>
-                </c:pt>
-                <c:pt idx="180">
-                  <c:v>0.02675</c:v>
-                </c:pt>
-                <c:pt idx="181">
-                  <c:v>0.02644</c:v>
-                </c:pt>
-                <c:pt idx="182">
-                  <c:v>0.02613</c:v>
-                </c:pt>
-                <c:pt idx="183">
-                  <c:v>0.02583</c:v>
-                </c:pt>
-                <c:pt idx="184">
-                  <c:v>0.02554</c:v>
-                </c:pt>
-                <c:pt idx="185">
-                  <c:v>0.02526</c:v>
-                </c:pt>
-                <c:pt idx="186">
-                  <c:v>0.02499</c:v>
-                </c:pt>
-                <c:pt idx="187">
-                  <c:v>0.02472</c:v>
-                </c:pt>
-                <c:pt idx="188">
-                  <c:v>0.02446</c:v>
-                </c:pt>
-                <c:pt idx="189">
-                  <c:v>0.02421</c:v>
-                </c:pt>
-                <c:pt idx="190">
-                  <c:v>0.02397</c:v>
-                </c:pt>
-                <c:pt idx="191">
-                  <c:v>0.02373</c:v>
-                </c:pt>
-                <c:pt idx="192">
-                  <c:v>0.02349</c:v>
-                </c:pt>
-                <c:pt idx="193">
-                  <c:v>0.02326</c:v>
-                </c:pt>
-                <c:pt idx="194">
-                  <c:v>0.02303</c:v>
-                </c:pt>
-                <c:pt idx="195">
-                  <c:v>0.0228</c:v>
-                </c:pt>
-                <c:pt idx="196">
-                  <c:v>0.02257</c:v>
-                </c:pt>
-                <c:pt idx="197">
-                  <c:v>0.02234</c:v>
-                </c:pt>
-                <c:pt idx="198">
-                  <c:v>0.02211</c:v>
-                </c:pt>
-                <c:pt idx="199">
-                  <c:v>0.02189</c:v>
-                </c:pt>
-              </c:numCache>
-            </c:numRef>
-          </c:yVal>
-          <c:smooth val="1"/>
-        </c:ser>
-        <c:ser>
-          <c:idx val="4"/>
-          <c:order val="0"/>
-          <c:tx>
-            <c:v>00000 MDFT</c:v>
-          </c:tx>
-          <c:spPr>
-            <a:ln w="12700">
-              <a:solidFill>
-                <a:srgbClr val="000090"/>
-              </a:solidFill>
-            </a:ln>
-          </c:spPr>
-          <c:marker>
-            <c:symbol val="none"/>
-          </c:marker>
-          <c:xVal>
-            <c:numRef>
-              <c:f>'gr-.6m5_o'!$A$2:$A$205</c:f>
-              <c:numCache>
-                <c:formatCode>0.00E+00</c:formatCode>
-                <c:ptCount val="204"/>
-                <c:pt idx="0">
-                  <c:v>0.041667</c:v>
-                </c:pt>
-                <c:pt idx="1">
-                  <c:v>0.125</c:v>
-                </c:pt>
-                <c:pt idx="2">
-                  <c:v>0.20833</c:v>
-                </c:pt>
-                <c:pt idx="3">
-                  <c:v>0.29167</c:v>
-                </c:pt>
-                <c:pt idx="4">
-                  <c:v>0.375</c:v>
-                </c:pt>
-                <c:pt idx="5">
-                  <c:v>0.45833</c:v>
-                </c:pt>
-                <c:pt idx="6">
-                  <c:v>0.54167</c:v>
-                </c:pt>
-                <c:pt idx="7">
-                  <c:v>0.625</c:v>
-                </c:pt>
-                <c:pt idx="8">
-                  <c:v>0.70833</c:v>
-                </c:pt>
-                <c:pt idx="9">
-                  <c:v>0.79167</c:v>
-                </c:pt>
-                <c:pt idx="10">
-                  <c:v>0.875</c:v>
-                </c:pt>
-                <c:pt idx="11">
-                  <c:v>0.95833</c:v>
-                </c:pt>
-                <c:pt idx="12">
-                  <c:v>1.0417</c:v>
-                </c:pt>
-                <c:pt idx="13">
-                  <c:v>1.125</c:v>
-                </c:pt>
-                <c:pt idx="14">
-                  <c:v>1.2083</c:v>
-                </c:pt>
-                <c:pt idx="15">
-                  <c:v>1.2917</c:v>
-                </c:pt>
-                <c:pt idx="16">
-                  <c:v>1.375</c:v>
-                </c:pt>
-                <c:pt idx="17">
-                  <c:v>1.4583</c:v>
-                </c:pt>
-                <c:pt idx="18">
-                  <c:v>1.5417</c:v>
-                </c:pt>
-                <c:pt idx="19">
-                  <c:v>1.625</c:v>
-                </c:pt>
-                <c:pt idx="20">
-                  <c:v>1.7083</c:v>
-                </c:pt>
-                <c:pt idx="21">
-                  <c:v>1.7917</c:v>
-                </c:pt>
-                <c:pt idx="22">
-                  <c:v>1.875</c:v>
-                </c:pt>
-                <c:pt idx="23">
-                  <c:v>1.9583</c:v>
-                </c:pt>
-                <c:pt idx="24">
-                  <c:v>2.0417</c:v>
-                </c:pt>
-                <c:pt idx="25">
-                  <c:v>2.125</c:v>
-                </c:pt>
-                <c:pt idx="26">
-                  <c:v>2.2083</c:v>
-                </c:pt>
-                <c:pt idx="27">
-                  <c:v>2.2917</c:v>
-                </c:pt>
-                <c:pt idx="28">
-                  <c:v>2.375</c:v>
-                </c:pt>
-                <c:pt idx="29">
-                  <c:v>2.4583</c:v>
-                </c:pt>
-                <c:pt idx="30">
-                  <c:v>2.5417</c:v>
-                </c:pt>
-                <c:pt idx="31">
-                  <c:v>2.625</c:v>
-                </c:pt>
-                <c:pt idx="32">
-                  <c:v>2.7083</c:v>
-                </c:pt>
-                <c:pt idx="33">
-                  <c:v>2.7917</c:v>
-                </c:pt>
-                <c:pt idx="34">
-                  <c:v>2.875</c:v>
-                </c:pt>
-                <c:pt idx="35">
-                  <c:v>2.9583</c:v>
-                </c:pt>
-                <c:pt idx="36">
-                  <c:v>3.0417</c:v>
-                </c:pt>
-                <c:pt idx="37">
-                  <c:v>3.125</c:v>
-                </c:pt>
-                <c:pt idx="38">
-                  <c:v>3.2083</c:v>
-                </c:pt>
-                <c:pt idx="39">
-                  <c:v>3.2917</c:v>
-                </c:pt>
-                <c:pt idx="40">
-                  <c:v>3.375</c:v>
-                </c:pt>
-                <c:pt idx="41">
-                  <c:v>3.4583</c:v>
-                </c:pt>
-                <c:pt idx="42">
-                  <c:v>3.5417</c:v>
-                </c:pt>
-                <c:pt idx="43">
-                  <c:v>3.625</c:v>
-                </c:pt>
-                <c:pt idx="44">
-                  <c:v>3.7083</c:v>
-                </c:pt>
-                <c:pt idx="45">
-                  <c:v>3.7917</c:v>
-                </c:pt>
-                <c:pt idx="46">
-                  <c:v>3.875</c:v>
-                </c:pt>
-                <c:pt idx="47">
-                  <c:v>3.9583</c:v>
-                </c:pt>
-                <c:pt idx="48">
-                  <c:v>4.0417</c:v>
-                </c:pt>
-                <c:pt idx="49">
-                  <c:v>4.124999999999999</c:v>
-                </c:pt>
-                <c:pt idx="50">
-                  <c:v>4.2083</c:v>
-                </c:pt>
-                <c:pt idx="51">
-                  <c:v>4.2917</c:v>
-                </c:pt>
-                <c:pt idx="52">
-                  <c:v>4.375</c:v>
-                </c:pt>
-                <c:pt idx="53">
-                  <c:v>4.4583</c:v>
-                </c:pt>
-                <c:pt idx="54">
-                  <c:v>4.5417</c:v>
-                </c:pt>
-                <c:pt idx="55">
-                  <c:v>4.624999999999999</c:v>
-                </c:pt>
-                <c:pt idx="56">
-                  <c:v>4.7083</c:v>
-                </c:pt>
-                <c:pt idx="57">
-                  <c:v>4.7917</c:v>
-                </c:pt>
-                <c:pt idx="58">
-                  <c:v>4.875</c:v>
-                </c:pt>
-                <c:pt idx="59">
-                  <c:v>4.9583</c:v>
-                </c:pt>
-                <c:pt idx="60">
-                  <c:v>5.0417</c:v>
-                </c:pt>
-                <c:pt idx="61">
-                  <c:v>5.124999999999999</c:v>
-                </c:pt>
-                <c:pt idx="62">
-                  <c:v>5.2083</c:v>
-                </c:pt>
-                <c:pt idx="63">
-                  <c:v>5.2917</c:v>
-                </c:pt>
-                <c:pt idx="64">
-                  <c:v>5.375</c:v>
-                </c:pt>
-                <c:pt idx="65">
-                  <c:v>5.4583</c:v>
-                </c:pt>
-                <c:pt idx="66">
-                  <c:v>5.5417</c:v>
-                </c:pt>
-                <c:pt idx="67">
-                  <c:v>5.624999999999999</c:v>
-                </c:pt>
-                <c:pt idx="68">
-                  <c:v>5.7083</c:v>
-                </c:pt>
-                <c:pt idx="69">
-                  <c:v>5.7917</c:v>
-                </c:pt>
-                <c:pt idx="70">
-                  <c:v>5.875</c:v>
-                </c:pt>
-                <c:pt idx="71">
-                  <c:v>5.9583</c:v>
-                </c:pt>
-                <c:pt idx="72">
-                  <c:v>6.0417</c:v>
-                </c:pt>
-                <c:pt idx="73">
-                  <c:v>6.124999999999999</c:v>
-                </c:pt>
-                <c:pt idx="74">
-                  <c:v>6.2083</c:v>
-                </c:pt>
-                <c:pt idx="75">
-                  <c:v>6.2917</c:v>
-                </c:pt>
-                <c:pt idx="76">
-                  <c:v>6.375</c:v>
-                </c:pt>
-                <c:pt idx="77">
-                  <c:v>6.4583</c:v>
-                </c:pt>
-                <c:pt idx="78">
-                  <c:v>6.5417</c:v>
-                </c:pt>
-                <c:pt idx="79">
-                  <c:v>6.624999999999999</c:v>
-                </c:pt>
-                <c:pt idx="80">
-                  <c:v>6.7083</c:v>
-                </c:pt>
-                <c:pt idx="81">
-                  <c:v>6.7917</c:v>
-                </c:pt>
-                <c:pt idx="82">
-                  <c:v>6.875</c:v>
-                </c:pt>
-                <c:pt idx="83">
-                  <c:v>6.9583</c:v>
-                </c:pt>
-                <c:pt idx="84">
-                  <c:v>7.0417</c:v>
-                </c:pt>
-                <c:pt idx="85">
-                  <c:v>7.124999999999999</c:v>
-                </c:pt>
-                <c:pt idx="86">
-                  <c:v>7.2083</c:v>
-                </c:pt>
-                <c:pt idx="87">
-                  <c:v>7.2917</c:v>
-                </c:pt>
-                <c:pt idx="88">
-                  <c:v>7.375</c:v>
-                </c:pt>
-                <c:pt idx="89">
-                  <c:v>7.4583</c:v>
-                </c:pt>
-                <c:pt idx="90">
-                  <c:v>7.5417</c:v>
-                </c:pt>
-                <c:pt idx="91">
-                  <c:v>7.624999999999999</c:v>
-                </c:pt>
-                <c:pt idx="92">
-                  <c:v>7.7083</c:v>
-                </c:pt>
-                <c:pt idx="93">
-                  <c:v>7.7917</c:v>
-                </c:pt>
-                <c:pt idx="94">
-                  <c:v>7.875</c:v>
-                </c:pt>
-                <c:pt idx="95">
-                  <c:v>7.9583</c:v>
-                </c:pt>
-                <c:pt idx="96">
-                  <c:v>8.041700000000001</c:v>
-                </c:pt>
-                <c:pt idx="97">
-                  <c:v>8.125</c:v>
-                </c:pt>
-                <c:pt idx="98">
-                  <c:v>8.208299999999997</c:v>
-                </c:pt>
-                <c:pt idx="99">
-                  <c:v>8.291699999999998</c:v>
-                </c:pt>
-                <c:pt idx="100">
-                  <c:v>8.375</c:v>
-                </c:pt>
-                <c:pt idx="101">
-                  <c:v>8.4583</c:v>
-                </c:pt>
-                <c:pt idx="102">
-                  <c:v>8.541700000000001</c:v>
-                </c:pt>
-                <c:pt idx="103">
-                  <c:v>8.625</c:v>
-                </c:pt>
-                <c:pt idx="104">
-                  <c:v>8.708299999999997</c:v>
-                </c:pt>
-                <c:pt idx="105">
-                  <c:v>8.791699999999998</c:v>
-                </c:pt>
-                <c:pt idx="106">
-                  <c:v>8.875</c:v>
-                </c:pt>
-                <c:pt idx="107">
-                  <c:v>8.9583</c:v>
-                </c:pt>
-                <c:pt idx="108">
-                  <c:v>9.041700000000001</c:v>
-                </c:pt>
-                <c:pt idx="109">
-                  <c:v>9.125</c:v>
-                </c:pt>
-                <c:pt idx="110">
-                  <c:v>9.208299999999997</c:v>
-                </c:pt>
-                <c:pt idx="111">
-                  <c:v>9.291699999999998</c:v>
-                </c:pt>
-                <c:pt idx="112">
-                  <c:v>9.375</c:v>
-                </c:pt>
-                <c:pt idx="113">
-                  <c:v>9.4583</c:v>
-                </c:pt>
-                <c:pt idx="114">
-                  <c:v>9.541700000000001</c:v>
-                </c:pt>
-                <c:pt idx="115">
-                  <c:v>9.625</c:v>
-                </c:pt>
-                <c:pt idx="116">
-                  <c:v>9.708299999999997</c:v>
-                </c:pt>
-                <c:pt idx="117">
-                  <c:v>9.791699999999998</c:v>
-                </c:pt>
-                <c:pt idx="118">
-                  <c:v>9.875</c:v>
-                </c:pt>
-                <c:pt idx="119">
-                  <c:v>9.9583</c:v>
-                </c:pt>
-                <c:pt idx="120">
-                  <c:v>10.042</c:v>
-                </c:pt>
-                <c:pt idx="121">
-                  <c:v>10.125</c:v>
-                </c:pt>
-                <c:pt idx="122">
-                  <c:v>10.208</c:v>
-                </c:pt>
-                <c:pt idx="123">
-                  <c:v>10.292</c:v>
-                </c:pt>
-                <c:pt idx="124">
-                  <c:v>10.375</c:v>
-                </c:pt>
-                <c:pt idx="125">
-                  <c:v>10.458</c:v>
-                </c:pt>
-                <c:pt idx="126">
-                  <c:v>10.542</c:v>
-                </c:pt>
-                <c:pt idx="127">
-                  <c:v>10.625</c:v>
-                </c:pt>
-                <c:pt idx="128">
-                  <c:v>10.708</c:v>
-                </c:pt>
-                <c:pt idx="129">
-                  <c:v>10.792</c:v>
-                </c:pt>
-                <c:pt idx="130">
-                  <c:v>10.875</c:v>
-                </c:pt>
-                <c:pt idx="131">
-                  <c:v>10.958</c:v>
-                </c:pt>
-                <c:pt idx="132">
-                  <c:v>11.042</c:v>
-                </c:pt>
-                <c:pt idx="133">
-                  <c:v>11.125</c:v>
-                </c:pt>
-                <c:pt idx="134">
-                  <c:v>11.208</c:v>
-                </c:pt>
-                <c:pt idx="135">
-                  <c:v>11.292</c:v>
-                </c:pt>
-                <c:pt idx="136">
-                  <c:v>11.375</c:v>
-                </c:pt>
-                <c:pt idx="137">
-                  <c:v>11.458</c:v>
-                </c:pt>
-                <c:pt idx="138">
-                  <c:v>11.542</c:v>
-                </c:pt>
-                <c:pt idx="139">
-                  <c:v>11.625</c:v>
-                </c:pt>
-                <c:pt idx="140">
-                  <c:v>11.708</c:v>
-                </c:pt>
-                <c:pt idx="141">
-                  <c:v>11.792</c:v>
-                </c:pt>
-                <c:pt idx="142">
-                  <c:v>11.875</c:v>
-                </c:pt>
-                <c:pt idx="143">
-                  <c:v>11.958</c:v>
-                </c:pt>
-              </c:numCache>
-            </c:numRef>
-          </c:xVal>
-          <c:yVal>
-            <c:numRef>
-              <c:f>'gr-.6m5_o'!$B$2:$B$205</c:f>
-              <c:numCache>
-                <c:formatCode>0.00E+00</c:formatCode>
-                <c:ptCount val="204"/>
-                <c:pt idx="0">
-                  <c:v>0.0</c:v>
-                </c:pt>
-                <c:pt idx="1">
-                  <c:v>0.0</c:v>
-                </c:pt>
-                <c:pt idx="2">
-                  <c:v>0.0</c:v>
-                </c:pt>
-                <c:pt idx="3">
-                  <c:v>0.0</c:v>
-                </c:pt>
-                <c:pt idx="4">
-                  <c:v>0.0</c:v>
-                </c:pt>
-                <c:pt idx="5">
-                  <c:v>0.0</c:v>
-                </c:pt>
-                <c:pt idx="6">
-                  <c:v>0.0</c:v>
-                </c:pt>
-                <c:pt idx="7">
-                  <c:v>0.0</c:v>
-                </c:pt>
-                <c:pt idx="8">
-                  <c:v>0.0</c:v>
-                </c:pt>
-                <c:pt idx="9">
-                  <c:v>0.0</c:v>
-                </c:pt>
-                <c:pt idx="10">
-                  <c:v>0.0</c:v>
-                </c:pt>
-                <c:pt idx="11">
-                  <c:v>0.0</c:v>
-                </c:pt>
-                <c:pt idx="12">
-                  <c:v>0.0</c:v>
-                </c:pt>
-                <c:pt idx="13">
-                  <c:v>0.0</c:v>
-                </c:pt>
-                <c:pt idx="14">
-                  <c:v>0.0</c:v>
-                </c:pt>
-                <c:pt idx="15">
-                  <c:v>0.0</c:v>
-                </c:pt>
-                <c:pt idx="16">
-                  <c:v>0.0</c:v>
-                </c:pt>
-                <c:pt idx="17">
-                  <c:v>0.0</c:v>
-                </c:pt>
-                <c:pt idx="18">
-                  <c:v>0.0</c:v>
-                </c:pt>
-                <c:pt idx="19">
-                  <c:v>0.0</c:v>
-                </c:pt>
-                <c:pt idx="20">
-                  <c:v>0.0</c:v>
-                </c:pt>
-                <c:pt idx="21">
-                  <c:v>0.0</c:v>
-                </c:pt>
-                <c:pt idx="22">
-                  <c:v>0.0</c:v>
-                </c:pt>
-                <c:pt idx="23">
-                  <c:v>0.0</c:v>
-                </c:pt>
-                <c:pt idx="24">
-                  <c:v>0.0</c:v>
-                </c:pt>
-                <c:pt idx="25">
-                  <c:v>0.0</c:v>
-                </c:pt>
-                <c:pt idx="26">
-                  <c:v>0.0</c:v>
-                </c:pt>
-                <c:pt idx="27">
-                  <c:v>0.0</c:v>
-                </c:pt>
-                <c:pt idx="28">
-                  <c:v>0.0</c:v>
-                </c:pt>
-                <c:pt idx="29">
-                  <c:v>0.0</c:v>
-                </c:pt>
-                <c:pt idx="30">
-                  <c:v>0.0</c:v>
-                </c:pt>
-                <c:pt idx="31">
-                  <c:v>0.0</c:v>
-                </c:pt>
-                <c:pt idx="32">
-                  <c:v>0.0062378</c:v>
-                </c:pt>
-                <c:pt idx="33">
-                  <c:v>0.13083</c:v>
-                </c:pt>
-                <c:pt idx="34">
-                  <c:v>0.99167</c:v>
-                </c:pt>
-                <c:pt idx="35">
-                  <c:v>1.9114</c:v>
-                </c:pt>
-                <c:pt idx="36">
-                  <c:v>1.8818</c:v>
-                </c:pt>
-                <c:pt idx="37">
-                  <c:v>2.0699</c:v>
-                </c:pt>
-                <c:pt idx="38">
-                  <c:v>2.7683</c:v>
-                </c:pt>
-                <c:pt idx="39">
-                  <c:v>6.4102</c:v>
-                </c:pt>
-                <c:pt idx="40">
-                  <c:v>15.109</c:v>
-                </c:pt>
-                <c:pt idx="41">
-                  <c:v>4.4938</c:v>
-                </c:pt>
-                <c:pt idx="42">
-                  <c:v>3.031</c:v>
-                </c:pt>
-                <c:pt idx="43">
-                  <c:v>2.2276</c:v>
-                </c:pt>
-                <c:pt idx="44">
-                  <c:v>1.8632</c:v>
-                </c:pt>
-                <c:pt idx="45">
-                  <c:v>1.654</c:v>
-                </c:pt>
-                <c:pt idx="46">
-                  <c:v>1.2337</c:v>
-                </c:pt>
-                <c:pt idx="47">
-                  <c:v>1.0069</c:v>
-                </c:pt>
-                <c:pt idx="48">
-                  <c:v>0.93823</c:v>
-                </c:pt>
-                <c:pt idx="49">
-                  <c:v>0.83088</c:v>
-                </c:pt>
-                <c:pt idx="50">
-                  <c:v>0.67205</c:v>
-                </c:pt>
-                <c:pt idx="51">
-                  <c:v>0.83111</c:v>
-                </c:pt>
-                <c:pt idx="52">
-                  <c:v>0.5878</c:v>
-                </c:pt>
-                <c:pt idx="53">
-                  <c:v>0.59246</c:v>
-                </c:pt>
-                <c:pt idx="54">
-                  <c:v>0.58294</c:v>
-                </c:pt>
-                <c:pt idx="55">
-                  <c:v>0.56199</c:v>
-                </c:pt>
-                <c:pt idx="56">
-                  <c:v>0.53611</c:v>
-                </c:pt>
-                <c:pt idx="57">
-                  <c:v>0.52438</c:v>
-                </c:pt>
-                <c:pt idx="58">
-                  <c:v>0.53131</c:v>
-                </c:pt>
-                <c:pt idx="59">
-                  <c:v>0.53645</c:v>
-                </c:pt>
-                <c:pt idx="60">
-                  <c:v>0.53519</c:v>
-                </c:pt>
-                <c:pt idx="61">
-                  <c:v>0.54068</c:v>
-                </c:pt>
-                <c:pt idx="62">
-                  <c:v>0.61658</c:v>
-                </c:pt>
-                <c:pt idx="63">
-                  <c:v>0.62356</c:v>
-                </c:pt>
-                <c:pt idx="64">
-                  <c:v>0.6398</c:v>
-                </c:pt>
-                <c:pt idx="65">
-                  <c:v>0.74423</c:v>
-                </c:pt>
-                <c:pt idx="66">
-                  <c:v>0.84912</c:v>
-                </c:pt>
-                <c:pt idx="67">
-                  <c:v>1.1036</c:v>
-                </c:pt>
-                <c:pt idx="68">
-                  <c:v>1.3708</c:v>
-                </c:pt>
-                <c:pt idx="69">
-                  <c:v>2.371799999999999</c:v>
-                </c:pt>
-                <c:pt idx="70">
-                  <c:v>2.906</c:v>
-                </c:pt>
-                <c:pt idx="71">
-                  <c:v>2.4752</c:v>
-                </c:pt>
-                <c:pt idx="72">
-                  <c:v>5.5069</c:v>
-                </c:pt>
-                <c:pt idx="73">
-                  <c:v>2.4592</c:v>
-                </c:pt>
-                <c:pt idx="74">
-                  <c:v>1.4193</c:v>
-                </c:pt>
-                <c:pt idx="75">
-                  <c:v>1.0778</c:v>
-                </c:pt>
-                <c:pt idx="76">
-                  <c:v>0.96716</c:v>
-                </c:pt>
-                <c:pt idx="77">
-                  <c:v>0.88608</c:v>
-                </c:pt>
-                <c:pt idx="78">
-                  <c:v>0.90658</c:v>
-                </c:pt>
-                <c:pt idx="79">
-                  <c:v>0.95029</c:v>
-                </c:pt>
-                <c:pt idx="80">
-                  <c:v>0.91442</c:v>
-                </c:pt>
-                <c:pt idx="81">
-                  <c:v>0.93318</c:v>
-                </c:pt>
-                <c:pt idx="82">
-                  <c:v>0.99556</c:v>
-                </c:pt>
-                <c:pt idx="83">
-                  <c:v>1.0107</c:v>
-                </c:pt>
-                <c:pt idx="84">
-                  <c:v>0.99215</c:v>
-                </c:pt>
-                <c:pt idx="85">
-                  <c:v>1.0284</c:v>
-                </c:pt>
-                <c:pt idx="86">
-                  <c:v>1.0592</c:v>
-                </c:pt>
-                <c:pt idx="87">
-                  <c:v>1.0686</c:v>
-                </c:pt>
-                <c:pt idx="88">
-                  <c:v>1.0482</c:v>
-                </c:pt>
-                <c:pt idx="89">
-                  <c:v>1.0743</c:v>
-                </c:pt>
-                <c:pt idx="90">
-                  <c:v>1.0607</c:v>
-                </c:pt>
-                <c:pt idx="91">
-                  <c:v>1.0645</c:v>
-                </c:pt>
-                <c:pt idx="92">
-                  <c:v>1.0406</c:v>
-                </c:pt>
-                <c:pt idx="93">
-                  <c:v>1.0359</c:v>
-                </c:pt>
-                <c:pt idx="94">
-                  <c:v>1.0241</c:v>
-                </c:pt>
-                <c:pt idx="95">
-                  <c:v>1.0209</c:v>
-                </c:pt>
-                <c:pt idx="96">
-                  <c:v>1.0027</c:v>
-                </c:pt>
-                <c:pt idx="97">
-                  <c:v>0.99721</c:v>
-                </c:pt>
-                <c:pt idx="98">
-                  <c:v>0.98992</c:v>
-                </c:pt>
-                <c:pt idx="99">
-                  <c:v>0.96778</c:v>
-                </c:pt>
-                <c:pt idx="100">
-                  <c:v>0.97644</c:v>
-                </c:pt>
-                <c:pt idx="101">
-                  <c:v>0.96453</c:v>
-                </c:pt>
-                <c:pt idx="102">
-                  <c:v>0.93263</c:v>
-                </c:pt>
-                <c:pt idx="103">
-                  <c:v>0.91167</c:v>
-                </c:pt>
-                <c:pt idx="104">
-                  <c:v>0.92997</c:v>
-                </c:pt>
-                <c:pt idx="105">
-                  <c:v>0.90594</c:v>
-                </c:pt>
-                <c:pt idx="106">
-                  <c:v>0.90759</c:v>
-                </c:pt>
-                <c:pt idx="107">
-                  <c:v>0.92066</c:v>
-                </c:pt>
-                <c:pt idx="108">
-                  <c:v>0.93595</c:v>
-                </c:pt>
-                <c:pt idx="109">
-                  <c:v>0.96177</c:v>
-                </c:pt>
-                <c:pt idx="110">
-                  <c:v>0.98716</c:v>
-                </c:pt>
-                <c:pt idx="111">
-                  <c:v>1.0143</c:v>
-                </c:pt>
-                <c:pt idx="112">
-                  <c:v>1.0287</c:v>
-                </c:pt>
-                <c:pt idx="113">
-                  <c:v>1.0568</c:v>
-                </c:pt>
-                <c:pt idx="114">
-                  <c:v>1.0712</c:v>
-                </c:pt>
-                <c:pt idx="115">
-                  <c:v>1.0858</c:v>
-                </c:pt>
-                <c:pt idx="116">
-                  <c:v>1.0878</c:v>
-                </c:pt>
-                <c:pt idx="117">
-                  <c:v>1.0993</c:v>
-                </c:pt>
-                <c:pt idx="118">
-                  <c:v>1.098</c:v>
-                </c:pt>
-                <c:pt idx="119">
-                  <c:v>1.0881</c:v>
-                </c:pt>
-                <c:pt idx="120">
-                  <c:v>1.0866</c:v>
-                </c:pt>
-                <c:pt idx="121">
-                  <c:v>1.07</c:v>
-                </c:pt>
-                <c:pt idx="122">
-                  <c:v>1.0543</c:v>
-                </c:pt>
-                <c:pt idx="123">
-                  <c:v>1.0367</c:v>
-                </c:pt>
-                <c:pt idx="124">
-                  <c:v>1.0189</c:v>
-                </c:pt>
-                <c:pt idx="125">
-                  <c:v>1.0016</c:v>
-                </c:pt>
-                <c:pt idx="126">
-                  <c:v>0.98563</c:v>
-                </c:pt>
-                <c:pt idx="127">
-                  <c:v>0.97103</c:v>
-                </c:pt>
-                <c:pt idx="128">
-                  <c:v>0.96064</c:v>
-                </c:pt>
-                <c:pt idx="129">
-                  <c:v>0.95028</c:v>
-                </c:pt>
-                <c:pt idx="130">
-                  <c:v>0.94334</c:v>
-                </c:pt>
-                <c:pt idx="131">
-                  <c:v>0.94302</c:v>
-                </c:pt>
-                <c:pt idx="132">
-                  <c:v>0.9415</c:v>
-                </c:pt>
-                <c:pt idx="133">
-                  <c:v>0.94247</c:v>
-                </c:pt>
-                <c:pt idx="134">
-                  <c:v>0.95298</c:v>
-                </c:pt>
-                <c:pt idx="135">
-                  <c:v>0.95744</c:v>
-                </c:pt>
-                <c:pt idx="136">
-                  <c:v>0.96986</c:v>
-                </c:pt>
-                <c:pt idx="137">
-                  <c:v>0.97627</c:v>
-                </c:pt>
-                <c:pt idx="138">
-                  <c:v>0.98512</c:v>
-                </c:pt>
-                <c:pt idx="139">
-                  <c:v>0.99643</c:v>
-                </c:pt>
-                <c:pt idx="140">
-                  <c:v>1.0058</c:v>
-                </c:pt>
-                <c:pt idx="141">
-                  <c:v>1.0135</c:v>
-                </c:pt>
-                <c:pt idx="142">
-                  <c:v>1.0195</c:v>
-                </c:pt>
-                <c:pt idx="143">
-                  <c:v>1.0269</c:v>
-                </c:pt>
-              </c:numCache>
-            </c:numRef>
-          </c:yVal>
-          <c:smooth val="1"/>
-        </c:ser>
-        <c:ser>
-          <c:idx val="5"/>
-          <c:order val="1"/>
-          <c:tx>
-            <c:v>01100 MDFT</c:v>
-          </c:tx>
-          <c:spPr>
-            <a:ln w="12700">
-              <a:solidFill>
-                <a:srgbClr val="800000"/>
-              </a:solidFill>
-            </a:ln>
-          </c:spPr>
-          <c:marker>
-            <c:symbol val="none"/>
-          </c:marker>
-          <c:xVal>
-            <c:numRef>
-              <c:f>'gr-.6m5_o'!$A$2:$A$205</c:f>
-              <c:numCache>
-                <c:formatCode>0.00E+00</c:formatCode>
-                <c:ptCount val="204"/>
-                <c:pt idx="0">
-                  <c:v>0.041667</c:v>
-                </c:pt>
-                <c:pt idx="1">
-                  <c:v>0.125</c:v>
-                </c:pt>
-                <c:pt idx="2">
-                  <c:v>0.20833</c:v>
-                </c:pt>
-                <c:pt idx="3">
-                  <c:v>0.29167</c:v>
-                </c:pt>
-                <c:pt idx="4">
-                  <c:v>0.375</c:v>
-                </c:pt>
-                <c:pt idx="5">
-                  <c:v>0.45833</c:v>
-                </c:pt>
-                <c:pt idx="6">
-                  <c:v>0.54167</c:v>
-                </c:pt>
-                <c:pt idx="7">
-                  <c:v>0.625</c:v>
-                </c:pt>
-                <c:pt idx="8">
-                  <c:v>0.70833</c:v>
-                </c:pt>
-                <c:pt idx="9">
-                  <c:v>0.79167</c:v>
-                </c:pt>
-                <c:pt idx="10">
-                  <c:v>0.875</c:v>
-                </c:pt>
-                <c:pt idx="11">
-                  <c:v>0.95833</c:v>
-                </c:pt>
-                <c:pt idx="12">
-                  <c:v>1.0417</c:v>
-                </c:pt>
-                <c:pt idx="13">
-                  <c:v>1.125</c:v>
-                </c:pt>
-                <c:pt idx="14">
-                  <c:v>1.2083</c:v>
-                </c:pt>
-                <c:pt idx="15">
-                  <c:v>1.2917</c:v>
-                </c:pt>
-                <c:pt idx="16">
-                  <c:v>1.375</c:v>
-                </c:pt>
-                <c:pt idx="17">
-                  <c:v>1.4583</c:v>
-                </c:pt>
-                <c:pt idx="18">
-                  <c:v>1.5417</c:v>
-                </c:pt>
-                <c:pt idx="19">
-                  <c:v>1.625</c:v>
-                </c:pt>
-                <c:pt idx="20">
-                  <c:v>1.7083</c:v>
-                </c:pt>
-                <c:pt idx="21">
-                  <c:v>1.7917</c:v>
-                </c:pt>
-                <c:pt idx="22">
-                  <c:v>1.875</c:v>
-                </c:pt>
-                <c:pt idx="23">
-                  <c:v>1.9583</c:v>
-                </c:pt>
-                <c:pt idx="24">
-                  <c:v>2.0417</c:v>
-                </c:pt>
-                <c:pt idx="25">
-                  <c:v>2.125</c:v>
-                </c:pt>
-                <c:pt idx="26">
-                  <c:v>2.2083</c:v>
-                </c:pt>
-                <c:pt idx="27">
-                  <c:v>2.2917</c:v>
-                </c:pt>
-                <c:pt idx="28">
-                  <c:v>2.375</c:v>
-                </c:pt>
-                <c:pt idx="29">
-                  <c:v>2.4583</c:v>
-                </c:pt>
-                <c:pt idx="30">
-                  <c:v>2.5417</c:v>
-                </c:pt>
-                <c:pt idx="31">
-                  <c:v>2.625</c:v>
-                </c:pt>
-                <c:pt idx="32">
-                  <c:v>2.7083</c:v>
-                </c:pt>
-                <c:pt idx="33">
-                  <c:v>2.7917</c:v>
-                </c:pt>
-                <c:pt idx="34">
-                  <c:v>2.875</c:v>
-                </c:pt>
-                <c:pt idx="35">
-                  <c:v>2.9583</c:v>
-                </c:pt>
-                <c:pt idx="36">
-                  <c:v>3.0417</c:v>
-                </c:pt>
-                <c:pt idx="37">
-                  <c:v>3.125</c:v>
-                </c:pt>
-                <c:pt idx="38">
-                  <c:v>3.2083</c:v>
-                </c:pt>
-                <c:pt idx="39">
-                  <c:v>3.2917</c:v>
-                </c:pt>
-                <c:pt idx="40">
-                  <c:v>3.375</c:v>
-                </c:pt>
-                <c:pt idx="41">
-                  <c:v>3.4583</c:v>
-                </c:pt>
-                <c:pt idx="42">
-                  <c:v>3.5417</c:v>
-                </c:pt>
-                <c:pt idx="43">
-                  <c:v>3.625</c:v>
-                </c:pt>
-                <c:pt idx="44">
-                  <c:v>3.7083</c:v>
-                </c:pt>
-                <c:pt idx="45">
-                  <c:v>3.7917</c:v>
-                </c:pt>
-                <c:pt idx="46">
-                  <c:v>3.875</c:v>
-                </c:pt>
-                <c:pt idx="47">
-                  <c:v>3.9583</c:v>
-                </c:pt>
-                <c:pt idx="48">
-                  <c:v>4.0417</c:v>
-                </c:pt>
-                <c:pt idx="49">
-                  <c:v>4.124999999999999</c:v>
-                </c:pt>
-                <c:pt idx="50">
-                  <c:v>4.2083</c:v>
-                </c:pt>
-                <c:pt idx="51">
-                  <c:v>4.2917</c:v>
-                </c:pt>
-                <c:pt idx="52">
-                  <c:v>4.375</c:v>
-                </c:pt>
-                <c:pt idx="53">
-                  <c:v>4.4583</c:v>
-                </c:pt>
-                <c:pt idx="54">
-                  <c:v>4.5417</c:v>
-                </c:pt>
-                <c:pt idx="55">
-                  <c:v>4.624999999999999</c:v>
-                </c:pt>
-                <c:pt idx="56">
-                  <c:v>4.7083</c:v>
-                </c:pt>
-                <c:pt idx="57">
-                  <c:v>4.7917</c:v>
-                </c:pt>
-                <c:pt idx="58">
-                  <c:v>4.875</c:v>
-                </c:pt>
-                <c:pt idx="59">
-                  <c:v>4.9583</c:v>
-                </c:pt>
-                <c:pt idx="60">
-                  <c:v>5.0417</c:v>
-                </c:pt>
-                <c:pt idx="61">
-                  <c:v>5.124999999999999</c:v>
-                </c:pt>
-                <c:pt idx="62">
-                  <c:v>5.2083</c:v>
-                </c:pt>
-                <c:pt idx="63">
-                  <c:v>5.2917</c:v>
-                </c:pt>
-                <c:pt idx="64">
-                  <c:v>5.375</c:v>
-                </c:pt>
-                <c:pt idx="65">
-                  <c:v>5.4583</c:v>
-                </c:pt>
-                <c:pt idx="66">
-                  <c:v>5.5417</c:v>
-                </c:pt>
-                <c:pt idx="67">
-                  <c:v>5.624999999999999</c:v>
-                </c:pt>
-                <c:pt idx="68">
-                  <c:v>5.7083</c:v>
-                </c:pt>
-                <c:pt idx="69">
-                  <c:v>5.7917</c:v>
-                </c:pt>
-                <c:pt idx="70">
-                  <c:v>5.875</c:v>
-                </c:pt>
-                <c:pt idx="71">
-                  <c:v>5.9583</c:v>
-                </c:pt>
-                <c:pt idx="72">
-                  <c:v>6.0417</c:v>
-                </c:pt>
-                <c:pt idx="73">
-                  <c:v>6.124999999999999</c:v>
-                </c:pt>
-                <c:pt idx="74">
-                  <c:v>6.2083</c:v>
-                </c:pt>
-                <c:pt idx="75">
-                  <c:v>6.2917</c:v>
-                </c:pt>
-                <c:pt idx="76">
-                  <c:v>6.375</c:v>
-                </c:pt>
-                <c:pt idx="77">
-                  <c:v>6.4583</c:v>
-                </c:pt>
-                <c:pt idx="78">
-                  <c:v>6.5417</c:v>
-                </c:pt>
-                <c:pt idx="79">
-                  <c:v>6.624999999999999</c:v>
-                </c:pt>
-                <c:pt idx="80">
-                  <c:v>6.7083</c:v>
-                </c:pt>
-                <c:pt idx="81">
-                  <c:v>6.7917</c:v>
-                </c:pt>
-                <c:pt idx="82">
-                  <c:v>6.875</c:v>
-                </c:pt>
-                <c:pt idx="83">
-                  <c:v>6.9583</c:v>
-                </c:pt>
-                <c:pt idx="84">
-                  <c:v>7.0417</c:v>
-                </c:pt>
-                <c:pt idx="85">
-                  <c:v>7.124999999999999</c:v>
-                </c:pt>
-                <c:pt idx="86">
-                  <c:v>7.2083</c:v>
-                </c:pt>
-                <c:pt idx="87">
-                  <c:v>7.2917</c:v>
-                </c:pt>
-                <c:pt idx="88">
-                  <c:v>7.375</c:v>
-                </c:pt>
-                <c:pt idx="89">
-                  <c:v>7.4583</c:v>
-                </c:pt>
-                <c:pt idx="90">
-                  <c:v>7.5417</c:v>
-                </c:pt>
-                <c:pt idx="91">
-                  <c:v>7.624999999999999</c:v>
-                </c:pt>
-                <c:pt idx="92">
-                  <c:v>7.7083</c:v>
-                </c:pt>
-                <c:pt idx="93">
-                  <c:v>7.7917</c:v>
-                </c:pt>
-                <c:pt idx="94">
-                  <c:v>7.875</c:v>
-                </c:pt>
-                <c:pt idx="95">
-                  <c:v>7.9583</c:v>
-                </c:pt>
-                <c:pt idx="96">
-                  <c:v>8.041700000000001</c:v>
-                </c:pt>
-                <c:pt idx="97">
-                  <c:v>8.125</c:v>
-                </c:pt>
-                <c:pt idx="98">
-                  <c:v>8.208299999999997</c:v>
-                </c:pt>
-                <c:pt idx="99">
-                  <c:v>8.291699999999998</c:v>
-                </c:pt>
-                <c:pt idx="100">
-                  <c:v>8.375</c:v>
-                </c:pt>
-                <c:pt idx="101">
-                  <c:v>8.4583</c:v>
-                </c:pt>
-                <c:pt idx="102">
-                  <c:v>8.541700000000001</c:v>
-                </c:pt>
-                <c:pt idx="103">
-                  <c:v>8.625</c:v>
-                </c:pt>
-                <c:pt idx="104">
-                  <c:v>8.708299999999997</c:v>
-                </c:pt>
-                <c:pt idx="105">
-                  <c:v>8.791699999999998</c:v>
-                </c:pt>
-                <c:pt idx="106">
-                  <c:v>8.875</c:v>
-                </c:pt>
-                <c:pt idx="107">
-                  <c:v>8.9583</c:v>
-                </c:pt>
-                <c:pt idx="108">
-                  <c:v>9.041700000000001</c:v>
-                </c:pt>
-                <c:pt idx="109">
-                  <c:v>9.125</c:v>
-                </c:pt>
-                <c:pt idx="110">
-                  <c:v>9.208299999999997</c:v>
-                </c:pt>
-                <c:pt idx="111">
-                  <c:v>9.291699999999998</c:v>
-                </c:pt>
-                <c:pt idx="112">
-                  <c:v>9.375</c:v>
-                </c:pt>
-                <c:pt idx="113">
-                  <c:v>9.4583</c:v>
-                </c:pt>
-                <c:pt idx="114">
-                  <c:v>9.541700000000001</c:v>
-                </c:pt>
-                <c:pt idx="115">
-                  <c:v>9.625</c:v>
-                </c:pt>
-                <c:pt idx="116">
-                  <c:v>9.708299999999997</c:v>
-                </c:pt>
-                <c:pt idx="117">
-                  <c:v>9.791699999999998</c:v>
-                </c:pt>
-                <c:pt idx="118">
-                  <c:v>9.875</c:v>
-                </c:pt>
-                <c:pt idx="119">
-                  <c:v>9.9583</c:v>
-                </c:pt>
-                <c:pt idx="120">
-                  <c:v>10.042</c:v>
-                </c:pt>
-                <c:pt idx="121">
-                  <c:v>10.125</c:v>
-                </c:pt>
-                <c:pt idx="122">
-                  <c:v>10.208</c:v>
-                </c:pt>
-                <c:pt idx="123">
-                  <c:v>10.292</c:v>
-                </c:pt>
-                <c:pt idx="124">
-                  <c:v>10.375</c:v>
-                </c:pt>
-                <c:pt idx="125">
-                  <c:v>10.458</c:v>
-                </c:pt>
-                <c:pt idx="126">
-                  <c:v>10.542</c:v>
-                </c:pt>
-                <c:pt idx="127">
-                  <c:v>10.625</c:v>
-                </c:pt>
-                <c:pt idx="128">
-                  <c:v>10.708</c:v>
-                </c:pt>
-                <c:pt idx="129">
-                  <c:v>10.792</c:v>
-                </c:pt>
-                <c:pt idx="130">
-                  <c:v>10.875</c:v>
-                </c:pt>
-                <c:pt idx="131">
-                  <c:v>10.958</c:v>
-                </c:pt>
-                <c:pt idx="132">
-                  <c:v>11.042</c:v>
-                </c:pt>
-                <c:pt idx="133">
-                  <c:v>11.125</c:v>
-                </c:pt>
-                <c:pt idx="134">
-                  <c:v>11.208</c:v>
-                </c:pt>
-                <c:pt idx="135">
-                  <c:v>11.292</c:v>
-                </c:pt>
-                <c:pt idx="136">
-                  <c:v>11.375</c:v>
-                </c:pt>
-                <c:pt idx="137">
-                  <c:v>11.458</c:v>
-                </c:pt>
-                <c:pt idx="138">
-                  <c:v>11.542</c:v>
-                </c:pt>
-                <c:pt idx="139">
-                  <c:v>11.625</c:v>
-                </c:pt>
-                <c:pt idx="140">
-                  <c:v>11.708</c:v>
-                </c:pt>
-                <c:pt idx="141">
-                  <c:v>11.792</c:v>
-                </c:pt>
-                <c:pt idx="142">
-                  <c:v>11.875</c:v>
-                </c:pt>
-                <c:pt idx="143">
-                  <c:v>11.958</c:v>
-                </c:pt>
-              </c:numCache>
-            </c:numRef>
-          </c:xVal>
-          <c:yVal>
-            <c:numRef>
-              <c:f>'gr-.6m5_o'!$C$2:$C$205</c:f>
-              <c:numCache>
-                <c:formatCode>0.00E+00</c:formatCode>
-                <c:ptCount val="204"/>
-                <c:pt idx="0">
-                  <c:v>0.0</c:v>
-                </c:pt>
-                <c:pt idx="1">
-                  <c:v>0.0</c:v>
-                </c:pt>
-                <c:pt idx="2">
-                  <c:v>0.0</c:v>
-                </c:pt>
-                <c:pt idx="3">
-                  <c:v>0.0</c:v>
-                </c:pt>
-                <c:pt idx="4">
-                  <c:v>0.0</c:v>
-                </c:pt>
-                <c:pt idx="5">
-                  <c:v>0.0</c:v>
-                </c:pt>
-                <c:pt idx="6">
-                  <c:v>0.0</c:v>
-                </c:pt>
-                <c:pt idx="7">
-                  <c:v>0.0</c:v>
-                </c:pt>
-                <c:pt idx="8">
-                  <c:v>0.0</c:v>
-                </c:pt>
-                <c:pt idx="9">
-                  <c:v>0.0</c:v>
-                </c:pt>
-                <c:pt idx="10">
-                  <c:v>0.0</c:v>
-                </c:pt>
-                <c:pt idx="11">
-                  <c:v>0.0</c:v>
-                </c:pt>
-                <c:pt idx="12">
-                  <c:v>0.0</c:v>
-                </c:pt>
-                <c:pt idx="13">
-                  <c:v>0.0</c:v>
-                </c:pt>
-                <c:pt idx="14">
-                  <c:v>0.0</c:v>
-                </c:pt>
-                <c:pt idx="15">
-                  <c:v>0.0</c:v>
-                </c:pt>
-                <c:pt idx="16">
-                  <c:v>0.0</c:v>
-                </c:pt>
-                <c:pt idx="17">
-                  <c:v>0.0</c:v>
-                </c:pt>
-                <c:pt idx="18">
-                  <c:v>0.0</c:v>
-                </c:pt>
-                <c:pt idx="19">
-                  <c:v>0.0</c:v>
-                </c:pt>
-                <c:pt idx="20">
-                  <c:v>0.0</c:v>
-                </c:pt>
-                <c:pt idx="21">
-                  <c:v>0.0</c:v>
-                </c:pt>
-                <c:pt idx="22">
-                  <c:v>0.0</c:v>
-                </c:pt>
-                <c:pt idx="23">
-                  <c:v>0.0</c:v>
-                </c:pt>
-                <c:pt idx="24">
-                  <c:v>0.0</c:v>
-                </c:pt>
-                <c:pt idx="25">
-                  <c:v>0.0</c:v>
-                </c:pt>
-                <c:pt idx="26">
-                  <c:v>0.0</c:v>
-                </c:pt>
-                <c:pt idx="27">
-                  <c:v>0.0</c:v>
-                </c:pt>
-                <c:pt idx="28">
-                  <c:v>0.0</c:v>
-                </c:pt>
-                <c:pt idx="29">
-                  <c:v>0.0</c:v>
-                </c:pt>
-                <c:pt idx="30">
-                  <c:v>0.0</c:v>
-                </c:pt>
-                <c:pt idx="31">
-                  <c:v>0.0</c:v>
-                </c:pt>
-                <c:pt idx="32">
-                  <c:v>0.010855</c:v>
-                </c:pt>
-                <c:pt idx="33">
-                  <c:v>0.22461</c:v>
-                </c:pt>
-                <c:pt idx="34">
-                  <c:v>1.7073</c:v>
-                </c:pt>
-                <c:pt idx="35">
-                  <c:v>3.2683</c:v>
-                </c:pt>
-                <c:pt idx="36">
-                  <c:v>3.3018</c:v>
-                </c:pt>
-                <c:pt idx="37">
-                  <c:v>3.29</c:v>
-                </c:pt>
-                <c:pt idx="38">
-                  <c:v>4.246</c:v>
-                </c:pt>
-                <c:pt idx="39">
-                  <c:v>10.673</c:v>
-                </c:pt>
-                <c:pt idx="40">
-                  <c:v>28.081</c:v>
-                </c:pt>
-                <c:pt idx="41">
-                  <c:v>4.9034</c:v>
-                </c:pt>
-                <c:pt idx="42">
-                  <c:v>0.83893</c:v>
-                </c:pt>
-                <c:pt idx="43">
-                  <c:v>0.04834</c:v>
-                </c:pt>
-                <c:pt idx="44">
-                  <c:v>-0.44478</c:v>
-                </c:pt>
-                <c:pt idx="45">
-                  <c:v>-1.2016</c:v>
-                </c:pt>
-                <c:pt idx="46">
-                  <c:v>-1.248</c:v>
-                </c:pt>
-                <c:pt idx="47">
-                  <c:v>-1.1231</c:v>
-                </c:pt>
-                <c:pt idx="48">
-                  <c:v>-1.1851</c:v>
-                </c:pt>
-                <c:pt idx="49">
-                  <c:v>-1.0583</c:v>
-                </c:pt>
-                <c:pt idx="50">
-                  <c:v>-0.8453</c:v>
-                </c:pt>
-                <c:pt idx="51">
-                  <c:v>-1.0116</c:v>
-                </c:pt>
-                <c:pt idx="52">
-                  <c:v>-0.70101</c:v>
-                </c:pt>
-                <c:pt idx="53">
-                  <c:v>-0.65548</c:v>
-                </c:pt>
-                <c:pt idx="54">
-                  <c:v>-0.58278</c:v>
-                </c:pt>
-                <c:pt idx="55">
-                  <c:v>-0.50764</c:v>
-                </c:pt>
-                <c:pt idx="56">
-                  <c:v>-0.46385</c:v>
-                </c:pt>
-                <c:pt idx="57">
-                  <c:v>-0.38593</c:v>
-                </c:pt>
-                <c:pt idx="58">
-                  <c:v>-0.35454</c:v>
-                </c:pt>
-                <c:pt idx="59">
-                  <c:v>-0.28529</c:v>
-                </c:pt>
-                <c:pt idx="60">
-                  <c:v>-0.24139</c:v>
-                </c:pt>
-                <c:pt idx="61">
-                  <c:v>-0.16473</c:v>
-                </c:pt>
-                <c:pt idx="62">
-                  <c:v>-0.098547</c:v>
-                </c:pt>
-                <c:pt idx="63">
-                  <c:v>-0.060145</c:v>
-                </c:pt>
-                <c:pt idx="64">
-                  <c:v>0.049148</c:v>
-                </c:pt>
-                <c:pt idx="65">
-                  <c:v>0.13522</c:v>
-                </c:pt>
-                <c:pt idx="66">
-                  <c:v>0.32895</c:v>
-                </c:pt>
-                <c:pt idx="67">
-                  <c:v>0.71042</c:v>
-                </c:pt>
-                <c:pt idx="68">
-                  <c:v>1.1274</c:v>
-                </c:pt>
-                <c:pt idx="69">
-                  <c:v>2.7431</c:v>
-                </c:pt>
-                <c:pt idx="70">
-                  <c:v>3.5029</c:v>
-                </c:pt>
-                <c:pt idx="71">
-                  <c:v>2.5875</c:v>
-                </c:pt>
-                <c:pt idx="72">
-                  <c:v>8.017</c:v>
-                </c:pt>
-                <c:pt idx="73">
-                  <c:v>2.4753</c:v>
-                </c:pt>
-                <c:pt idx="74">
-                  <c:v>0.50862</c:v>
-                </c:pt>
-                <c:pt idx="75">
-                  <c:v>-0.090776</c:v>
-                </c:pt>
-                <c:pt idx="76">
-                  <c:v>-0.22011</c:v>
-                </c:pt>
-                <c:pt idx="77">
-                  <c:v>-0.35564</c:v>
-                </c:pt>
-                <c:pt idx="78">
-                  <c:v>-0.3572</c:v>
-                </c:pt>
-                <c:pt idx="79">
-                  <c:v>-0.33078</c:v>
-                </c:pt>
-                <c:pt idx="80">
-                  <c:v>-0.27003</c:v>
-                </c:pt>
-                <c:pt idx="81">
-                  <c:v>-0.20326</c:v>
-                </c:pt>
-                <c:pt idx="82">
-                  <c:v>-0.14359</c:v>
-                </c:pt>
-                <c:pt idx="83">
-                  <c:v>-0.082506</c:v>
-                </c:pt>
-                <c:pt idx="84">
-                  <c:v>-0.015715</c:v>
-                </c:pt>
-                <c:pt idx="85">
-                  <c:v>0.037573</c:v>
-                </c:pt>
-                <c:pt idx="86">
-                  <c:v>0.10297</c:v>
-                </c:pt>
-                <c:pt idx="87">
-                  <c:v>0.13759</c:v>
-                </c:pt>
-                <c:pt idx="88">
-                  <c:v>0.16521</c:v>
-                </c:pt>
-                <c:pt idx="89">
-                  <c:v>0.21135</c:v>
-                </c:pt>
-                <c:pt idx="90">
-                  <c:v>0.21261</c:v>
-                </c:pt>
-                <c:pt idx="91">
-                  <c:v>0.24337</c:v>
-                </c:pt>
-                <c:pt idx="92">
-                  <c:v>0.23409</c:v>
-                </c:pt>
-                <c:pt idx="93">
-                  <c:v>0.2433</c:v>
-                </c:pt>
-                <c:pt idx="94">
-                  <c:v>0.24425</c:v>
-                </c:pt>
-                <c:pt idx="95">
-                  <c:v>0.25833</c:v>
-                </c:pt>
-                <c:pt idx="96">
-                  <c:v>0.2506</c:v>
-                </c:pt>
-                <c:pt idx="97">
-                  <c:v>0.25964</c:v>
-                </c:pt>
-                <c:pt idx="98">
-                  <c:v>0.28067</c:v>
-                </c:pt>
-                <c:pt idx="99">
-                  <c:v>0.2518</c:v>
-                </c:pt>
-                <c:pt idx="100">
-                  <c:v>0.29539</c:v>
-                </c:pt>
-                <c:pt idx="101">
-                  <c:v>0.28947</c:v>
-                </c:pt>
-                <c:pt idx="102">
-                  <c:v>0.2295</c:v>
-                </c:pt>
-                <c:pt idx="103">
-                  <c:v>0.18157</c:v>
-                </c:pt>
-                <c:pt idx="104">
-                  <c:v>0.1992</c:v>
-                </c:pt>
-                <c:pt idx="105">
-                  <c:v>0.12173</c:v>
-                </c:pt>
-                <c:pt idx="106">
-                  <c:v>0.064558</c:v>
-                </c:pt>
-                <c:pt idx="107">
-                  <c:v>0.032969</c:v>
-                </c:pt>
-                <c:pt idx="108">
-                  <c:v>0.027023</c:v>
-                </c:pt>
-                <c:pt idx="109">
-                  <c:v>0.00064794</c:v>
-                </c:pt>
-                <c:pt idx="110">
-                  <c:v>-0.0097481</c:v>
-                </c:pt>
-                <c:pt idx="111">
-                  <c:v>-0.019224</c:v>
-                </c:pt>
-                <c:pt idx="112">
-                  <c:v>-0.015723</c:v>
-                </c:pt>
-                <c:pt idx="113">
-                  <c:v>-0.016032</c:v>
-                </c:pt>
-                <c:pt idx="114">
-                  <c:v>-0.015137</c:v>
-                </c:pt>
-                <c:pt idx="115">
-                  <c:v>-0.010474</c:v>
-                </c:pt>
-                <c:pt idx="116">
-                  <c:v>-0.0057551</c:v>
-                </c:pt>
-                <c:pt idx="117">
-                  <c:v>0.0036971</c:v>
-                </c:pt>
-                <c:pt idx="118">
-                  <c:v>0.015588</c:v>
-                </c:pt>
-                <c:pt idx="119">
-                  <c:v>0.028337</c:v>
-                </c:pt>
-                <c:pt idx="120">
-                  <c:v>0.031887</c:v>
-                </c:pt>
-                <c:pt idx="121">
-                  <c:v>0.046342</c:v>
-                </c:pt>
-                <c:pt idx="122">
-                  <c:v>0.05837</c:v>
-                </c:pt>
-                <c:pt idx="123">
-                  <c:v>0.070474</c:v>
-                </c:pt>
-                <c:pt idx="124">
-                  <c:v>0.070036</c:v>
-                </c:pt>
-                <c:pt idx="125">
-                  <c:v>0.08267</c:v>
-                </c:pt>
-                <c:pt idx="126">
-                  <c:v>0.085851</c:v>
-                </c:pt>
-                <c:pt idx="127">
-                  <c:v>0.094611</c:v>
-                </c:pt>
-                <c:pt idx="128">
-                  <c:v>0.089886</c:v>
-                </c:pt>
-                <c:pt idx="129">
-                  <c:v>0.093016</c:v>
-                </c:pt>
-                <c:pt idx="130">
-                  <c:v>0.09237</c:v>
-                </c:pt>
-                <c:pt idx="131">
-                  <c:v>0.089304</c:v>
-                </c:pt>
-                <c:pt idx="132">
-                  <c:v>0.085508</c:v>
-                </c:pt>
-                <c:pt idx="133">
-                  <c:v>0.079769</c:v>
-                </c:pt>
-                <c:pt idx="134">
-                  <c:v>0.071594</c:v>
-                </c:pt>
-                <c:pt idx="135">
-                  <c:v>0.061385</c:v>
-                </c:pt>
-                <c:pt idx="136">
-                  <c:v>0.059207</c:v>
-                </c:pt>
-                <c:pt idx="137">
-                  <c:v>0.046798</c:v>
-                </c:pt>
-                <c:pt idx="138">
-                  <c:v>0.036146</c:v>
-                </c:pt>
-                <c:pt idx="139">
-                  <c:v>0.024344</c:v>
-                </c:pt>
-                <c:pt idx="140">
-                  <c:v>0.019507</c:v>
-                </c:pt>
-                <c:pt idx="141">
-                  <c:v>0.0078949</c:v>
-                </c:pt>
-                <c:pt idx="142">
-                  <c:v>0.0014122</c:v>
-                </c:pt>
-                <c:pt idx="143">
-                  <c:v>-0.0097835</c:v>
-                </c:pt>
-              </c:numCache>
-            </c:numRef>
-          </c:yVal>
-          <c:smooth val="1"/>
-        </c:ser>
-        <c:dLbls>
-          <c:showLegendKey val="0"/>
-          <c:showVal val="0"/>
-          <c:showCatName val="0"/>
-          <c:showSerName val="0"/>
-          <c:showPercent val="0"/>
-          <c:showBubbleSize val="0"/>
-        </c:dLbls>
-        <c:axId val="-2116304184"/>
-        <c:axId val="-2116132840"/>
-      </c:scatterChart>
-      <c:valAx>
-        <c:axId val="-2116304184"/>
-        <c:scaling>
-          <c:orientation val="minMax"/>
-          <c:max val="12.0"/>
-          <c:min val="2.0"/>
-        </c:scaling>
-        <c:delete val="0"/>
-        <c:axPos val="b"/>
-        <c:title>
-          <c:tx>
-            <c:rich>
-              <a:bodyPr/>
-              <a:lstStyle/>
-              <a:p>
-                <a:pPr marL="0" marR="0" indent="0" algn="ctr" defTabSz="914400" rtl="0" eaLnBrk="1" fontAlgn="auto" latinLnBrk="0" hangingPunct="1">
-                  <a:lnSpc>
-                    <a:spcPct val="100000"/>
-                  </a:lnSpc>
-                  <a:spcBef>
-                    <a:spcPts val="0"/>
-                  </a:spcBef>
-                  <a:spcAft>
-                    <a:spcPts val="0"/>
-                  </a:spcAft>
-                  <a:buClrTx/>
-                  <a:buSzTx/>
-                  <a:buFontTx/>
-                  <a:buNone/>
-                  <a:tabLst/>
-                  <a:defRPr sz="1200" b="1" i="0" u="none" strike="noStrike" kern="1200" baseline="0">
-                    <a:solidFill>
-                      <a:sysClr val="windowText" lastClr="000000"/>
-                    </a:solidFill>
-                    <a:latin typeface="Times New Roman"/>
-                    <a:ea typeface="+mn-ea"/>
-                    <a:cs typeface="Times New Roman"/>
-                  </a:defRPr>
-                </a:pPr>
-                <a:r>
-                  <a:rPr lang="en-US" altLang="zh-CN" sz="1200">
-                    <a:latin typeface="Times New Roman"/>
-                    <a:cs typeface="Times New Roman"/>
-                  </a:rPr>
-                  <a:t>r</a:t>
-                </a:r>
-                <a:r>
-                  <a:rPr lang="en-US" altLang="zh-CN" sz="1200" baseline="0">
-                    <a:latin typeface="Times New Roman"/>
-                    <a:cs typeface="Times New Roman"/>
-                  </a:rPr>
-                  <a:t> [</a:t>
-                </a:r>
-                <a:r>
-                  <a:rPr lang="fr-FR" altLang="zh-CN" sz="1200">
-                    <a:effectLst/>
-                    <a:latin typeface="Times New Roman"/>
-                    <a:cs typeface="Times New Roman"/>
-                  </a:rPr>
-                  <a:t>Å</a:t>
-                </a:r>
-                <a:r>
-                  <a:rPr lang="en-US" altLang="zh-CN" sz="1200" baseline="0">
-                    <a:latin typeface="Times New Roman"/>
-                    <a:cs typeface="Times New Roman"/>
-                  </a:rPr>
-                  <a:t>]</a:t>
-                </a:r>
-                <a:endParaRPr lang="zh-CN" altLang="en-US" sz="1200">
-                  <a:latin typeface="Times New Roman"/>
-                  <a:cs typeface="Times New Roman"/>
-                </a:endParaRPr>
-              </a:p>
-            </c:rich>
-          </c:tx>
-          <c:layout/>
-          <c:overlay val="0"/>
-        </c:title>
-        <c:numFmt formatCode="General" sourceLinked="0"/>
-        <c:majorTickMark val="out"/>
-        <c:minorTickMark val="none"/>
-        <c:tickLblPos val="low"/>
-        <c:spPr>
-          <a:ln>
-            <a:solidFill>
-              <a:schemeClr val="tx1"/>
-            </a:solidFill>
-          </a:ln>
-        </c:spPr>
-        <c:txPr>
-          <a:bodyPr/>
-          <a:lstStyle/>
-          <a:p>
-            <a:pPr>
-              <a:defRPr sz="1200">
-                <a:latin typeface="Times New Roman"/>
-                <a:cs typeface="Times New Roman"/>
-              </a:defRPr>
-            </a:pPr>
-            <a:endParaRPr lang="zh-CN"/>
-          </a:p>
-        </c:txPr>
-        <c:crossAx val="-2116132840"/>
-        <c:crosses val="autoZero"/>
-        <c:crossBetween val="midCat"/>
-      </c:valAx>
-      <c:valAx>
-        <c:axId val="-2116132840"/>
-        <c:scaling>
-          <c:orientation val="minMax"/>
-          <c:max val="3.0"/>
-          <c:min val="-1.5"/>
-        </c:scaling>
-        <c:delete val="0"/>
-        <c:axPos val="l"/>
-        <c:title>
-          <c:tx>
-            <c:rich>
-              <a:bodyPr/>
-              <a:lstStyle/>
-              <a:p>
-                <a:pPr>
-                  <a:defRPr sz="1200">
-                    <a:latin typeface="Times New Roman"/>
-                    <a:cs typeface="Times New Roman"/>
-                  </a:defRPr>
-                </a:pPr>
-                <a:r>
-                  <a:rPr lang="en-US" altLang="zh-CN" sz="1200">
-                    <a:latin typeface="Times New Roman"/>
-                    <a:cs typeface="Times New Roman"/>
-                  </a:rPr>
-                  <a:t>g(r)</a:t>
-                </a:r>
-                <a:endParaRPr lang="zh-CN" altLang="en-US" sz="1200">
-                  <a:latin typeface="Times New Roman"/>
-                  <a:cs typeface="Times New Roman"/>
-                </a:endParaRPr>
-              </a:p>
-            </c:rich>
-          </c:tx>
-          <c:layout/>
-          <c:overlay val="0"/>
-        </c:title>
-        <c:numFmt formatCode="General" sourceLinked="0"/>
-        <c:majorTickMark val="out"/>
-        <c:minorTickMark val="none"/>
-        <c:tickLblPos val="nextTo"/>
-        <c:spPr>
-          <a:ln>
-            <a:solidFill>
-              <a:schemeClr val="tx1"/>
-            </a:solidFill>
-          </a:ln>
-        </c:spPr>
-        <c:txPr>
-          <a:bodyPr/>
-          <a:lstStyle/>
-          <a:p>
-            <a:pPr>
-              <a:defRPr sz="1200">
-                <a:latin typeface="Times New Roman"/>
-                <a:cs typeface="Times New Roman"/>
-              </a:defRPr>
-            </a:pPr>
-            <a:endParaRPr lang="zh-CN"/>
-          </a:p>
-        </c:txPr>
-        <c:crossAx val="-2116304184"/>
-        <c:crosses val="autoZero"/>
-        <c:crossBetween val="midCat"/>
-      </c:valAx>
-      <c:spPr>
-        <a:noFill/>
-        <a:ln w="12700">
-          <a:solidFill>
-            <a:schemeClr val="tx1"/>
-          </a:solidFill>
-        </a:ln>
-      </c:spPr>
-    </c:plotArea>
-    <c:legend>
-      <c:legendPos val="r"/>
-      <c:layout/>
-      <c:overlay val="0"/>
-      <c:txPr>
-        <a:bodyPr/>
-        <a:lstStyle/>
-        <a:p>
-          <a:pPr>
-            <a:defRPr>
-              <a:latin typeface="Times New Roman"/>
-              <a:cs typeface="Times New Roman"/>
-            </a:defRPr>
-          </a:pPr>
-          <a:endParaRPr lang="zh-CN"/>
-        </a:p>
-      </c:txPr>
-    </c:legend>
-    <c:plotVisOnly val="1"/>
-    <c:dispBlanksAs val="gap"/>
-    <c:showDLblsOverMax val="0"/>
-  </c:chart>
-  <c:spPr>
-    <a:ln>
-      <a:noFill/>
-    </a:ln>
-  </c:spPr>
-  <c:externalData r:id="rId1">
-    <c:autoUpdate val="0"/>
-  </c:externalData>
-</c:chartSpace>
-</file>
-
-<file path=ppt/charts/chart6.xml><?xml version="1.0" encoding="utf-8"?>
-<c:chartSpace xmlns:c="http://schemas.openxmlformats.org/drawingml/2006/chart" xmlns:a="http://schemas.openxmlformats.org/drawingml/2006/main" xmlns:r="http://schemas.openxmlformats.org/officeDocument/2006/relationships">
-  <c:date1904 val="0"/>
-  <c:lang val="zh-CN"/>
-  <c:roundedCorners val="0"/>
-  <mc:AlternateContent xmlns:mc="http://schemas.openxmlformats.org/markup-compatibility/2006">
-    <mc:Choice xmlns:c14="http://schemas.microsoft.com/office/drawing/2007/8/2/chart" Requires="c14">
-      <c14:style val="102"/>
-    </mc:Choice>
-    <mc:Fallback>
-      <c:style val="2"/>
-    </mc:Fallback>
-  </mc:AlternateContent>
-  <c:chart>
-    <c:title>
-      <c:tx>
-        <c:rich>
-          <a:bodyPr/>
-          <a:lstStyle/>
-          <a:p>
-            <a:pPr>
-              <a:defRPr b="0">
-                <a:latin typeface="Times New Roman"/>
-                <a:cs typeface="Times New Roman"/>
-              </a:defRPr>
-            </a:pPr>
-            <a:r>
-              <a:rPr lang="en-US" altLang="zh-CN" b="0">
-                <a:latin typeface="Times New Roman"/>
-                <a:cs typeface="Times New Roman"/>
-              </a:rPr>
-              <a:t>CH</a:t>
-            </a:r>
-            <a:r>
-              <a:rPr lang="en-US" altLang="zh-CN" b="0" baseline="-25000">
-                <a:latin typeface="Times New Roman"/>
-                <a:cs typeface="Times New Roman"/>
-              </a:rPr>
-              <a:t>4</a:t>
-            </a:r>
-            <a:r>
-              <a:rPr lang="en-US" altLang="zh-CN" b="0" baseline="30000">
-                <a:latin typeface="Times New Roman"/>
-                <a:cs typeface="Times New Roman"/>
-              </a:rPr>
-              <a:t>+1</a:t>
-            </a:r>
-            <a:r>
-              <a:rPr lang="en-US" altLang="zh-CN" b="0">
-                <a:latin typeface="Times New Roman"/>
-                <a:cs typeface="Times New Roman"/>
-              </a:rPr>
-              <a:t>,</a:t>
-            </a:r>
-            <a:r>
-              <a:rPr lang="en-US" altLang="zh-CN" b="0" baseline="0">
-                <a:latin typeface="Times New Roman"/>
-                <a:cs typeface="Times New Roman"/>
-              </a:rPr>
-              <a:t> m</a:t>
-            </a:r>
-            <a:r>
-              <a:rPr lang="en-US" altLang="zh-CN" b="0" baseline="-25000">
-                <a:latin typeface="Times New Roman"/>
-                <a:cs typeface="Times New Roman"/>
-              </a:rPr>
-              <a:t>max</a:t>
-            </a:r>
-            <a:r>
-              <a:rPr lang="en-US" altLang="zh-CN" b="0" baseline="0">
-                <a:latin typeface="Times New Roman"/>
-                <a:cs typeface="Times New Roman"/>
-              </a:rPr>
-              <a:t>=5</a:t>
-            </a:r>
-            <a:endParaRPr lang="zh-CN" altLang="en-US" b="0">
+            <a:endParaRPr lang="zh-CN" altLang="en-US" sz="2000" b="0">
               <a:latin typeface="Times New Roman"/>
               <a:cs typeface="Times New Roman"/>
             </a:endParaRPr>
@@ -40986,7 +36389,7 @@
                   <c:v>1.744E-33</c:v>
                 </c:pt>
                 <c:pt idx="25">
-                  <c:v>9.74500000000001E-18</c:v>
+                  <c:v>9.74500000000003E-18</c:v>
                 </c:pt>
                 <c:pt idx="26">
                   <c:v>4.142E-9</c:v>
@@ -42220,7 +37623,7 @@
                   <c:v>0.0</c:v>
                 </c:pt>
                 <c:pt idx="24">
-                  <c:v>-4.65200000000001E-33</c:v>
+                  <c:v>-4.65200000000003E-33</c:v>
                 </c:pt>
                 <c:pt idx="25">
                   <c:v>-2.532E-17</c:v>
@@ -43457,7 +38860,7 @@
                   <c:v>0.0</c:v>
                 </c:pt>
                 <c:pt idx="24">
-                  <c:v>6.12700000000001E-33</c:v>
+                  <c:v>6.12700000000003E-33</c:v>
                 </c:pt>
                 <c:pt idx="25">
                   <c:v>3.161E-17</c:v>
@@ -44694,7 +40097,7 @@
                   <c:v>0.0</c:v>
                 </c:pt>
                 <c:pt idx="24">
-                  <c:v>-4.33300000000001E-34</c:v>
+                  <c:v>-4.33300000000003E-34</c:v>
                 </c:pt>
                 <c:pt idx="25">
                   <c:v>-2.949E-18</c:v>
@@ -45396,7 +40799,7 @@
                   <c:v>4.0417</c:v>
                 </c:pt>
                 <c:pt idx="49">
-                  <c:v>4.124999999999999</c:v>
+                  <c:v>4.124999999999996</c:v>
                 </c:pt>
                 <c:pt idx="50">
                   <c:v>4.2083</c:v>
@@ -45414,7 +40817,7 @@
                   <c:v>4.5417</c:v>
                 </c:pt>
                 <c:pt idx="55">
-                  <c:v>4.624999999999999</c:v>
+                  <c:v>4.624999999999995</c:v>
                 </c:pt>
                 <c:pt idx="56">
                   <c:v>4.7083</c:v>
@@ -45432,7 +40835,7 @@
                   <c:v>5.0417</c:v>
                 </c:pt>
                 <c:pt idx="61">
-                  <c:v>5.124999999999999</c:v>
+                  <c:v>5.124999999999996</c:v>
                 </c:pt>
                 <c:pt idx="62">
                   <c:v>5.2083</c:v>
@@ -45450,7 +40853,7 @@
                   <c:v>5.5417</c:v>
                 </c:pt>
                 <c:pt idx="67">
-                  <c:v>5.624999999999999</c:v>
+                  <c:v>5.624999999999995</c:v>
                 </c:pt>
                 <c:pt idx="68">
                   <c:v>5.7083</c:v>
@@ -45468,7 +40871,7 @@
                   <c:v>6.0417</c:v>
                 </c:pt>
                 <c:pt idx="73">
-                  <c:v>6.124999999999999</c:v>
+                  <c:v>6.124999999999996</c:v>
                 </c:pt>
                 <c:pt idx="74">
                   <c:v>6.2083</c:v>
@@ -45486,7 +40889,7 @@
                   <c:v>6.5417</c:v>
                 </c:pt>
                 <c:pt idx="79">
-                  <c:v>6.624999999999999</c:v>
+                  <c:v>6.624999999999995</c:v>
                 </c:pt>
                 <c:pt idx="80">
                   <c:v>6.7083</c:v>
@@ -45504,7 +40907,7 @@
                   <c:v>7.0417</c:v>
                 </c:pt>
                 <c:pt idx="85">
-                  <c:v>7.124999999999999</c:v>
+                  <c:v>7.124999999999996</c:v>
                 </c:pt>
                 <c:pt idx="86">
                   <c:v>7.2083</c:v>
@@ -45522,7 +40925,7 @@
                   <c:v>7.5417</c:v>
                 </c:pt>
                 <c:pt idx="91">
-                  <c:v>7.624999999999999</c:v>
+                  <c:v>7.624999999999995</c:v>
                 </c:pt>
                 <c:pt idx="92">
                   <c:v>7.7083</c:v>
@@ -46296,7 +41699,7 @@
                   <c:v>4.0417</c:v>
                 </c:pt>
                 <c:pt idx="49">
-                  <c:v>4.124999999999999</c:v>
+                  <c:v>4.124999999999996</c:v>
                 </c:pt>
                 <c:pt idx="50">
                   <c:v>4.2083</c:v>
@@ -46314,7 +41717,7 @@
                   <c:v>4.5417</c:v>
                 </c:pt>
                 <c:pt idx="55">
-                  <c:v>4.624999999999999</c:v>
+                  <c:v>4.624999999999995</c:v>
                 </c:pt>
                 <c:pt idx="56">
                   <c:v>4.7083</c:v>
@@ -46332,7 +41735,7 @@
                   <c:v>5.0417</c:v>
                 </c:pt>
                 <c:pt idx="61">
-                  <c:v>5.124999999999999</c:v>
+                  <c:v>5.124999999999996</c:v>
                 </c:pt>
                 <c:pt idx="62">
                   <c:v>5.2083</c:v>
@@ -46350,7 +41753,7 @@
                   <c:v>5.5417</c:v>
                 </c:pt>
                 <c:pt idx="67">
-                  <c:v>5.624999999999999</c:v>
+                  <c:v>5.624999999999995</c:v>
                 </c:pt>
                 <c:pt idx="68">
                   <c:v>5.7083</c:v>
@@ -46368,7 +41771,7 @@
                   <c:v>6.0417</c:v>
                 </c:pt>
                 <c:pt idx="73">
-                  <c:v>6.124999999999999</c:v>
+                  <c:v>6.124999999999996</c:v>
                 </c:pt>
                 <c:pt idx="74">
                   <c:v>6.2083</c:v>
@@ -46386,7 +41789,7 @@
                   <c:v>6.5417</c:v>
                 </c:pt>
                 <c:pt idx="79">
-                  <c:v>6.624999999999999</c:v>
+                  <c:v>6.624999999999995</c:v>
                 </c:pt>
                 <c:pt idx="80">
                   <c:v>6.7083</c:v>
@@ -46404,7 +41807,7 @@
                   <c:v>7.0417</c:v>
                 </c:pt>
                 <c:pt idx="85">
-                  <c:v>7.124999999999999</c:v>
+                  <c:v>7.124999999999996</c:v>
                 </c:pt>
                 <c:pt idx="86">
                   <c:v>7.2083</c:v>
@@ -46422,7 +41825,7 @@
                   <c:v>7.5417</c:v>
                 </c:pt>
                 <c:pt idx="91">
-                  <c:v>7.624999999999999</c:v>
+                  <c:v>7.624999999999995</c:v>
                 </c:pt>
                 <c:pt idx="92">
                   <c:v>7.7083</c:v>
@@ -46701,7 +42104,7 @@
                   <c:v>-4.6712</c:v>
                 </c:pt>
                 <c:pt idx="37">
-                  <c:v>-4.464099999999999</c:v>
+                  <c:v>-4.464099999999997</c:v>
                 </c:pt>
                 <c:pt idx="38">
                   <c:v>-3.7434</c:v>
@@ -47196,7 +42599,7 @@
                   <c:v>4.0417</c:v>
                 </c:pt>
                 <c:pt idx="49">
-                  <c:v>4.124999999999999</c:v>
+                  <c:v>4.124999999999996</c:v>
                 </c:pt>
                 <c:pt idx="50">
                   <c:v>4.2083</c:v>
@@ -47214,7 +42617,7 @@
                   <c:v>4.5417</c:v>
                 </c:pt>
                 <c:pt idx="55">
-                  <c:v>4.624999999999999</c:v>
+                  <c:v>4.624999999999995</c:v>
                 </c:pt>
                 <c:pt idx="56">
                   <c:v>4.7083</c:v>
@@ -47232,7 +42635,7 @@
                   <c:v>5.0417</c:v>
                 </c:pt>
                 <c:pt idx="61">
-                  <c:v>5.124999999999999</c:v>
+                  <c:v>5.124999999999996</c:v>
                 </c:pt>
                 <c:pt idx="62">
                   <c:v>5.2083</c:v>
@@ -47250,7 +42653,7 @@
                   <c:v>5.5417</c:v>
                 </c:pt>
                 <c:pt idx="67">
-                  <c:v>5.624999999999999</c:v>
+                  <c:v>5.624999999999995</c:v>
                 </c:pt>
                 <c:pt idx="68">
                   <c:v>5.7083</c:v>
@@ -47268,7 +42671,7 @@
                   <c:v>6.0417</c:v>
                 </c:pt>
                 <c:pt idx="73">
-                  <c:v>6.124999999999999</c:v>
+                  <c:v>6.124999999999996</c:v>
                 </c:pt>
                 <c:pt idx="74">
                   <c:v>6.2083</c:v>
@@ -47286,7 +42689,7 @@
                   <c:v>6.5417</c:v>
                 </c:pt>
                 <c:pt idx="79">
-                  <c:v>6.624999999999999</c:v>
+                  <c:v>6.624999999999995</c:v>
                 </c:pt>
                 <c:pt idx="80">
                   <c:v>6.7083</c:v>
@@ -47304,7 +42707,7 @@
                   <c:v>7.0417</c:v>
                 </c:pt>
                 <c:pt idx="85">
-                  <c:v>7.124999999999999</c:v>
+                  <c:v>7.124999999999996</c:v>
                 </c:pt>
                 <c:pt idx="86">
                   <c:v>7.2083</c:v>
@@ -47322,7 +42725,7 @@
                   <c:v>7.5417</c:v>
                 </c:pt>
                 <c:pt idx="91">
-                  <c:v>7.624999999999999</c:v>
+                  <c:v>7.624999999999995</c:v>
                 </c:pt>
                 <c:pt idx="92">
                   <c:v>7.7083</c:v>
@@ -48096,7 +43499,7 @@
                   <c:v>4.0417</c:v>
                 </c:pt>
                 <c:pt idx="49">
-                  <c:v>4.124999999999999</c:v>
+                  <c:v>4.124999999999996</c:v>
                 </c:pt>
                 <c:pt idx="50">
                   <c:v>4.2083</c:v>
@@ -48114,7 +43517,7 @@
                   <c:v>4.5417</c:v>
                 </c:pt>
                 <c:pt idx="55">
-                  <c:v>4.624999999999999</c:v>
+                  <c:v>4.624999999999995</c:v>
                 </c:pt>
                 <c:pt idx="56">
                   <c:v>4.7083</c:v>
@@ -48132,7 +43535,7 @@
                   <c:v>5.0417</c:v>
                 </c:pt>
                 <c:pt idx="61">
-                  <c:v>5.124999999999999</c:v>
+                  <c:v>5.124999999999996</c:v>
                 </c:pt>
                 <c:pt idx="62">
                   <c:v>5.2083</c:v>
@@ -48150,7 +43553,7 @@
                   <c:v>5.5417</c:v>
                 </c:pt>
                 <c:pt idx="67">
-                  <c:v>5.624999999999999</c:v>
+                  <c:v>5.624999999999995</c:v>
                 </c:pt>
                 <c:pt idx="68">
                   <c:v>5.7083</c:v>
@@ -48168,7 +43571,7 @@
                   <c:v>6.0417</c:v>
                 </c:pt>
                 <c:pt idx="73">
-                  <c:v>6.124999999999999</c:v>
+                  <c:v>6.124999999999996</c:v>
                 </c:pt>
                 <c:pt idx="74">
                   <c:v>6.2083</c:v>
@@ -48186,7 +43589,7 @@
                   <c:v>6.5417</c:v>
                 </c:pt>
                 <c:pt idx="79">
-                  <c:v>6.624999999999999</c:v>
+                  <c:v>6.624999999999995</c:v>
                 </c:pt>
                 <c:pt idx="80">
                   <c:v>6.7083</c:v>
@@ -48204,7 +43607,7 @@
                   <c:v>7.0417</c:v>
                 </c:pt>
                 <c:pt idx="85">
-                  <c:v>7.124999999999999</c:v>
+                  <c:v>7.124999999999996</c:v>
                 </c:pt>
                 <c:pt idx="86">
                   <c:v>7.2083</c:v>
@@ -48222,7 +43625,7 @@
                   <c:v>7.5417</c:v>
                 </c:pt>
                 <c:pt idx="91">
-                  <c:v>7.624999999999999</c:v>
+                  <c:v>7.624999999999995</c:v>
                 </c:pt>
                 <c:pt idx="92">
                   <c:v>7.7083</c:v>
@@ -48834,11 +44237,11 @@
           <c:showPercent val="0"/>
           <c:showBubbleSize val="0"/>
         </c:dLbls>
-        <c:axId val="-2132695240"/>
-        <c:axId val="-2133271032"/>
+        <c:axId val="-2144882936"/>
+        <c:axId val="-2144875992"/>
       </c:scatterChart>
       <c:valAx>
-        <c:axId val="-2132695240"/>
+        <c:axId val="-2144882936"/>
         <c:scaling>
           <c:orientation val="minMax"/>
           <c:max val="12.0"/>
@@ -48867,7 +44270,7 @@
                   <a:buFontTx/>
                   <a:buNone/>
                   <a:tabLst/>
-                  <a:defRPr sz="1200" b="1" i="0" u="none" strike="noStrike" kern="1200" baseline="0">
+                  <a:defRPr sz="1400" b="1" i="0" u="none" strike="noStrike" kern="1200" baseline="0">
                     <a:solidFill>
                       <a:sysClr val="windowText" lastClr="000000"/>
                     </a:solidFill>
@@ -48877,21 +44280,21 @@
                   </a:defRPr>
                 </a:pPr>
                 <a:r>
-                  <a:rPr lang="en-US" altLang="zh-CN" sz="1200">
+                  <a:rPr lang="en-US" altLang="zh-CN" sz="1400">
                     <a:latin typeface="Times New Roman"/>
                     <a:cs typeface="Times New Roman"/>
                   </a:rPr>
                   <a:t>r</a:t>
                 </a:r>
                 <a:r>
-                  <a:rPr lang="en-US" altLang="zh-CN" sz="1200" baseline="0">
+                  <a:rPr lang="en-US" altLang="zh-CN" sz="1400" baseline="0">
                     <a:latin typeface="Times New Roman"/>
                     <a:cs typeface="Times New Roman"/>
                   </a:rPr>
                   <a:t> [</a:t>
                 </a:r>
                 <a:r>
-                  <a:rPr lang="fr-FR" altLang="zh-CN" sz="1200">
+                  <a:rPr lang="fr-FR" altLang="zh-CN" sz="1400">
                     <a:effectLst/>
                     <a:latin typeface="Times New Roman"/>
                     <a:cs typeface="Times New Roman"/>
@@ -48899,13 +44302,13 @@
                   <a:t>Å</a:t>
                 </a:r>
                 <a:r>
-                  <a:rPr lang="en-US" altLang="zh-CN" sz="1200" baseline="0">
+                  <a:rPr lang="en-US" altLang="zh-CN" sz="1400" baseline="0">
                     <a:latin typeface="Times New Roman"/>
                     <a:cs typeface="Times New Roman"/>
                   </a:rPr>
                   <a:t>]</a:t>
                 </a:r>
-                <a:endParaRPr lang="zh-CN" altLang="en-US" sz="1200">
+                <a:endParaRPr lang="zh-CN" altLang="en-US" sz="1400">
                   <a:latin typeface="Times New Roman"/>
                   <a:cs typeface="Times New Roman"/>
                 </a:endParaRPr>
@@ -48931,7 +44334,7 @@
           <a:lstStyle/>
           <a:p>
             <a:pPr>
-              <a:defRPr sz="1200">
+              <a:defRPr sz="1400">
                 <a:latin typeface="Times New Roman"/>
                 <a:cs typeface="Times New Roman"/>
               </a:defRPr>
@@ -48939,12 +44342,12 @@
             <a:endParaRPr lang="zh-CN"/>
           </a:p>
         </c:txPr>
-        <c:crossAx val="-2133271032"/>
+        <c:crossAx val="-2144875992"/>
         <c:crosses val="autoZero"/>
         <c:crossBetween val="midCat"/>
       </c:valAx>
       <c:valAx>
-        <c:axId val="-2133271032"/>
+        <c:axId val="-2144875992"/>
         <c:scaling>
           <c:orientation val="minMax"/>
         </c:scaling>
@@ -48957,19 +44360,19 @@
               <a:lstStyle/>
               <a:p>
                 <a:pPr>
-                  <a:defRPr sz="1200">
+                  <a:defRPr sz="1400">
                     <a:latin typeface="Times New Roman"/>
                     <a:cs typeface="Times New Roman"/>
                   </a:defRPr>
                 </a:pPr>
                 <a:r>
-                  <a:rPr lang="en-US" altLang="zh-CN" sz="1200">
+                  <a:rPr lang="en-US" altLang="zh-CN" sz="1400">
                     <a:latin typeface="Times New Roman"/>
                     <a:cs typeface="Times New Roman"/>
                   </a:rPr>
                   <a:t>g(r)</a:t>
                 </a:r>
-                <a:endParaRPr lang="zh-CN" altLang="en-US" sz="1200">
+                <a:endParaRPr lang="zh-CN" altLang="en-US" sz="1400">
                   <a:latin typeface="Times New Roman"/>
                   <a:cs typeface="Times New Roman"/>
                 </a:endParaRPr>
@@ -48995,7 +44398,7 @@
           <a:lstStyle/>
           <a:p>
             <a:pPr>
-              <a:defRPr sz="1200">
+              <a:defRPr sz="1400">
                 <a:latin typeface="Times New Roman"/>
                 <a:cs typeface="Times New Roman"/>
               </a:defRPr>
@@ -49003,7 +44406,7 @@
             <a:endParaRPr lang="zh-CN"/>
           </a:p>
         </c:txPr>
-        <c:crossAx val="-2132695240"/>
+        <c:crossAx val="-2144882936"/>
         <c:crosses val="autoZero"/>
         <c:crossBetween val="midCat"/>
       </c:valAx>
@@ -49025,7 +44428,7 @@
         <a:lstStyle/>
         <a:p>
           <a:pPr>
-            <a:defRPr>
+            <a:defRPr sz="1200">
               <a:latin typeface="Times New Roman"/>
               <a:cs typeface="Times New Roman"/>
             </a:defRPr>
@@ -49049,7 +44452,7 @@
 </c:chartSpace>
 </file>
 
-<file path=ppt/charts/chart7.xml><?xml version="1.0" encoding="utf-8"?>
+<file path=ppt/charts/chart6.xml><?xml version="1.0" encoding="utf-8"?>
 <c:chartSpace xmlns:c="http://schemas.openxmlformats.org/drawingml/2006/chart" xmlns:a="http://schemas.openxmlformats.org/drawingml/2006/main" xmlns:r="http://schemas.openxmlformats.org/officeDocument/2006/relationships">
   <c:date1904 val="0"/>
   <c:lang val="zh-CN"/>
@@ -49070,54 +44473,54 @@
           <a:lstStyle/>
           <a:p>
             <a:pPr>
-              <a:defRPr b="0">
+              <a:defRPr sz="2000" b="0">
                 <a:latin typeface="Times New Roman"/>
                 <a:cs typeface="Times New Roman"/>
               </a:defRPr>
             </a:pPr>
             <a:r>
-              <a:rPr lang="en-US" altLang="zh-CN" b="0">
+              <a:rPr lang="en-US" altLang="zh-CN" sz="2000" b="0">
                 <a:latin typeface="Times New Roman"/>
                 <a:cs typeface="Times New Roman"/>
               </a:rPr>
               <a:t>CH</a:t>
             </a:r>
             <a:r>
-              <a:rPr lang="en-US" altLang="zh-CN" b="0" baseline="-25000">
+              <a:rPr lang="en-US" altLang="zh-CN" sz="2000" b="0" baseline="-25000">
                 <a:latin typeface="Times New Roman"/>
                 <a:cs typeface="Times New Roman"/>
               </a:rPr>
               <a:t>4</a:t>
             </a:r>
             <a:r>
-              <a:rPr lang="en-US" altLang="zh-CN" b="0">
+              <a:rPr lang="en-US" altLang="zh-CN" sz="2000" b="0">
                 <a:latin typeface="Times New Roman"/>
                 <a:cs typeface="Times New Roman"/>
               </a:rPr>
               <a:t>,</a:t>
             </a:r>
             <a:r>
-              <a:rPr lang="en-US" altLang="zh-CN" b="0" baseline="0">
+              <a:rPr lang="en-US" altLang="zh-CN" sz="2000" b="0" baseline="0">
                 <a:latin typeface="Times New Roman"/>
                 <a:cs typeface="Times New Roman"/>
               </a:rPr>
               <a:t> m</a:t>
             </a:r>
             <a:r>
-              <a:rPr lang="en-US" altLang="zh-CN" b="0" baseline="-25000">
+              <a:rPr lang="en-US" altLang="zh-CN" sz="2000" b="0" baseline="-25000">
                 <a:latin typeface="Times New Roman"/>
                 <a:cs typeface="Times New Roman"/>
               </a:rPr>
               <a:t>max</a:t>
             </a:r>
             <a:r>
-              <a:rPr lang="en-US" altLang="zh-CN" b="0" baseline="0">
+              <a:rPr lang="en-US" altLang="zh-CN" sz="2000" b="0" baseline="0">
                 <a:latin typeface="Times New Roman"/>
                 <a:cs typeface="Times New Roman"/>
               </a:rPr>
               <a:t>=5</a:t>
             </a:r>
-            <a:endParaRPr lang="zh-CN" altLang="en-US" b="0">
+            <a:endParaRPr lang="zh-CN" altLang="en-US" sz="2000" b="0">
               <a:latin typeface="Times New Roman"/>
               <a:cs typeface="Times New Roman"/>
             </a:endParaRPr>
@@ -51784,7 +47187,7 @@
                   <c:v>4.0417</c:v>
                 </c:pt>
                 <c:pt idx="49">
-                  <c:v>4.124999999999999</c:v>
+                  <c:v>4.124999999999996</c:v>
                 </c:pt>
                 <c:pt idx="50">
                   <c:v>4.2083</c:v>
@@ -51802,7 +47205,7 @@
                   <c:v>4.5417</c:v>
                 </c:pt>
                 <c:pt idx="55">
-                  <c:v>4.624999999999999</c:v>
+                  <c:v>4.624999999999995</c:v>
                 </c:pt>
                 <c:pt idx="56">
                   <c:v>4.7083</c:v>
@@ -51820,7 +47223,7 @@
                   <c:v>5.0417</c:v>
                 </c:pt>
                 <c:pt idx="61">
-                  <c:v>5.124999999999999</c:v>
+                  <c:v>5.124999999999996</c:v>
                 </c:pt>
                 <c:pt idx="62">
                   <c:v>5.2083</c:v>
@@ -51838,7 +47241,7 @@
                   <c:v>5.5417</c:v>
                 </c:pt>
                 <c:pt idx="67">
-                  <c:v>5.624999999999999</c:v>
+                  <c:v>5.624999999999995</c:v>
                 </c:pt>
                 <c:pt idx="68">
                   <c:v>5.7083</c:v>
@@ -51856,7 +47259,7 @@
                   <c:v>6.0417</c:v>
                 </c:pt>
                 <c:pt idx="73">
-                  <c:v>6.124999999999999</c:v>
+                  <c:v>6.124999999999996</c:v>
                 </c:pt>
                 <c:pt idx="74">
                   <c:v>6.2083</c:v>
@@ -51874,7 +47277,7 @@
                   <c:v>6.5417</c:v>
                 </c:pt>
                 <c:pt idx="79">
-                  <c:v>6.624999999999999</c:v>
+                  <c:v>6.624999999999995</c:v>
                 </c:pt>
                 <c:pt idx="80">
                   <c:v>6.7083</c:v>
@@ -51892,7 +47295,7 @@
                   <c:v>7.0417</c:v>
                 </c:pt>
                 <c:pt idx="85">
-                  <c:v>7.124999999999999</c:v>
+                  <c:v>7.124999999999996</c:v>
                 </c:pt>
                 <c:pt idx="86">
                   <c:v>7.2083</c:v>
@@ -51910,7 +47313,7 @@
                   <c:v>7.5417</c:v>
                 </c:pt>
                 <c:pt idx="91">
-                  <c:v>7.624999999999999</c:v>
+                  <c:v>7.624999999999995</c:v>
                 </c:pt>
                 <c:pt idx="92">
                   <c:v>7.7083</c:v>
@@ -52684,7 +48087,7 @@
                   <c:v>4.0417</c:v>
                 </c:pt>
                 <c:pt idx="49">
-                  <c:v>4.124999999999999</c:v>
+                  <c:v>4.124999999999996</c:v>
                 </c:pt>
                 <c:pt idx="50">
                   <c:v>4.2083</c:v>
@@ -52702,7 +48105,7 @@
                   <c:v>4.5417</c:v>
                 </c:pt>
                 <c:pt idx="55">
-                  <c:v>4.624999999999999</c:v>
+                  <c:v>4.624999999999995</c:v>
                 </c:pt>
                 <c:pt idx="56">
                   <c:v>4.7083</c:v>
@@ -52720,7 +48123,7 @@
                   <c:v>5.0417</c:v>
                 </c:pt>
                 <c:pt idx="61">
-                  <c:v>5.124999999999999</c:v>
+                  <c:v>5.124999999999996</c:v>
                 </c:pt>
                 <c:pt idx="62">
                   <c:v>5.2083</c:v>
@@ -52738,7 +48141,7 @@
                   <c:v>5.5417</c:v>
                 </c:pt>
                 <c:pt idx="67">
-                  <c:v>5.624999999999999</c:v>
+                  <c:v>5.624999999999995</c:v>
                 </c:pt>
                 <c:pt idx="68">
                   <c:v>5.7083</c:v>
@@ -52756,7 +48159,7 @@
                   <c:v>6.0417</c:v>
                 </c:pt>
                 <c:pt idx="73">
-                  <c:v>6.124999999999999</c:v>
+                  <c:v>6.124999999999996</c:v>
                 </c:pt>
                 <c:pt idx="74">
                   <c:v>6.2083</c:v>
@@ -52774,7 +48177,7 @@
                   <c:v>6.5417</c:v>
                 </c:pt>
                 <c:pt idx="79">
-                  <c:v>6.624999999999999</c:v>
+                  <c:v>6.624999999999995</c:v>
                 </c:pt>
                 <c:pt idx="80">
                   <c:v>6.7083</c:v>
@@ -52792,7 +48195,7 @@
                   <c:v>7.0417</c:v>
                 </c:pt>
                 <c:pt idx="85">
-                  <c:v>7.124999999999999</c:v>
+                  <c:v>7.124999999999996</c:v>
                 </c:pt>
                 <c:pt idx="86">
                   <c:v>7.2083</c:v>
@@ -52810,7 +48213,7 @@
                   <c:v>7.5417</c:v>
                 </c:pt>
                 <c:pt idx="91">
-                  <c:v>7.624999999999999</c:v>
+                  <c:v>7.624999999999995</c:v>
                 </c:pt>
                 <c:pt idx="92">
                   <c:v>7.7083</c:v>
@@ -53422,11 +48825,11 @@
           <c:showPercent val="0"/>
           <c:showBubbleSize val="0"/>
         </c:dLbls>
-        <c:axId val="-2132865288"/>
-        <c:axId val="-2132760216"/>
+        <c:axId val="-2144840840"/>
+        <c:axId val="-2144833816"/>
       </c:scatterChart>
       <c:valAx>
-        <c:axId val="-2132865288"/>
+        <c:axId val="-2144840840"/>
         <c:scaling>
           <c:orientation val="minMax"/>
           <c:max val="12.0"/>
@@ -53455,7 +48858,7 @@
                   <a:buFontTx/>
                   <a:buNone/>
                   <a:tabLst/>
-                  <a:defRPr sz="1200" b="1" i="0" u="none" strike="noStrike" kern="1200" baseline="0">
+                  <a:defRPr sz="1400" b="1" i="0" u="none" strike="noStrike" kern="1200" baseline="0">
                     <a:solidFill>
                       <a:sysClr val="windowText" lastClr="000000"/>
                     </a:solidFill>
@@ -53465,21 +48868,21 @@
                   </a:defRPr>
                 </a:pPr>
                 <a:r>
-                  <a:rPr lang="en-US" altLang="zh-CN" sz="1200">
+                  <a:rPr lang="en-US" altLang="zh-CN" sz="1400">
                     <a:latin typeface="Times New Roman"/>
                     <a:cs typeface="Times New Roman"/>
                   </a:rPr>
                   <a:t>r</a:t>
                 </a:r>
                 <a:r>
-                  <a:rPr lang="en-US" altLang="zh-CN" sz="1200" baseline="0">
+                  <a:rPr lang="en-US" altLang="zh-CN" sz="1400" baseline="0">
                     <a:latin typeface="Times New Roman"/>
                     <a:cs typeface="Times New Roman"/>
                   </a:rPr>
                   <a:t> [</a:t>
                 </a:r>
                 <a:r>
-                  <a:rPr lang="fr-FR" altLang="zh-CN" sz="1200">
+                  <a:rPr lang="fr-FR" altLang="zh-CN" sz="1400">
                     <a:effectLst/>
                     <a:latin typeface="Times New Roman"/>
                     <a:cs typeface="Times New Roman"/>
@@ -53487,13 +48890,13 @@
                   <a:t>Å</a:t>
                 </a:r>
                 <a:r>
-                  <a:rPr lang="en-US" altLang="zh-CN" sz="1200" baseline="0">
+                  <a:rPr lang="en-US" altLang="zh-CN" sz="1400" baseline="0">
                     <a:latin typeface="Times New Roman"/>
                     <a:cs typeface="Times New Roman"/>
                   </a:rPr>
                   <a:t>]</a:t>
                 </a:r>
-                <a:endParaRPr lang="zh-CN" altLang="en-US" sz="1200">
+                <a:endParaRPr lang="zh-CN" altLang="en-US" sz="1400">
                   <a:latin typeface="Times New Roman"/>
                   <a:cs typeface="Times New Roman"/>
                 </a:endParaRPr>
@@ -53519,7 +48922,7 @@
           <a:lstStyle/>
           <a:p>
             <a:pPr>
-              <a:defRPr sz="1200">
+              <a:defRPr sz="1400">
                 <a:latin typeface="Times New Roman"/>
                 <a:cs typeface="Times New Roman"/>
               </a:defRPr>
@@ -53527,12 +48930,12 @@
             <a:endParaRPr lang="zh-CN"/>
           </a:p>
         </c:txPr>
-        <c:crossAx val="-2132760216"/>
+        <c:crossAx val="-2144833816"/>
         <c:crosses val="autoZero"/>
         <c:crossBetween val="midCat"/>
       </c:valAx>
       <c:valAx>
-        <c:axId val="-2132760216"/>
+        <c:axId val="-2144833816"/>
         <c:scaling>
           <c:orientation val="minMax"/>
         </c:scaling>
@@ -53545,19 +48948,19 @@
               <a:lstStyle/>
               <a:p>
                 <a:pPr>
-                  <a:defRPr sz="1200">
+                  <a:defRPr sz="1400">
                     <a:latin typeface="Times New Roman"/>
                     <a:cs typeface="Times New Roman"/>
                   </a:defRPr>
                 </a:pPr>
                 <a:r>
-                  <a:rPr lang="en-US" altLang="zh-CN" sz="1200">
+                  <a:rPr lang="en-US" altLang="zh-CN" sz="1400">
                     <a:latin typeface="Times New Roman"/>
                     <a:cs typeface="Times New Roman"/>
                   </a:rPr>
                   <a:t>g(r)</a:t>
                 </a:r>
-                <a:endParaRPr lang="zh-CN" altLang="en-US" sz="1200">
+                <a:endParaRPr lang="zh-CN" altLang="en-US" sz="1400">
                   <a:latin typeface="Times New Roman"/>
                   <a:cs typeface="Times New Roman"/>
                 </a:endParaRPr>
@@ -53583,7 +48986,7 @@
           <a:lstStyle/>
           <a:p>
             <a:pPr>
-              <a:defRPr sz="1200">
+              <a:defRPr sz="1400">
                 <a:latin typeface="Times New Roman"/>
                 <a:cs typeface="Times New Roman"/>
               </a:defRPr>
@@ -53591,7 +48994,7 @@
             <a:endParaRPr lang="zh-CN"/>
           </a:p>
         </c:txPr>
-        <c:crossAx val="-2132865288"/>
+        <c:crossAx val="-2144840840"/>
         <c:crosses val="autoZero"/>
         <c:crossBetween val="midCat"/>
       </c:valAx>
@@ -53613,7 +49016,7 @@
         <a:lstStyle/>
         <a:p>
           <a:pPr>
-            <a:defRPr>
+            <a:defRPr sz="1200">
               <a:latin typeface="Times New Roman"/>
               <a:cs typeface="Times New Roman"/>
             </a:defRPr>
@@ -53666,8 +49069,8 @@
         </p:nvSpPr>
         <p:spPr>
           <a:xfrm>
-            <a:off x="890826" y="4698278"/>
-            <a:ext cx="10096024" cy="3241882"/>
+            <a:off x="890826" y="3689778"/>
+            <a:ext cx="10096024" cy="2546002"/>
           </a:xfrm>
         </p:spPr>
         <p:txBody>
@@ -53694,8 +49097,8 @@
         </p:nvSpPr>
         <p:spPr>
           <a:xfrm>
-            <a:off x="1781653" y="8570331"/>
-            <a:ext cx="8314372" cy="3865051"/>
+            <a:off x="1781653" y="6730683"/>
+            <a:ext cx="8314372" cy="3035406"/>
           </a:xfrm>
         </p:spPr>
         <p:txBody>
@@ -53818,7 +49221,7 @@
           <a:p>
             <a:fld id="{BBF35444-9718-6149-9B3C-8D094596E1B2}" type="datetimeFigureOut">
               <a:rPr kumimoji="1" lang="zh-CN" altLang="en-US" smtClean="0"/>
-              <a:t>26/10/16</a:t>
+              <a:t>27/11/16</a:t>
             </a:fld>
             <a:endParaRPr kumimoji="1" lang="zh-CN" altLang="en-US"/>
           </a:p>
@@ -53988,7 +49391,7 @@
           <a:p>
             <a:fld id="{BBF35444-9718-6149-9B3C-8D094596E1B2}" type="datetimeFigureOut">
               <a:rPr kumimoji="1" lang="zh-CN" altLang="en-US" smtClean="0"/>
-              <a:t>26/10/16</a:t>
+              <a:t>27/11/16</a:t>
             </a:fld>
             <a:endParaRPr kumimoji="1" lang="zh-CN" altLang="en-US"/>
           </a:p>
@@ -54078,8 +49481,8 @@
         </p:nvSpPr>
         <p:spPr>
           <a:xfrm>
-            <a:off x="8611314" y="605667"/>
-            <a:ext cx="2672477" cy="12904509"/>
+            <a:off x="8611317" y="475659"/>
+            <a:ext cx="2672477" cy="10134516"/>
           </a:xfrm>
         </p:spPr>
         <p:txBody>
@@ -54106,8 +49509,8 @@
         </p:nvSpPr>
         <p:spPr>
           <a:xfrm>
-            <a:off x="593884" y="605667"/>
-            <a:ext cx="7819470" cy="12904509"/>
+            <a:off x="593884" y="475659"/>
+            <a:ext cx="7819470" cy="10134516"/>
           </a:xfrm>
         </p:spPr>
         <p:txBody>
@@ -54168,7 +49571,7 @@
           <a:p>
             <a:fld id="{BBF35444-9718-6149-9B3C-8D094596E1B2}" type="datetimeFigureOut">
               <a:rPr kumimoji="1" lang="zh-CN" altLang="en-US" smtClean="0"/>
-              <a:t>26/10/16</a:t>
+              <a:t>27/11/16</a:t>
             </a:fld>
             <a:endParaRPr kumimoji="1" lang="zh-CN" altLang="en-US"/>
           </a:p>
@@ -54338,7 +49741,7 @@
           <a:p>
             <a:fld id="{BBF35444-9718-6149-9B3C-8D094596E1B2}" type="datetimeFigureOut">
               <a:rPr kumimoji="1" lang="zh-CN" altLang="en-US" smtClean="0"/>
-              <a:t>26/10/16</a:t>
+              <a:t>27/11/16</a:t>
             </a:fld>
             <a:endParaRPr kumimoji="1" lang="zh-CN" altLang="en-US"/>
           </a:p>
@@ -54428,8 +49831,8 @@
         </p:nvSpPr>
         <p:spPr>
           <a:xfrm>
-            <a:off x="938254" y="9718644"/>
-            <a:ext cx="10096024" cy="3003817"/>
+            <a:off x="938254" y="7632507"/>
+            <a:ext cx="10096024" cy="2359038"/>
           </a:xfrm>
         </p:spPr>
         <p:txBody>
@@ -54460,8 +49863,8 @@
         </p:nvSpPr>
         <p:spPr>
           <a:xfrm>
-            <a:off x="938254" y="6410245"/>
-            <a:ext cx="10096024" cy="3308398"/>
+            <a:off x="938254" y="5034266"/>
+            <a:ext cx="10096024" cy="2598240"/>
           </a:xfrm>
         </p:spPr>
         <p:txBody>
@@ -54584,7 +49987,7 @@
           <a:p>
             <a:fld id="{BBF35444-9718-6149-9B3C-8D094596E1B2}" type="datetimeFigureOut">
               <a:rPr kumimoji="1" lang="zh-CN" altLang="en-US" smtClean="0"/>
-              <a:t>26/10/16</a:t>
+              <a:t>27/11/16</a:t>
             </a:fld>
             <a:endParaRPr kumimoji="1" lang="zh-CN" altLang="en-US"/>
           </a:p>
@@ -54697,8 +50100,8 @@
         </p:nvSpPr>
         <p:spPr>
           <a:xfrm>
-            <a:off x="593884" y="3528962"/>
-            <a:ext cx="5245973" cy="9981216"/>
+            <a:off x="593887" y="2771459"/>
+            <a:ext cx="5245973" cy="7838717"/>
           </a:xfrm>
         </p:spPr>
         <p:txBody>
@@ -54782,8 +50185,8 @@
         </p:nvSpPr>
         <p:spPr>
           <a:xfrm>
-            <a:off x="6037818" y="3528962"/>
-            <a:ext cx="5245973" cy="9981216"/>
+            <a:off x="6037821" y="2771459"/>
+            <a:ext cx="5245973" cy="7838717"/>
           </a:xfrm>
         </p:spPr>
         <p:txBody>
@@ -54872,7 +50275,7 @@
           <a:p>
             <a:fld id="{BBF35444-9718-6149-9B3C-8D094596E1B2}" type="datetimeFigureOut">
               <a:rPr kumimoji="1" lang="zh-CN" altLang="en-US" smtClean="0"/>
-              <a:t>26/10/16</a:t>
+              <a:t>27/11/16</a:t>
             </a:fld>
             <a:endParaRPr kumimoji="1" lang="zh-CN" altLang="en-US"/>
           </a:p>
@@ -54989,8 +50392,8 @@
         </p:nvSpPr>
         <p:spPr>
           <a:xfrm>
-            <a:off x="593884" y="3385423"/>
-            <a:ext cx="5248036" cy="1410882"/>
+            <a:off x="593884" y="2658731"/>
+            <a:ext cx="5248036" cy="1108032"/>
           </a:xfrm>
         </p:spPr>
         <p:txBody>
@@ -55054,8 +50457,8 @@
         </p:nvSpPr>
         <p:spPr>
           <a:xfrm>
-            <a:off x="593884" y="4796306"/>
-            <a:ext cx="5248036" cy="8713870"/>
+            <a:off x="593884" y="3766765"/>
+            <a:ext cx="5248036" cy="6843411"/>
           </a:xfrm>
         </p:spPr>
         <p:txBody>
@@ -55139,8 +50542,8 @@
         </p:nvSpPr>
         <p:spPr>
           <a:xfrm>
-            <a:off x="6033695" y="3385423"/>
-            <a:ext cx="5250097" cy="1410882"/>
+            <a:off x="6033698" y="2658731"/>
+            <a:ext cx="5250097" cy="1108032"/>
           </a:xfrm>
         </p:spPr>
         <p:txBody>
@@ -55204,8 +50607,8 @@
         </p:nvSpPr>
         <p:spPr>
           <a:xfrm>
-            <a:off x="6033695" y="4796306"/>
-            <a:ext cx="5250097" cy="8713870"/>
+            <a:off x="6033698" y="3766765"/>
+            <a:ext cx="5250097" cy="6843411"/>
           </a:xfrm>
         </p:spPr>
         <p:txBody>
@@ -55294,7 +50697,7 @@
           <a:p>
             <a:fld id="{BBF35444-9718-6149-9B3C-8D094596E1B2}" type="datetimeFigureOut">
               <a:rPr kumimoji="1" lang="zh-CN" altLang="en-US" smtClean="0"/>
-              <a:t>26/10/16</a:t>
+              <a:t>27/11/16</a:t>
             </a:fld>
             <a:endParaRPr kumimoji="1" lang="zh-CN" altLang="en-US"/>
           </a:p>
@@ -55412,7 +50815,7 @@
           <a:p>
             <a:fld id="{BBF35444-9718-6149-9B3C-8D094596E1B2}" type="datetimeFigureOut">
               <a:rPr kumimoji="1" lang="zh-CN" altLang="en-US" smtClean="0"/>
-              <a:t>26/10/16</a:t>
+              <a:t>27/11/16</a:t>
             </a:fld>
             <a:endParaRPr kumimoji="1" lang="zh-CN" altLang="en-US"/>
           </a:p>
@@ -55507,7 +50910,7 @@
           <a:p>
             <a:fld id="{BBF35444-9718-6149-9B3C-8D094596E1B2}" type="datetimeFigureOut">
               <a:rPr kumimoji="1" lang="zh-CN" altLang="en-US" smtClean="0"/>
-              <a:t>26/10/16</a:t>
+              <a:t>27/11/16</a:t>
             </a:fld>
             <a:endParaRPr kumimoji="1" lang="zh-CN" altLang="en-US"/>
           </a:p>
@@ -55597,8 +51000,8 @@
         </p:nvSpPr>
         <p:spPr>
           <a:xfrm>
-            <a:off x="593885" y="602164"/>
-            <a:ext cx="3907673" cy="2562697"/>
+            <a:off x="593888" y="472908"/>
+            <a:ext cx="3907673" cy="2012606"/>
           </a:xfrm>
         </p:spPr>
         <p:txBody>
@@ -55629,8 +51032,8 @@
         </p:nvSpPr>
         <p:spPr>
           <a:xfrm>
-            <a:off x="4643840" y="602166"/>
-            <a:ext cx="6639951" cy="12908012"/>
+            <a:off x="4643840" y="472909"/>
+            <a:ext cx="6639951" cy="10137267"/>
           </a:xfrm>
         </p:spPr>
         <p:txBody>
@@ -55714,8 +51117,8 @@
         </p:nvSpPr>
         <p:spPr>
           <a:xfrm>
-            <a:off x="593885" y="3164862"/>
-            <a:ext cx="3907673" cy="10345315"/>
+            <a:off x="593888" y="2485516"/>
+            <a:ext cx="3907673" cy="8124661"/>
           </a:xfrm>
         </p:spPr>
         <p:txBody>
@@ -55784,7 +51187,7 @@
           <a:p>
             <a:fld id="{BBF35444-9718-6149-9B3C-8D094596E1B2}" type="datetimeFigureOut">
               <a:rPr kumimoji="1" lang="zh-CN" altLang="en-US" smtClean="0"/>
-              <a:t>26/10/16</a:t>
+              <a:t>27/11/16</a:t>
             </a:fld>
             <a:endParaRPr kumimoji="1" lang="zh-CN" altLang="en-US"/>
           </a:p>
@@ -55874,8 +51277,8 @@
         </p:nvSpPr>
         <p:spPr>
           <a:xfrm>
-            <a:off x="2328108" y="10586880"/>
-            <a:ext cx="7126605" cy="1249840"/>
+            <a:off x="2328111" y="8314373"/>
+            <a:ext cx="7126605" cy="981558"/>
           </a:xfrm>
         </p:spPr>
         <p:txBody>
@@ -55906,8 +51309,8 @@
         </p:nvSpPr>
         <p:spPr>
           <a:xfrm>
-            <a:off x="2328108" y="1351368"/>
-            <a:ext cx="7126605" cy="9074468"/>
+            <a:off x="2328111" y="1061294"/>
+            <a:ext cx="7126605" cy="7126605"/>
           </a:xfrm>
         </p:spPr>
         <p:txBody>
@@ -55967,8 +51370,8 @@
         </p:nvSpPr>
         <p:spPr>
           <a:xfrm>
-            <a:off x="2328108" y="11836721"/>
-            <a:ext cx="7126605" cy="1774981"/>
+            <a:off x="2328111" y="9295932"/>
+            <a:ext cx="7126605" cy="1393976"/>
           </a:xfrm>
         </p:spPr>
         <p:txBody>
@@ -56037,7 +51440,7 @@
           <a:p>
             <a:fld id="{BBF35444-9718-6149-9B3C-8D094596E1B2}" type="datetimeFigureOut">
               <a:rPr kumimoji="1" lang="zh-CN" altLang="en-US" smtClean="0"/>
-              <a:t>26/10/16</a:t>
+              <a:t>27/11/16</a:t>
             </a:fld>
             <a:endParaRPr kumimoji="1" lang="zh-CN" altLang="en-US"/>
           </a:p>
@@ -56132,8 +51535,8 @@
         </p:nvSpPr>
         <p:spPr>
           <a:xfrm>
-            <a:off x="593884" y="605666"/>
-            <a:ext cx="10689908" cy="2520686"/>
+            <a:off x="593884" y="475659"/>
+            <a:ext cx="10689908" cy="1979613"/>
           </a:xfrm>
           <a:prstGeom prst="rect">
             <a:avLst/>
@@ -56165,8 +51568,8 @@
         </p:nvSpPr>
         <p:spPr>
           <a:xfrm>
-            <a:off x="593884" y="3528962"/>
-            <a:ext cx="10689908" cy="9981216"/>
+            <a:off x="593884" y="2771459"/>
+            <a:ext cx="10689908" cy="7838717"/>
           </a:xfrm>
           <a:prstGeom prst="rect">
             <a:avLst/>
@@ -56227,8 +51630,8 @@
         </p:nvSpPr>
         <p:spPr>
           <a:xfrm>
-            <a:off x="593884" y="14017813"/>
-            <a:ext cx="2771458" cy="805219"/>
+            <a:off x="593884" y="11008846"/>
+            <a:ext cx="2771458" cy="632376"/>
           </a:xfrm>
           <a:prstGeom prst="rect">
             <a:avLst/>
@@ -56250,7 +51653,7 @@
           <a:p>
             <a:fld id="{BBF35444-9718-6149-9B3C-8D094596E1B2}" type="datetimeFigureOut">
               <a:rPr kumimoji="1" lang="zh-CN" altLang="en-US" smtClean="0"/>
-              <a:t>26/10/16</a:t>
+              <a:t>27/11/16</a:t>
             </a:fld>
             <a:endParaRPr kumimoji="1" lang="zh-CN" altLang="en-US"/>
           </a:p>
@@ -56268,8 +51671,8 @@
         </p:nvSpPr>
         <p:spPr>
           <a:xfrm>
-            <a:off x="4058206" y="14017813"/>
-            <a:ext cx="3761263" cy="805219"/>
+            <a:off x="4058209" y="11008846"/>
+            <a:ext cx="3761263" cy="632376"/>
           </a:xfrm>
           <a:prstGeom prst="rect">
             <a:avLst/>
@@ -56305,8 +51708,8 @@
         </p:nvSpPr>
         <p:spPr>
           <a:xfrm>
-            <a:off x="8512333" y="14017813"/>
-            <a:ext cx="2771458" cy="805219"/>
+            <a:off x="8512333" y="11008846"/>
+            <a:ext cx="2771458" cy="632376"/>
           </a:xfrm>
           <a:prstGeom prst="rect">
             <a:avLst/>
@@ -56634,14 +52037,14 @@
           <p:nvPr>
             <p:extLst>
               <p:ext uri="{D42A27DB-BD31-4B8C-83A1-F6EECF244321}">
-                <p14:modId xmlns:p14="http://schemas.microsoft.com/office/powerpoint/2010/main" val="810700590"/>
+                <p14:modId xmlns:p14="http://schemas.microsoft.com/office/powerpoint/2010/main" val="595825860"/>
               </p:ext>
             </p:extLst>
           </p:nvPr>
         </p:nvGraphicFramePr>
         <p:xfrm>
-          <a:off x="189126" y="179880"/>
-          <a:ext cx="5760000" cy="3600000"/>
+          <a:off x="0" y="141269"/>
+          <a:ext cx="5938838" cy="3818795"/>
         </p:xfrm>
         <a:graphic>
           <a:graphicData uri="http://schemas.openxmlformats.org/drawingml/2006/chart">
@@ -56658,14 +52061,14 @@
           <p:nvPr>
             <p:extLst>
               <p:ext uri="{D42A27DB-BD31-4B8C-83A1-F6EECF244321}">
-                <p14:modId xmlns:p14="http://schemas.microsoft.com/office/powerpoint/2010/main" val="2002511883"/>
+                <p14:modId xmlns:p14="http://schemas.microsoft.com/office/powerpoint/2010/main" val="1806260848"/>
               </p:ext>
             </p:extLst>
           </p:nvPr>
         </p:nvGraphicFramePr>
         <p:xfrm>
-          <a:off x="5949126" y="179880"/>
-          <a:ext cx="5760000" cy="3600000"/>
+          <a:off x="5938838" y="141269"/>
+          <a:ext cx="5938838" cy="3818795"/>
         </p:xfrm>
         <a:graphic>
           <a:graphicData uri="http://schemas.openxmlformats.org/drawingml/2006/chart">
@@ -56682,14 +52085,14 @@
           <p:nvPr>
             <p:extLst>
               <p:ext uri="{D42A27DB-BD31-4B8C-83A1-F6EECF244321}">
-                <p14:modId xmlns:p14="http://schemas.microsoft.com/office/powerpoint/2010/main" val="837815858"/>
+                <p14:modId xmlns:p14="http://schemas.microsoft.com/office/powerpoint/2010/main" val="1606380736"/>
               </p:ext>
             </p:extLst>
           </p:nvPr>
         </p:nvGraphicFramePr>
         <p:xfrm>
-          <a:off x="189126" y="3970112"/>
-          <a:ext cx="5760000" cy="3600000"/>
+          <a:off x="0" y="4161857"/>
+          <a:ext cx="5938838" cy="3818795"/>
         </p:xfrm>
         <a:graphic>
           <a:graphicData uri="http://schemas.openxmlformats.org/drawingml/2006/chart">
@@ -56706,42 +52109,18 @@
           <p:nvPr>
             <p:extLst>
               <p:ext uri="{D42A27DB-BD31-4B8C-83A1-F6EECF244321}">
-                <p14:modId xmlns:p14="http://schemas.microsoft.com/office/powerpoint/2010/main" val="3199321211"/>
+                <p14:modId xmlns:p14="http://schemas.microsoft.com/office/powerpoint/2010/main" val="2100440157"/>
               </p:ext>
             </p:extLst>
           </p:nvPr>
         </p:nvGraphicFramePr>
         <p:xfrm>
-          <a:off x="5949126" y="3969391"/>
-          <a:ext cx="5760000" cy="3600000"/>
+          <a:off x="5938838" y="4161093"/>
+          <a:ext cx="5938838" cy="3818795"/>
         </p:xfrm>
         <a:graphic>
           <a:graphicData uri="http://schemas.openxmlformats.org/drawingml/2006/chart">
             <c:chart xmlns:c="http://schemas.openxmlformats.org/drawingml/2006/chart" xmlns:r="http://schemas.openxmlformats.org/officeDocument/2006/relationships" r:id="rId5"/>
-          </a:graphicData>
-        </a:graphic>
-      </p:graphicFrame>
-      <p:graphicFrame>
-        <p:nvGraphicFramePr>
-          <p:cNvPr id="17" name="图表 16"/>
-          <p:cNvGraphicFramePr>
-            <a:graphicFrameLocks/>
-          </p:cNvGraphicFramePr>
-          <p:nvPr>
-            <p:extLst>
-              <p:ext uri="{D42A27DB-BD31-4B8C-83A1-F6EECF244321}">
-                <p14:modId xmlns:p14="http://schemas.microsoft.com/office/powerpoint/2010/main" val="137436661"/>
-              </p:ext>
-            </p:extLst>
-          </p:nvPr>
-        </p:nvGraphicFramePr>
-        <p:xfrm>
-          <a:off x="189126" y="7643858"/>
-          <a:ext cx="5760000" cy="3600000"/>
-        </p:xfrm>
-        <a:graphic>
-          <a:graphicData uri="http://schemas.openxmlformats.org/drawingml/2006/chart">
-            <c:chart xmlns:c="http://schemas.openxmlformats.org/drawingml/2006/chart" xmlns:r="http://schemas.openxmlformats.org/officeDocument/2006/relationships" r:id="rId6"/>
           </a:graphicData>
         </a:graphic>
       </p:graphicFrame>
@@ -56754,18 +52133,18 @@
           <p:nvPr>
             <p:extLst>
               <p:ext uri="{D42A27DB-BD31-4B8C-83A1-F6EECF244321}">
-                <p14:modId xmlns:p14="http://schemas.microsoft.com/office/powerpoint/2010/main" val="2047926159"/>
+                <p14:modId xmlns:p14="http://schemas.microsoft.com/office/powerpoint/2010/main" val="1585224728"/>
               </p:ext>
             </p:extLst>
           </p:nvPr>
         </p:nvGraphicFramePr>
         <p:xfrm>
-          <a:off x="5949126" y="7643858"/>
-          <a:ext cx="5760000" cy="3600000"/>
+          <a:off x="5938838" y="8058880"/>
+          <a:ext cx="5938838" cy="3818795"/>
         </p:xfrm>
         <a:graphic>
           <a:graphicData uri="http://schemas.openxmlformats.org/drawingml/2006/chart">
-            <c:chart xmlns:c="http://schemas.openxmlformats.org/drawingml/2006/chart" xmlns:r="http://schemas.openxmlformats.org/officeDocument/2006/relationships" r:id="rId7"/>
+            <c:chart xmlns:c="http://schemas.openxmlformats.org/drawingml/2006/chart" xmlns:r="http://schemas.openxmlformats.org/officeDocument/2006/relationships" r:id="rId6"/>
           </a:graphicData>
         </a:graphic>
       </p:graphicFrame>
@@ -56778,18 +52157,18 @@
           <p:nvPr>
             <p:extLst>
               <p:ext uri="{D42A27DB-BD31-4B8C-83A1-F6EECF244321}">
-                <p14:modId xmlns:p14="http://schemas.microsoft.com/office/powerpoint/2010/main" val="863668316"/>
+                <p14:modId xmlns:p14="http://schemas.microsoft.com/office/powerpoint/2010/main" val="3095419825"/>
               </p:ext>
             </p:extLst>
           </p:nvPr>
         </p:nvGraphicFramePr>
         <p:xfrm>
-          <a:off x="3069126" y="11379383"/>
-          <a:ext cx="5760000" cy="3600000"/>
+          <a:off x="0" y="8058880"/>
+          <a:ext cx="5938838" cy="3818795"/>
         </p:xfrm>
         <a:graphic>
           <a:graphicData uri="http://schemas.openxmlformats.org/drawingml/2006/chart">
-            <c:chart xmlns:c="http://schemas.openxmlformats.org/drawingml/2006/chart" xmlns:r="http://schemas.openxmlformats.org/officeDocument/2006/relationships" r:id="rId8"/>
+            <c:chart xmlns:c="http://schemas.openxmlformats.org/drawingml/2006/chart" xmlns:r="http://schemas.openxmlformats.org/officeDocument/2006/relationships" r:id="rId7"/>
           </a:graphicData>
         </a:graphic>
       </p:graphicFrame>
